--- a/week4/CSharp-4.pptx
+++ b/week4/CSharp-4.pptx
@@ -15,8 +15,8 @@
     <p:sldId id="259" r:id="rId9"/>
     <p:sldId id="261" r:id="rId10"/>
     <p:sldId id="264" r:id="rId11"/>
-    <p:sldId id="267" r:id="rId12"/>
-    <p:sldId id="266" r:id="rId13"/>
+    <p:sldId id="266" r:id="rId12"/>
+    <p:sldId id="267" r:id="rId13"/>
     <p:sldId id="263" r:id="rId14"/>
     <p:sldId id="268" r:id="rId15"/>
     <p:sldId id="269" r:id="rId16"/>
@@ -156,774 +156,6 @@
 </p:presentation>
 </file>
 
-<file path=ppt/ink/ink1.xml><?xml version="1.0" encoding="utf-8"?>
-<inkml:ink xmlns:inkml="http://www.w3.org/2003/InkML">
-  <inkml:definitions>
-    <inkml:context xml:id="ctx0">
-      <inkml:inkSource xml:id="inkSrc0">
-        <inkml:traceFormat>
-          <inkml:channel name="X" type="integer" max="2646" units="cm"/>
-          <inkml:channel name="Y" type="integer" max="768" units="cm"/>
-          <inkml:channel name="T" type="integer" max="2.14748E9" units="dev"/>
-        </inkml:traceFormat>
-        <inkml:channelProperties>
-          <inkml:channelProperty channel="X" name="resolution" value="76.9186" units="1/cm"/>
-          <inkml:channelProperty channel="Y" name="resolution" value="39.79275" units="1/cm"/>
-          <inkml:channelProperty channel="T" name="resolution" value="1" units="1/dev"/>
-        </inkml:channelProperties>
-      </inkml:inkSource>
-      <inkml:timestamp xml:id="ts0" timeString="2018-02-14T22:24:24.897"/>
-    </inkml:context>
-    <inkml:brush xml:id="br0">
-      <inkml:brushProperty name="width" value="0.05292" units="cm"/>
-      <inkml:brushProperty name="height" value="0.05292" units="cm"/>
-      <inkml:brushProperty name="color" value="#FF0000"/>
-    </inkml:brush>
-  </inkml:definitions>
-  <inkml:trace contextRef="#ctx0" brushRef="#br0">28169 7259 0</inkml:trace>
-  <inkml:trace contextRef="#ctx0" brushRef="#br0" timeOffset="3984.795">4615 12793 0,'40'0'109,"40"0"-93,0 0-1,0 0-15,81 0 16,-1 0-16,-39 0 15,-1 0 1,41 0-16,-41 0 16,-40 0-16,41 0 15,-41 0-15,-40 0 16,0 0-16,40 0 16,-39 0-16,-1 0 15,40 0-15,0 0 16,-40 0-16,41 41 15,-41-41-15,80 0 16,-40 40-16,1-40 16,-1 0-16,40 0 15,-40 0-15,41 0 16,-41 0-16,0 0 16,41 0-16,-81 0 15,0 0-15,0 0 16,40 0-16,-39 0 15,-1 0-15,40 0 16,-40 0-16,0 0 16,0 0-16,0 0 15,1 0-15,-1 0 16,0 0-16,40 0 16,-40 0-16,81 40 15,-1-40 1,-40 0-16,0 0 15,41 0-15,-1 0 16,-40 0-16,41 0 16,-1 0-16,1 0 15,-41 0-15,0 0 16,40 0-16,-39 0 16,39 0-16,-40 0 15,1 0-15,-1 0 16,0 0-16,40 0 15,-39 0-15,39 0 16,0 0-16,41 0 16,0 0-16,-1 0 15,81 0-15,-41 0 16,-39 0-16,40 0 16,-41 0-16,1 0 15,-41 0-15,0 0 16,41 0-16,-1 0 15,1 0-15,-1 0 16,1 0-16,-1 0 16,1 0-1,-41 0-15,1 0 16,-1 0-16,0 0 16,1 0-16,-1 0 15,0 0-15,41 0 16,-81 0-16,81 0 15,-81 0-15,81 0 16,-41 0-16,0 0 16,41 0-16,-81 0 15,81 0-15,-41 0 16,0 0-16,-39 0 16,39 0-16,0 0 15,1 0-15,39 0 16,-39 0-16,-1 0 15,40 0-15,1 0 16,-41 0-16,1 0 16,-1 0-16,0 0 15,1 40-15,-1-40 16,1 40-16,39-40 16,-39 0-16,79 0 15,1 0-15,-1 0 16,-39 0-16,-1 0 15,-39 0 1,-1 0-16,1 0 16,-41 0-16,40 0 15,1 0-15,-1 0 16,40 0-16,-79 0 16,39 0-16,41 0 15,-41 0-15,0 0 16,1 0-16,-1 0 15,0 0-15,1 40 16,-1-40-16,41 40 16,-81-40-16,40 0 15,1 0-15,-1 0 16,1 0-16,-1 40 16,-40-40-16,41 0 15,-1 0-15,0 0 16,41 0-16,-41 0 15,1 0-15,-1 0 16,0 0-16,1 0 16,-41 0-16,40 0 15,-39 40-15,-1-40 16,0 0-16,-40 0 16,0 0-1,41 0-15,-41 0 16,0 0-1,0 0-15,0 0 94</inkml:trace>
-</inkml:ink>
-</file>
-
-<file path=ppt/ink/ink10.xml><?xml version="1.0" encoding="utf-8"?>
-<inkml:ink xmlns:inkml="http://www.w3.org/2003/InkML">
-  <inkml:definitions>
-    <inkml:context xml:id="ctx0">
-      <inkml:inkSource xml:id="inkSrc0">
-        <inkml:traceFormat>
-          <inkml:channel name="X" type="integer" max="2646" units="cm"/>
-          <inkml:channel name="Y" type="integer" max="768" units="cm"/>
-          <inkml:channel name="T" type="integer" max="2.14748E9" units="dev"/>
-        </inkml:traceFormat>
-        <inkml:channelProperties>
-          <inkml:channelProperty channel="X" name="resolution" value="76.9186" units="1/cm"/>
-          <inkml:channelProperty channel="Y" name="resolution" value="39.79275" units="1/cm"/>
-          <inkml:channelProperty channel="T" name="resolution" value="1" units="1/dev"/>
-        </inkml:channelProperties>
-      </inkml:inkSource>
-      <inkml:timestamp xml:id="ts0" timeString="2018-02-14T23:11:21.678"/>
-    </inkml:context>
-    <inkml:brush xml:id="br0">
-      <inkml:brushProperty name="width" value="0.05292" units="cm"/>
-      <inkml:brushProperty name="height" value="0.05292" units="cm"/>
-      <inkml:brushProperty name="color" value="#FF0000"/>
-    </inkml:brush>
-  </inkml:definitions>
-  <inkml:trace contextRef="#ctx0" brushRef="#br0">13683 13395 0,'-40'0'203,"0"0"-203,40 40 31,-40-40-15,0 40 15,-1-40-15,41 40-1,-40-40 1,40 40 0,-40 1-1,40-1 1,-40-40 0,40 40-16,-40 0 31,40 0-31,0 0 31,0 0-15,0 0-1,0 0-15,0 1 32,0 39-17,40-40 1,-40 0-1,40-40 1,0 40 0,-40 0-1,40-40 1,-40 40 0,41-40-16,-1 0 15,-40 40 1,40-40-1,0 40-15,0-40 16,0 0 0,40 41-16,-39-41 15,39 40 1,0-40 0,-40 40-1,0-40-15,0 0 16,1 0-16,39 0 15,-40 0-15,0 0 16,40 0-16,-40 0 16,1 0-16,-1 0 15,80 0-15,-80 0 16,0 0-16,1 0 16,39 0-16,0 0 15,-40 0-15,0 0 16,41 0-16,-41 0 15,0 0-15,0 0 16,0 0-16,40 0 16,-40 0-16,1 0 15,-1 0 1,40 0-16,-40 0 16,0 0-1,0-40-15,0 40 16,41-40-1,-41 40-15,0-41 16,0 41 0,0 0-16,40-40 15,-39 0 1,-1 40-16,-40-40 16,40 40-16,-40-40 15,40 0-15,0 0 16,-40 0-1,40 40 1,-40-40-16,0 0 16,0-1-1,40 1-15,-40 0 16,0 0 0,0 0-16,0 0 15,0 0 1,0 0-16,0 0 15,0-1 1,0 1 15,-40 40-15,40-40-16,0 0 31,0 0 0,-40 40-31,40-40 16,-40 40-16,0-40 31,0 40 1,0 0-17,-1-40 1,1 40-16,0 0 15,0 0 1,0 0 0,0 0-16,-40 0 15,39 0 1,-39 0 15,40 0-15,0 0-1,0 0 1,0-40-16,0 40 16,-1 0-16,1 0 15,0 0 1,0 0-16,0 0 16,0 0-16,0 0 15,0 0 1,-1 0-16,1 0 15,0 0-15,0 0 16,0 0-16,0 0 16,0 0-16,0 0 15,-1 0-15,1 0 16,0 0 0,0 0-16,0 0 15,0 0 1,-41 0-1,41 0 1,0 0 0,0 0-16,0 0 15,0 0 17,-40 0-17,39 0 1,1 0-1,0 0 1,0 0-16,0 0 16,0 0 15,0 0-31,0 0 16,-1 0-1,1 0 1,0 0-1,0 0-15,0 0 32,0 0-17,0 0 32</inkml:trace>
-  <inkml:trace contextRef="#ctx0" brushRef="#br0" timeOffset="51095.25">12519 8863 0,'41'0'125,"-1"0"-125,0 0 16,0 0-1,0 0-15,0 0 16,0 0 15,0 0-15,1 0-1,-1 0 17,0 0-17,0 0 1,0 0-1,0 0-15,0 0 32,0 0-17,1 0-15,-1 0 16,0 0 0,40 0-1,-40 0 1,40 0-1,-39 0 1,-1 0-16,0 0 16,0 0-1,0 0 1,0 0-16,0 0 16,0 0-16,1 0 15,-1 0-15,0 0 16,0 0-16,0 0 15,0 0 1,0 0 0,0 0-16,1 0 31,-1 0-15,0-40-16,0 0 31,-40 0 0,40 40-15,-40-40-1,40 0 1,-40 0 0,40-1-16,-40 1 15,0 0 1,0 0-1,0 0-15,0 0 16,40 40-16,-40-40 16,0 0-1,0 0-15,0-1 16,0 1 0,0 0-1,0 0 1,0 0-1,0 0 1,0 0 15,-40 0-15,0 0 0,0 0-1,-40 40 1,0-41-1,39 41 1,1 0-16,0 0 16,40-40-16,-40 40 15,0 0-15,0 0 16,0 0 0,0 0-16,-1 0 31,1 0-16,0 0-15,0 0 16,0 0 0,0 0-16,0 0 15,0 0-15,-1 40 16,1-40 0,0 0-1,0 0 1,0 41-16,0-41 15,-40 0 1,39 0-16,1 0 16,0 0-1,40 40 1,-40-40-16,0 0 16,0 40-16,0-40 15,0 0 16,-1 0-15,1 0 0,0 0-1,40 40 1,-40-40 0,0 0 15,0 40-31,40 0 31,-40 0-31,0 0 16,40 0 15,0 0-15,0 1-16,0-1 15,0 0 16,0 0-15,0 0 15,0 0-31,0 0 16,0 0 0,0 0-1,0 1 1,0-1-1,0 0 17,0 0 93,0 0-94,40 0 0,-40 0 0,0 0 1,0 0 30,0 0 94,0 1-93</inkml:trace>
-  <inkml:trace contextRef="#ctx0" brushRef="#br0" timeOffset="58391.289">21307 7981 0,'0'0'0,"40"0"15,0 0-15,0 0 16,1 0-16,39 0 16,0 0-16,0 0 15,41 0-15,-1 0 16,41 0-16,-81 0 16,40 0-16,-39 0 15,-1 0-15,0 0 16,0 0-16,1 0 15,-1 0-15,0 0 16,-40 0-16,40 0 16,1 0-1,-41 0-15,0 0 16,40 0-16,-40 0 16,0 0-16,1 0 15,39 0-15,-40 0 16,0 0-16,0 0 15,40 0-15,1 0 16,-1 0-16,0 0 16,0 0-16,41 0 15,-41 0-15,-40 0 16,40 0-16,1 0 16,-1 0-16,40 0 15,-39 0-15,39 0 16,-40 0-16,0 0 15,1 0-15,-1 0 16,0 0-16,41 0 16,-41 0-16,0 40 15,0-40-15,1 0 16,-1 0-16,0 0 16,41 0-16,-81 0 15,40 0 1</inkml:trace>
-</inkml:ink>
-</file>
-
-<file path=ppt/ink/ink11.xml><?xml version="1.0" encoding="utf-8"?>
-<inkml:ink xmlns:inkml="http://www.w3.org/2003/InkML">
-  <inkml:definitions>
-    <inkml:context xml:id="ctx0">
-      <inkml:inkSource xml:id="inkSrc0">
-        <inkml:traceFormat>
-          <inkml:channel name="X" type="integer" max="2646" units="cm"/>
-          <inkml:channel name="Y" type="integer" max="768" units="cm"/>
-          <inkml:channel name="T" type="integer" max="2.14748E9" units="dev"/>
-        </inkml:traceFormat>
-        <inkml:channelProperties>
-          <inkml:channelProperty channel="X" name="resolution" value="76.9186" units="1/cm"/>
-          <inkml:channelProperty channel="Y" name="resolution" value="39.79275" units="1/cm"/>
-          <inkml:channelProperty channel="T" name="resolution" value="1" units="1/dev"/>
-        </inkml:channelProperties>
-      </inkml:inkSource>
-      <inkml:timestamp xml:id="ts0" timeString="2018-02-14T23:12:36.101"/>
-    </inkml:context>
-    <inkml:brush xml:id="br0">
-      <inkml:brushProperty name="width" value="0.05292" units="cm"/>
-      <inkml:brushProperty name="height" value="0.05292" units="cm"/>
-      <inkml:brushProperty name="color" value="#FF0000"/>
-    </inkml:brush>
-  </inkml:definitions>
-  <inkml:trace contextRef="#ctx0" brushRef="#br0">13683 14839 0,'40'0'125,"40"0"-125,1 0 16,-1 0-16,0 0 15,-40 0-15,41 0 16,-41 0-16,0 0 15,0 0 1,0 0 0,40 0-1,-40 0 1,1 0 0,-1 0-16,0 0 15,40 0 1,-40 0-1,0 0-15,1 0 16,-1 0-16,0 0 16,0 0-1,0 0-15,0 0 16,0 0 0,0 0-16,1 0 15,-1 0 1,40 0-1,-40 0-15,0 0 16,0 0 0,41 0-1,-41 0 1,0 0 0,0 0-16,0 0 15,0 0 1,0 0-1,0 0 1,1 0-16,-1 0 16,0 0-1,40 0 1,-40 0-16,0 0 16,0 0-16,1 0 15,-1 0-15,0 0 16,0 0-1,0 0 1,0 0 0,0 0-16,0 0 31,1 0-15,-1 0-1,0 0 32,0 0-16,0 0-15,0 0 0,0 0-1</inkml:trace>
-  <inkml:trace contextRef="#ctx0" brushRef="#br0" timeOffset="7815.188">6902 17686 0,'80'0'94,"-40"0"-79,0 0-15,0 0 16,0 0-16,41 0 16,-1 0-1,-40 0 1,0 0 0,41 0-1,-41 0 1,40 0-1,-40 0 1,0 0-16,0 0 16,0 0-1,1 0 1,39 0-16,0 0 16,-40 0-1,0 0 1,0 0-1,1 0 17,-1 0-17,0 0 17,0 0-1,0 0-16,0 0-15,0 0 16,0 0 0,41 0-1,-1 40 1,-40-40 0,0 0-1,0 0-15,0 0 16,1 0-16,-1 0 15,0 0 1,0 0-16,40 0 16,-40 0-1,0 0 1,1 0 0,-1 0-16,0 0 15,0 0 1,0 0-1,0 0-15,40 0 16,-39 0-16,-1 0 16,40 0-16,-40 0 15,0 0-15,0 0 16,41 0-16,-1 0 16,-40 0-1,80 0-15,-39 0 16,-1 0-16,-40 41 15,40-41-15,0 0 16,1 40-16,-1-40 16,0 0-16,-40 0 15,81 0-15,-41 0 16,0 0-16,1 0 16,-1 0-16,0 0 15,0 0-15,41 0 16,-41 0-16,40 0 15,-39 0-15,-1 0 16,0 0-16,0 0 16,1 0-1,39 0-15,-40 0 0,0-40 16,1-1 0,-41 41-16,80-40 15,-80 0-15,0 40 16,1-40-16,-1 0 15,-40 0-15,0 0 16,0 0 0,0 0-16,0-1 15,0-39 1,0 40 0,0 0-1,0 0-15,-40 0 16,-1 0-1,1 0-15,40 0 16,-40-1-16,-40 41 16,40-40-16,0 0 15,-81 40-15,81-40 16,-40 0-16,0 0 16,-1 40-16,1 0 15,40-40-15,-40 0 16,0 40-16,-1 0 15,1-40-15,0 40 16,-41-41 0,41 41-16,-80-40 15,39 40-15,41 0 16,-40 0-16,39 0 16,1 0-16,0 0 15,0 0-15,-1 0 16,1 0-16,-40 0 15,39 0-15,1 0 16,0 0-16,-40 0 16,39 0-16,1 0 15,-40 0-15,39 0 16,-39 0-16,40 0 16,0 0-16,-1 0 15,1 0-15,40 0 16,-80 0-16,39 0 15,1 0-15,40 0 16,0 0-16,-81 0 16,81 0-16,-40 0 15,40 0-15,-40 0 16,-1 0-16,41 0 16,0 0-16,-40 0 15,40 0-15,0 0 16,0 0-1,-1 0-15,1 0 16,-40 0-16,40 0 16,0 0-16,0 0 15,-41 0-15,41 0 16,-40 0 0,40 0-1,-40 0-15,-1 0 16,41 40-1,0-40-15,0 0 16,-40 0-16,-1 0 16,41 41-1,0-41-15,-40 0 16,40 40-16,-40-40 16,39 0-1,1 0-15,40 40 16,-40-40-16,0 0 15,0 0 1,0 0 0,0 0-16,0 40 15,-1 0 17,1 0-17,0-40 1,40 40-16,-40 0 15,40 0-15,-40-40 16,40 41 0,0-1-1,0 0 1,0 0-16,0 0 31,0 0 0,0 0 1,0 0-17,0 0 17,0 0-17,0 1 1,0-1-1,0 0 1,0 0 0,0 0-1,0 0 1,40 0 0,-40 0-1,40-40 48,0 40-1,0-40-46,1 41-16,39-41 15,-40 0-15,0 0 16,0 0-16,0 0 16,0 0-1,1 0-15,-1 0 110,0 0-95,0 0 32,0 0-31,0 0 109,0 0-110,0 0 1,1 0 0,-1 0-1,0 0-15,0 0 32,0 0-32,0 0 15,0 0 1,0 0-1,1 0 1,-1 0 47</inkml:trace>
-  <inkml:trace contextRef="#ctx0" brushRef="#br0" timeOffset="17671.279">13001 7139 0,'40'0'62,"40"0"-46,1 0-16,-1 0 15,40 0-15,1 0 16,39 0-16,41 0 16,-81 0-16,41 0 15,-41 0-15,0 0 16,1 0-16,-41 0 15,40 0-15,-79 0 16,39 0-16,0 0 16,0 0-16,1 0 15,39 0-15,0 0 16,1 0-16,-1 0 16,0 0-16,-39 0 15,-1 0 1,0 0-16,-40 0 15,41 0-15,-41 0 16,0 0-16,0 0 16,80 0-16,-80 0 15,41 0-15,-1 0 16,-40 0-16,40 0 16,1 0-16,-1 0 15,-40 0-15,0 0 16,40 0-16,-40 0 15,41 40-15,-1-40 16,0 0-16,-40 0 16,41 0-16,-1 0 15,-40 0-15,80 40 16,-39-40-16,-1 0 16,-40 0-16,40 0 15,0 0-15,41 0 16,-41 0-16,-40 0 15,0 0-15,41 0 16,-1 0-16,-40 0 16,0 0-16,40 0 15,-39 0-15,-1 0 16,0 0 0,0 0-16,0 0 15,0 0-15,40 0 16,-39 0-1,-1 0-15,0 0 16</inkml:trace>
-  <inkml:trace contextRef="#ctx0" brushRef="#br0" timeOffset="19751.617">9951 8302 0,'40'0'47,"1"0"-32,39 0-15,0 0 16,-40 0-16,0 0 15,0 0-15,41 0 16,-41 0-16,0 0 16,40 0-1,0 0-15,-39 0 16,-1 0-16,40 0 16,0 0-16,1 0 15,-1 0 1,0 0-16,0 0 15,-40 0-15,41 0 16,-1 0-16,-40 0 16,0 0-16,40 0 15,-39 0 1,-1 0-16,0 0 16,40 0-16,-40 0 15,0 0-15,0 0 16,1 0-16,-1 0 15,0 0-15,0 0 16,0 0-16,0 0 16,40 0-16,-39 0 15,39 0-15,-40 0 16,40 0 0,-40 0-16,41 0 31,-41 0-16,0 0-15,0 0 16,0 0-16,80 0 16,-39 0-1,-41 0-15,80 0 16,-80 0-16,41 0 16,-41 0-16,40 0 15,0 0-15,-40 0 16,0 0-16,1 0 15,-1 0-15,0 0 16,0 0-16,0 0 16,0 0-1,0 0-15,0 0 16,1 0 0,-1 0 15,0 0-31,0 0 15,0 0 1,0 0 0,0 0-1,0 0 1,1 0 0,-1 0 15,0 0-16,0 0 64</inkml:trace>
-  <inkml:trace contextRef="#ctx0" brushRef="#br0" timeOffset="22023.279">10072 9705 0,'40'0'15,"40"0"1,-40 0-1,40 0 1,-39 0-16,-1 0 16,40 0-16,-40 0 15,0 0-15,0 0 16,0 0-16,1 0 16,-1 0-16,40 0 15,-40 0 1,0 0-1,0 0-15,81 0 0,-81 0 16,0 40-16,0-40 16,0 0-1,0 0-15,1 0 16,-1 0-16,0 0 16,0 0-16,0 0 15,0 0-15,0 0 16,41 0-1,-41 0-15,0 0 16,0 0 0,0 0-1,0 0-15,0 0 16,0 0 0,1 0-1,-1 0-15,0 0 16,0 0-16,0 0 15,0 0 1,0 0 0,0 0-1,1 0 1,-1 0 15,0 0-15,0 0-1,0 0 17,0 0 15,0 0-32,0 0 32,1 0 0,-1 0-31,0 0-1,0 0 1,0 0 46,0 0 16,0 0 63,0 0-78</inkml:trace>
-  <inkml:trace contextRef="#ctx0" brushRef="#br0" timeOffset="24599.736">10192 8903 0,'-40'0'78,"0"0"-47,0 0-15,0 0 0,-41 40-1,41 0 1,0-40 0,40 41-16,-40-41 15,0 40 1,40 0-16,0 0 15,-80 0 1,80 0-16,0 0 16,0 0-1,0 0-15,0 1 16,0-1 0,0 0-1,0 0-15,0 0 31,0 0-15,40-40 0,-40 40-16,0 0 15,40-40 1,-40 40 0,40-40-16,0 40 15,0-40 1,0 0-16,41 0 31,-41 41-15,0-41-16,0 0 15,40 0-15,-40 0 16,0 0-16,1 0 16,39 0-16,-40 0 15,0 0-15,0 0 16,40 0-1,-39 0 1,-1 0-16,40 0 16,-40 0-1,0 0 1,0 0-16,1 0 16,-41-41-1,40 41-15,0-40 16,0 40-1,0 0 1,-40-40 0,40 40-1,-40-40-15,40 0 16,0 0 0,1 0-1,-41 0 1,0 0 15,0 0-15,40 40-1,-40-41-15,0 1 16,0 0 0,0 0-1,0 0 16,0 0-15,-40 40 0,-1-40-1,1 0 1,0 40 0,40-40-1,-40 40-15,0 0 31,0 0-31,0-41 16,0 1 0,-1 40-16,1 0 15,0 0 1,-40 0 0,40-40-1,-41 40 1,41 0-1,-40 0-15,0 0 16,40 0 0,-41 0-1,41 0-15,0 0 16,0 0-16,0 0 16,0 0-16,0 40 15,0-40 1,-1 0-16,41 40 15,-40-40-15,40 41 16,-40-1 0</inkml:trace>
-  <inkml:trace contextRef="#ctx0" brushRef="#br0" timeOffset="31487.001">12840 9745 0,'0'41'16,"41"-41"109,-1 0-109,0 0 15,0 0-31,0 0 15,0 0 1,0 0 15,0 0 1,1 0-1,-1 0 0,0 0 32,0 40-48,0-40 1,0 0-1,0 0 32,0 0-31,1 0 0,-1 0-1,0 0 16,0 0 1,0 0-17,0 0 1,0 0-16,0 0 16,1 0-1,-1 0 1,0 0 15,0 0 0,0 0-15,0 0 0,0 0 15,0 0-16,1 0 1,-1 0-16,0 0 31,0 0-15,0 0 15,0 0-15</inkml:trace>
-  <inkml:trace contextRef="#ctx0" brushRef="#br0" timeOffset="37935.558">12840 9665 0,'41'40'16,"-1"-40"-1,0 0 1,40 0 0,-40 0-1,0 0-15,0 0 16,1 0-1,-1 0 1,0 0 0,0 0-1,0 0 1,0 0 0,40 0-1,-39 40 1,-1-40-1,0 0-15,0 0 16,0 0-16,40 0 16,-40 0 15,1 0 0,-1 0-15,0 0-1,0 0 1,40 0-16,0 0 16,-39 0-1,-1 41-15,0-41 16,-40 40-16,40-40 16,0 0-1,0 0-15</inkml:trace>
-  <inkml:trace contextRef="#ctx0" brushRef="#br0" timeOffset="47159.393">9831 8502 0,'40'0'47,"0"-40"-32,0 40-15,41 0 16,-1 0-16,0 0 16,40 0-16,-79 0 15,79 0-15,-80-40 16,0 40-16,0 0 16,41 0-1,-41 0-15,40 0 16,-40 0-1,0 0 1,0 0 0,41 0-16,-41 0 0,0 0 15,0 0 1,40 0-16,-40 0 16,1 0-16,39 0 15,-40 0-15,0 0 16,0 0-16,40 0 15,-39 0-15,-1 0 16,40 0-16,-40 0 16,0 0-16,40 0 15,1 0-15,-1 0 16,0 0-16,-40 0 16,0 0-16,1 0 15,-1 0-15,0 0 16,0 0-1,0 0 1,0 0-16</inkml:trace>
-  <inkml:trace contextRef="#ctx0" brushRef="#br0" timeOffset="48398.687">9871 9665 0,'40'0'94,"40"0"-79,1 0-15,39 0 16,0 0-16,-79 0 15,-1 0-15,0 0 16,0 0-16,0 0 16,0 0-1,0 0 1,0 0 0,1 0-1,-1 0-15,0 0 31,0 0-15,0 0 0,0 0-1,0 0 1,1 0 0,-1 0-16,0 0 15,0 0 16,0 0 1,0 0-17,0 0 1,0 0 0</inkml:trace>
-  <inkml:trace contextRef="#ctx0" brushRef="#br0" timeOffset="69119.173">8627 13957 0,'80'40'141,"-39"-40"-141,-1 0 15,40 0-15,0 0 16,-40 0-16,0 0 15,1 0-15,39 0 16,-40 0-16,0 0 16,40 0-16,-40 0 15,1 0 17,-1 0-17,0 0-15,0 0 16,0 0-1,0 0 1,0 0-16,0 0 16,1 0-1,-1 0 1,0 0-16,40 0 16,-40 0-16,0 0 15,0 0-15,41 0 16,-41 0-16,0 0 15,40 0-15,-40 0 16,0 0-16,1 0 16,39 0-16,-40 0 15,0 0-15,0 0 16,0 0-16,0 0 16,41 0-16,-41 0 15,0 0-15,40 0 16,-40 0-16,1 0 15,-1 0 1,40 0-16,-40 0 16,40 0-1,-40 0 1,1 0-16,-1 0 16,40 0-16,-40 0 15,0 0-15,0 0 16,41 0-16,-41 0 15,40 0 1,-40 0 0,0 0-16,0 0 15,41 0-15,-41-40 16,0 40-16,0 0 16,0 0-16,0 0 15,0 0-15,41 0 16,-41 0-1,0 0-15,40 0 16,0 0-16,41 0 16,-41 0-16,-40 0 15,40 0-15,-40 0 16,81 0-16,-41 0 16,0 0-1,1 0-15,-41 0 16,0 0-16,0 0 15,0 0-15,0 0 16,0 0 0,0 0-1,1 0-15,-1 0 16,0 0 0,0 0-1,0 0-15,0 0 16,0 0-1,0 0-15,1 0 16,39 0 0,-40 0-1</inkml:trace>
-</inkml:ink>
-</file>
-
-<file path=ppt/ink/ink12.xml><?xml version="1.0" encoding="utf-8"?>
-<inkml:ink xmlns:inkml="http://www.w3.org/2003/InkML">
-  <inkml:definitions>
-    <inkml:context xml:id="ctx0">
-      <inkml:inkSource xml:id="inkSrc0">
-        <inkml:traceFormat>
-          <inkml:channel name="X" type="integer" max="2646" units="cm"/>
-          <inkml:channel name="Y" type="integer" max="768" units="cm"/>
-          <inkml:channel name="T" type="integer" max="2.14748E9" units="dev"/>
-        </inkml:traceFormat>
-        <inkml:channelProperties>
-          <inkml:channelProperty channel="X" name="resolution" value="76.9186" units="1/cm"/>
-          <inkml:channelProperty channel="Y" name="resolution" value="39.79275" units="1/cm"/>
-          <inkml:channelProperty channel="T" name="resolution" value="1" units="1/dev"/>
-        </inkml:channelProperties>
-      </inkml:inkSource>
-      <inkml:timestamp xml:id="ts0" timeString="2018-02-14T23:41:21.719"/>
-    </inkml:context>
-    <inkml:brush xml:id="br0">
-      <inkml:brushProperty name="width" value="0.05292" units="cm"/>
-      <inkml:brushProperty name="height" value="0.05292" units="cm"/>
-      <inkml:brushProperty name="color" value="#FF0000"/>
-    </inkml:brush>
-  </inkml:definitions>
-  <inkml:trace contextRef="#ctx0" brushRef="#br0">3090 4853 0,'40'0'109,"40"0"-93,0 0-16,1 0 16,39-40-16,-40 40 15,1 0-15,-1 0 16,0 0-16,0 0 16,-40 0-1,1 0-15,39 0 16,-40 0-1,40 0-15,0-41 16,-39 41-16,-1 0 16,40 0-16,-40 0 15,0 0-15,40 0 16,-39 0-16,39 0 16,-40 0-1,40 0 1,-40 0-16,0 0 15,1 0-15,39 0 16,-40 0-16,40 0 16,-40 0-16,81 0 15,-81 0-15,40 0 16,-40 0-16,81 0 16,-41 0-16,40 0 15,-40 0-15,1 0 16,-1 0-16,40 0 15,-39 0-15,39 0 16,0 0-16,1 0 16,-1 0-16,0 0 15,41 0 1,-1 0-16,1 0 16,0 0-16,79 0 15,-79 0-15,-1 0 16,1 0-16,-41 0 15,41 0-15,-1 0 16,81 0-16,-81 0 16,41 0-16,40 0 15,40 0-15,-41 0 16,162 0-16,-41 0 16,-40 0-16,0 0 15,0 0-15,-120 0 16,39 41-16,41-41 15,-80 0-15,40 0 16,-41 0-16,-39 0 16,-1 0-16,-39 0 15,-1 0-15,0 0 16,1 0-16,-41 0 16,40 0-16,-39 0 15,-41 0-15,40 0 16,-40 0-16,40 0 15,1 0-15,-41 0 16,40 0 0,0 0-16,1 0 15,-41 0-15,40 0 16,-40 0-16,40 0 16,-40 0-16,1 0 15,-1 0-15,0 0 16,0 0-16,0 0 15,0 0-15,0 0 16,41 0-16,-41 0 16,0 0-16,40 0 15,0 0-15,-40 0 16,41 0-16,-41 0 16,40 0-16,0 0 15,-40 0-15,41 0 16,-41 0-16,40 0 15,0 0-15,1 0 16,-41 40-16,80-40 16,-80 0-16,40 0 15,-39 0-15,-1 0 16,40 0-16,-40 0 31,0 0-31,0 0 16,0 0-16,1 0 15,-1 0 1,0 0 0</inkml:trace>
-  <inkml:trace contextRef="#ctx0" brushRef="#br0" timeOffset="17463.826">3531 9745 0,'40'0'62,"41"0"-46,-41 0 0,40 0-16,0 0 15,0 0-15,1 0 16,39 0-16,-40 0 15,41 0-15,-41 0 16,161-40-16,-81 40 16,81 0-16,-40 0 15,-1 0-15,41 0 16,-81 0-16,41 0 16,0 0-16,-41 0 15,1 0-15,-41 0 16,0 0-16,1 0 15,-1 0-15,41 0 16,-41 0-16,1 0 16,-1 0-16,0 0 15,1 0-15,-41 0 16,0 0 0,0 0-16,1 0 15,-1 0-15,-40 0 16,0 0-16,40 0 15,-39 0-15,39 0 16,0 0-16,0 0 16,1 0-16,39 0 15,-40 0-15,41 0 16,-1 0-16,-40 0 16,-40 0-16,0 0 15,41 0-15,-41 0 16,0 0-16,0 0 15,40 0-15,1 0 16,-41 0-16,40 0 16,0 0-16,-40 0 15,0 0-15,1 0 16,-1 0-16,40 0 16,-40 0-1,0 0 1</inkml:trace>
-  <inkml:trace contextRef="#ctx0" brushRef="#br0" timeOffset="24735.734">4173 11189 0,'40'0'125,"0"0"-125,1 0 16,-1 0-16,0 0 16,0 0-16,0 0 15,0 0-15,0 0 31,0 0-15,1 0 0,-1 0-1,0 0 1,0 0 0,0 0 15,0 0-31,0 0 31,0 0-31,1 0 16,-1 0-1,0 0 48,0 0-16,0 0-32,0 0 1,0 0 0,0 0 15,1 0-16,-1 0 1,0 0 15,0 0-15,0 0 0,0 0-16,0 0 15,41 0 1,-41 0-1,0 0 1,0 0-16,0 0 16,0 0-1,0 0-15,0 0 32,1 0-32,39 0 15,-40 0 1,40 0-1,-40 0-15,0 0 16,1 0-16,39 0 16,-40 0-1,0 0 1,0 0-16,0 0 16,0 0-1,1 0 1,-1 0-1,0 0 1,40 0 0,-40 0-1,0 0-15,0 0 16,1 0 0,-1 0-1,0 0 16,0 0 1,0 0-32,0 0 31,0 0-15,0 0-1,1 0 1,-1 0-1,0 0 17,0 0-17,0 0 1,0 0 0,0 0-16,1 0 15,-1 0 1,0 0-1,0 0 17,0 0-1,0 0-15,0 0-1,0 0 1,1 0 15,-1 0-15,0 0-1,0 0 17,-40 40-17</inkml:trace>
-  <inkml:trace contextRef="#ctx0" brushRef="#br0" timeOffset="26751.771">8467 11310 0,'40'0'109,"40"0"-93,-40 0-1,0 0-15,41 40 16,-41-40 0,0 0-16,0 0 15,0 0-15,0 0 16,0 0-16,0 0 16,41 0-16,-41 0 15,0 0-15,0 0 16,0 0-16,0 0 15,0 0-15,41 0 16,-41 0 0,0 0-1,0 0-15,0 0 16,40 0-16,-39 0 16,-1 0-16,40 0 15,-40 0-15,0 0 16,0 0-16,41 0 15,-41 0-15,40 0 16,-40 0-16,40 0 16,-40 0-1,1 0-15,-1 0 16,0 0 0,0 0-1,0 0-15,0 0 16,40 0-16,-39 0 15,-1 0-15,0 0 16,40 0-16,0 0 16,-39 0-1,-1 0 1,0 0-16,0 0 16,0 0-16,40 0 15,-40 0 1,1 0-1,-1 0 1,0 0 0,0 0-1,0 0 17,0 0-17,0 0 1,0 0 31</inkml:trace>
-  <inkml:trace contextRef="#ctx0" brushRef="#br0" timeOffset="32423.58">7664 10467 0,'40'0'16,"-40"-40"15,40 40-15,1 0-16,-1-40 15,0 40-15,40-80 16,0 40-16,1-40 16,-1-1-16,120 1 15,-79 0-15,39 0 16,1 0-16,-1 39 15,-39-79-15,-1 40 16,81 0-16,-81 80 16,121-80-16,-121-1 15,1 1-15,-1 80 16,40-80-16,-39 0 16,39 80-16,1 0 15,40 0-15,-41-40 16,-40 40-1,1-41-15,-41 41 16,0-40-16,1 40 16,-41 0-16,0 0 15,0 0-15,40-40 16,-40 40-16,41 0 16,-1 0-16,-40 0 15,40 0-15,-40 0 16,0 0-16,41 0 15,-41 0-15,0 0 16,0 0-16,0 0 16,-40 40-16,40-40 15,0 0-15,1 40 16,-1-40 0,40 81-16,-40-41 15,0 0 1,0 40-1,0-40 1,1 40-16,-41-39 16,40-1-1,-40 0-15,0 0 16,40-40 0,0 80-16,-40-40 15,40 0-15,-40 40 16,40-39-16,-40-1 15,0 40-15,40-40 16,0 0-16,-40 40 16,41-40-16,-1 41 15,0-81 1,-40 40-16,-80-40 141,-1-40-126,41 40-15</inkml:trace>
-  <inkml:trace contextRef="#ctx0" brushRef="#br0" timeOffset="33136.053">12881 10026 0,'40'0'47,"40"0"-31,-80 40-16,40 0 15,0-40-15,0 41 16,0-1-16,1-40 15,-1 40 1,0-40 140,0-40-140,0 0-16,-40-1 16,40 1-16,-40 0 15,0-40-15,40 0 16,0 40-16,-40 0 15,41-41-15,-41 41 16,40 0-16,-40-40 16,40 80-16,-40-40 15,0 0-15,40-40 16,-40 39 15,0 1 16</inkml:trace>
-  <inkml:trace contextRef="#ctx0" brushRef="#br0" timeOffset="36600.16">16051 11189 0,'40'0'110,"0"0"-95,40 40-15,-40-40 16,0 0-16,41 0 16,-41 0-16,0 0 15,0 0 1,0 0 15,0 0-15,0 0-1,0 0 17,1 0-17,-1 0 17,0 0-17</inkml:trace>
-  <inkml:trace contextRef="#ctx0" brushRef="#br0" timeOffset="38695.638">11717 11269 0,'40'0'47,"0"0"-47,-40 41 16,80-1-16,-39 0 15,39 0-15,40 0 16,1 0-16,-1 0 16,-40-40-16,41 40 15,-1-40-15,0 40 16,1-40-16,79 41 15,-79-41-15,39 0 16,-39 0-16,39 0 16,-40 40-16,41-40 15,-41 0-15,1 0 16,-41 0-16,0 0 16,41 0-16,-41 0 15,-40 0-15,40 0 16,41 0-16,-41 0 15,0 40-15,41 0 16,-1-40-16,0 40 16,1-40-16,-41 0 15,40 0 1,-39 0-16,-1 0 16,0 0-16,-40 0 15,0 0-15,0 0 16,1 0-16,-1 0 15,0 0-15,40 0 16,-40 0 0,40 0-1,-39 0-15,39 0 16,-40 0-16,0 0 16,0-40-16,0 40 15,0 0 1,1 0-1,-1-40-15,0 40 16,40-40 0,-40 0-16,0 40 15,-40-41-15,40 41 16,-40-40-16,41 0 16,-41 0-1,40 0 1,0 0-1,-40 0 1,40 40-16,-40-40 16,0 0-1,40 40 1,-40-41 0,0 1-1,0 0 1,0 0 15</inkml:trace>
-  <inkml:trace contextRef="#ctx0" brushRef="#br0" timeOffset="40591.417">18378 10147 0,'-40'0'47,"0"0"-32,40 40 1,-40 0-16,-1-40 15,41 80-15,-40-80 16,0 80 0,40-40-16,-40 0 15,0 41-15,40-41 16,0 0-16,0 40 16,-40-40-16,40 0 15,-40 0-15,40 0 16,0 1-16,0 39 15,0-40-15,0 0 16,0 0 0,0 0-1,0 0 17,0 0-32,0 0 31,40-40-31,-40 41 15,40-41-15,-40 40 16,40-40 0,0 0 15,0 0-15,0 0 15,1 0-16,-1-40-15,0-1 16,-40 1-16,40 0 16,0 0-16,-40-40 15,40 40-15,0 0 16,-40-40-16,40 39 16,-40 1-16,41-40 15,-41 40 1,40-40-16,-40 40 15,0 0-15,40-1 16,-40 1-16,0 0 16,0 0-16,0 0 15,0 0-15,0 0 16,0 0-16,0 0 16,0 0-1,-40 40 1,40-41-1,0 1 1,-40 40 15,40-40-15,-41 40 31,1 0-16,0 0-15,0 0-1,0 0 1,0 0 0,0 0-1,0 0 32,-1 0-31,1 0 31,0 0-32,40 40 16</inkml:trace>
-</inkml:ink>
-</file>
-
-<file path=ppt/ink/ink13.xml><?xml version="1.0" encoding="utf-8"?>
-<inkml:ink xmlns:inkml="http://www.w3.org/2003/InkML">
-  <inkml:definitions>
-    <inkml:context xml:id="ctx0">
-      <inkml:inkSource xml:id="inkSrc0">
-        <inkml:traceFormat>
-          <inkml:channel name="X" type="integer" max="3840" units="cm"/>
-          <inkml:channel name="Y" type="integer" max="1080" units="cm"/>
-          <inkml:channel name="T" type="integer" max="2.14748E9" units="dev"/>
-        </inkml:traceFormat>
-        <inkml:channelProperties>
-          <inkml:channelProperty channel="X" name="resolution" value="56.72083" units="1/cm"/>
-          <inkml:channelProperty channel="Y" name="resolution" value="28.34646" units="1/cm"/>
-          <inkml:channelProperty channel="T" name="resolution" value="1" units="1/dev"/>
-        </inkml:channelProperties>
-      </inkml:inkSource>
-      <inkml:timestamp xml:id="ts0" timeString="2019-05-29T22:48:07.954"/>
-    </inkml:context>
-    <inkml:brush xml:id="br0">
-      <inkml:brushProperty name="width" value="0.05292" units="cm"/>
-      <inkml:brushProperty name="height" value="0.05292" units="cm"/>
-      <inkml:brushProperty name="color" value="#FF0000"/>
-    </inkml:brush>
-  </inkml:definitions>
-  <inkml:trace contextRef="#ctx0" brushRef="#br0">7124 13595 0,'28'-28'0,"29"28"16,-1-29-16,-28 1 16,29 28-16,0 0 15,-29 0 1,28 0-1,1 0-15,-29 0 16,85 0-16,-56 0 16,-29 0-16,29 0 15,-1 0-15,-28 0 16,29 0-1,-1 0 1,-27 0-16,27 0 16,-27 0-16,27 0 15,1 0 1,-29 0-16,28 0 15,1 0 1,-29 0 0,29 0-1,-1 0 16,-27 0-15,27 0 0,1 0 15,-29 28-16,28-28 1,-27 29 0,-29-1-16,56-28 31,-27 0-31,-29 56 15,0-27-15,28-29 16,0 56 0,0 1-1,-28-29-15,0 28 16,0 1 15,29-29-15,-1 29-16,-28-1 15,0-27 1,0 27-1,0 1 1,0-29 0,0 28 15,0 1-16,0-57 1,-28 28 0,28 29-1,-29-57 1,1 28-16,0 29 15,0-29 1,-1-28-16,-27 0 16,27 0-1,29 28-15,-28 0 16,0 1-16,0-29 15,-1 0-15,1 28 16,0-28-16,-29 0 16,1 28-1,-1 0 1,29-28-16,-29 29 15,1-29 1,28 0 0,-1 28-16,1 0 15,0-28 1,-29 0-16,1 0 15,56 28-15,-29-28 16,-27 0-16,28 0 16,-29 0-16,1 0 15,27 0-15,-27 0 16,28 0-16,-29 0 15,0 0-15,29 0 16,-28 0-16,-57 0 16,84 0-16,-27 0 15,-1 0-15,-56 0 16,85 0-16,-29 0 15,29 0-15,-28 0 16,-1 0-16,29 0 16,-29 0-1,1 0 1,27 0-1,-27 0 1,-1 0 31,29 0 15,0 0 16,28-28-47,0-28-15,28 27 0,0 1-16,-28 0 15,29 0-15,27-29 16,1 1-1,-29 27-15,28-27 16,-27 27-16,-1 29 16,-28-28-16,28 0 15,29 0 1,-1 28-16,-27-29 15,27 1-15,1 28 16,-29-56-16,0 27 16,0 29-16,29 0 15,-57-28-15,28 0 16,1 0-16,-29 28 15,28-29-15,0-27 16,29 28 0,-57 28-16,28-57 15,28 29 1,-27 28-1,-29-57 95,-57 1-79,29-1 0,28 29-15,0-29 30,0 1 1,-28 56 281,28-28-297,-29-1 0,-27 29-15,28 0-1,-29 0 1</inkml:trace>
-</inkml:ink>
-</file>
-
-<file path=ppt/ink/ink14.xml><?xml version="1.0" encoding="utf-8"?>
-<inkml:ink xmlns:inkml="http://www.w3.org/2003/InkML">
-  <inkml:definitions>
-    <inkml:context xml:id="ctx0">
-      <inkml:inkSource xml:id="inkSrc0">
-        <inkml:traceFormat>
-          <inkml:channel name="X" type="integer" max="1366" units="cm"/>
-          <inkml:channel name="Y" type="integer" max="768" units="cm"/>
-          <inkml:channel name="T" type="integer" max="2.14748E9" units="dev"/>
-        </inkml:traceFormat>
-        <inkml:channelProperties>
-          <inkml:channelProperty channel="X" name="resolution" value="39.7093" units="1/cm"/>
-          <inkml:channelProperty channel="Y" name="resolution" value="39.79275" units="1/cm"/>
-          <inkml:channelProperty channel="T" name="resolution" value="1" units="1/dev"/>
-        </inkml:channelProperties>
-      </inkml:inkSource>
-      <inkml:timestamp xml:id="ts0" timeString="2018-02-13T00:36:30.217"/>
-    </inkml:context>
-    <inkml:brush xml:id="br0">
-      <inkml:brushProperty name="width" value="0.05" units="cm"/>
-      <inkml:brushProperty name="height" value="0.05" units="cm"/>
-      <inkml:brushProperty name="fitToCurve" value="1"/>
-    </inkml:brush>
-  </inkml:definitions>
-  <inkml:traceGroup>
-    <inkml:annotationXML>
-      <emma:emma xmlns:emma="http://www.w3.org/2003/04/emma" version="1.0">
-        <emma:interpretation id="{7BB6588A-515A-4419-BA12-06FE42E8A1C0}" emma:medium="tactile" emma:mode="ink">
-          <msink:context xmlns:msink="http://schemas.microsoft.com/ink/2010/main" type="inkDrawing" rotatedBoundingBox="2344,15748 27430,15746 27431,15864 2344,15866" shapeName="Other"/>
-        </emma:interpretation>
-      </emma:emma>
-    </inkml:annotationXML>
-    <inkml:trace contextRef="#ctx0" brushRef="#br0">0 7 0,'1016'0'0,"2110"0"109,-2930 0-109,38 0 16,-78 0-1,1 39-15,38 0 16,-78-39-16,1 0 16,-1 0-16,-39 0 15,0 0-15,0 0 16,0 0-16,1 0 16,38 0-16,0 0 15,0 0-15,0 0 16,1 0-16,-40 0 15,39 0-15,-39 0 16,0 0-16,1 0 16,-1 0-16,-39 0 15,78 0-15,0 39 16,40-39-16,-40 0 16,0 0-16,-39 0 15,78 0-15,-77 0 16,38 0-16,0 0 15,0 0-15,1 0 16,38 0-16,-39 0 16,0 0-16,40 0 15,-1 0-15,-39 0 16,0 0 0,1 0-16,-1 0 15,-39 0-15,39 0 16,0 0-16,1 0 15,-1 0-15,0 0 16,0 0-16,1 0 16,-40 0-16,39 0 15,0 0-15,0 0 16,1 0-16,-40 0 16,0 0-16,117 0 15,-77 0-15,-1 0 16,78 0-16,-38 0 15,38 0-15,39 0 16,-38 0-16,-1 0 16,40 0-16,-40 0 15,118 0-15,-79 0 16,1 0-16,77 0 16,-38 0-16,156 0 15,-118 0-15,-38 0 16,38 0-16,1 0 15,39 0-15,-40-39 16,1 39-16,-40 0 16,40 0-16,0 0 15,-157 0 1,78 0-16,-38 0 16,-40 0-16,0 0 15,1 0-15,38 0 16,-39 0-16,-38 0 15,38 0-15,-39 0 16,39 0-16,1 0 16,-1 0-16,0 0 15,1 0-15,-1 0 16,78 0-16,-38 0 16,38 0-16,-77 0 15,38 0-15,0 0 16,40 0-16,-40 0 15,40 0-15,-40 0 16,40 0-16,-1 0 16,0 0-16,-77 0 15,38 0-15,40 0 16,-79 0-16,0 0 16,-39 0-16,1 0 15,-1 0-15,-39 0 16,0 0-16,0 0 15,-39 0 1</inkml:trace>
-  </inkml:traceGroup>
-</inkml:ink>
-</file>
-
-<file path=ppt/ink/ink15.xml><?xml version="1.0" encoding="utf-8"?>
-<inkml:ink xmlns:inkml="http://www.w3.org/2003/InkML">
-  <inkml:definitions>
-    <inkml:context xml:id="ctx0">
-      <inkml:inkSource xml:id="inkSrc0">
-        <inkml:traceFormat>
-          <inkml:channel name="X" type="integer" max="1366" units="cm"/>
-          <inkml:channel name="Y" type="integer" max="768" units="cm"/>
-          <inkml:channel name="T" type="integer" max="2.14748E9" units="dev"/>
-        </inkml:traceFormat>
-        <inkml:channelProperties>
-          <inkml:channelProperty channel="X" name="resolution" value="39.7093" units="1/cm"/>
-          <inkml:channelProperty channel="Y" name="resolution" value="39.79275" units="1/cm"/>
-          <inkml:channelProperty channel="T" name="resolution" value="1" units="1/dev"/>
-        </inkml:channelProperties>
-      </inkml:inkSource>
-      <inkml:timestamp xml:id="ts0" timeString="2018-02-13T00:36:35.521"/>
-    </inkml:context>
-    <inkml:brush xml:id="br0">
-      <inkml:brushProperty name="width" value="0.2" units="cm"/>
-      <inkml:brushProperty name="height" value="0.4" units="cm"/>
-      <inkml:brushProperty name="color" value="#FFFF00"/>
-      <inkml:brushProperty name="tip" value="rectangle"/>
-      <inkml:brushProperty name="rasterOp" value="maskPen"/>
-      <inkml:brushProperty name="fitToCurve" value="1"/>
-    </inkml:brush>
-  </inkml:definitions>
-  <inkml:trace contextRef="#ctx0" brushRef="#br0">0 0 0,'39'0'62,"40"0"-62,-1 0 16,39 0-16,0 0 16,39 0-16,-38 0 15,38 0-15,0 0 16,1 0-16,38 0 16,-78 0-16,79 0 15,-79 39-15,0-39 16,39 0-16,-77 39 15,-1-39-15,39 0 16,0 0-16,0 0 16,1 0-16,-1 0 15,0 0-15,0 0 16,1 0-16,-1 0 16,0 0-16,0 0 15,40 0-15,-40 0 16,-39 0-16,39 0 15,0 0 1,40 0-16,-79 0 16,39 0-16,-39 78 15,79-78-15,-40 0 16,0 39-16,39-39 16,1 0-16,-1 0 15,0 0-15,79 0 16,-40 0-16,0 0 15,40 0-15,-40 0 16,40 0-16,-40 0 16,40 40-16,77-40 15,40 0-15,0 0 16,-40 0-16,79 0 16,-78 0-16,38 0 15,-77 0-15,-1 0 16,-38 0-16,38 0 15,40 39-15,-39-39 16,-1 39-16,1-39 16,-40 0-16,1 0 15,-40 0-15,39 0 16,-77 0-16,-40 0 16,0 0-16,-39 0 15,0 0 1</inkml:trace>
-</inkml:ink>
-</file>
-
-<file path=ppt/ink/ink16.xml><?xml version="1.0" encoding="utf-8"?>
-<inkml:ink xmlns:inkml="http://www.w3.org/2003/InkML">
-  <inkml:definitions>
-    <inkml:context xml:id="ctx0">
-      <inkml:inkSource xml:id="inkSrc0">
-        <inkml:traceFormat>
-          <inkml:channel name="X" type="integer" max="1366" units="cm"/>
-          <inkml:channel name="Y" type="integer" max="768" units="cm"/>
-          <inkml:channel name="T" type="integer" max="2.14748E9" units="dev"/>
-        </inkml:traceFormat>
-        <inkml:channelProperties>
-          <inkml:channelProperty channel="X" name="resolution" value="39.7093" units="1/cm"/>
-          <inkml:channelProperty channel="Y" name="resolution" value="39.79275" units="1/cm"/>
-          <inkml:channelProperty channel="T" name="resolution" value="1" units="1/dev"/>
-        </inkml:channelProperties>
-      </inkml:inkSource>
-      <inkml:timestamp xml:id="ts0" timeString="2018-02-13T00:36:36.937"/>
-    </inkml:context>
-    <inkml:brush xml:id="br0">
-      <inkml:brushProperty name="width" value="0.2" units="cm"/>
-      <inkml:brushProperty name="height" value="0.4" units="cm"/>
-      <inkml:brushProperty name="color" value="#FFFF00"/>
-      <inkml:brushProperty name="tip" value="rectangle"/>
-      <inkml:brushProperty name="rasterOp" value="maskPen"/>
-      <inkml:brushProperty name="fitToCurve" value="1"/>
-    </inkml:brush>
-  </inkml:definitions>
-  <inkml:trace contextRef="#ctx0" brushRef="#br0">0 0 0,'39'0'47,"39"0"-31,78 0-16,40 0 16,38 40-16,-38-40 15,194 0-15,1 0 16,156 0-16,-39 39 15,0-39-15,-39 0 16,39 0-16,-117 39 16,-79-39-16,40 0 15,-78 0-15,-79 0 16,40 0 0,-40 0-16,-39 0 15,-39 0-15,40 0 16,-1 0-16,0 0 15,40 0-15,-118 0 16,156 0-16,-77 0 16,-1 0-16,0 0 15,40 0-15,-79 0 16,78 0-16,1 0 16,-40 0-16,0 0 15,1 0-15,-40 0 16,78 0-16,-38 0 15,77 0-15,-39 39 16,-38-39-16,77 0 16,-78 0-16,1 0 15,-1 0-15,0 0 16,1 0-16,77 39 16,-78-39-16,1 0 15,-40 0-15,39 0 16,-38 0-16,-1 0 15,0 0-15,-39 39 16,0-39-16,40 39 16,-40-39-16,39 0 15,0 0 1,-39 0-16,40 0 16,-79 0-16,39 0 15,-39 0-15,0 0 16,0 0-1,0 0 1</inkml:trace>
-</inkml:ink>
-</file>
-
-<file path=ppt/ink/ink17.xml><?xml version="1.0" encoding="utf-8"?>
-<inkml:ink xmlns:inkml="http://www.w3.org/2003/InkML">
-  <inkml:definitions>
-    <inkml:context xml:id="ctx0">
-      <inkml:inkSource xml:id="inkSrc0">
-        <inkml:traceFormat>
-          <inkml:channel name="X" type="integer" max="1366" units="cm"/>
-          <inkml:channel name="Y" type="integer" max="768" units="cm"/>
-          <inkml:channel name="T" type="integer" max="2.14748E9" units="dev"/>
-        </inkml:traceFormat>
-        <inkml:channelProperties>
-          <inkml:channelProperty channel="X" name="resolution" value="39.7093" units="1/cm"/>
-          <inkml:channelProperty channel="Y" name="resolution" value="39.79275" units="1/cm"/>
-          <inkml:channelProperty channel="T" name="resolution" value="1" units="1/dev"/>
-        </inkml:channelProperties>
-      </inkml:inkSource>
-      <inkml:timestamp xml:id="ts0" timeString="2018-02-13T00:36:52.737"/>
-    </inkml:context>
-    <inkml:brush xml:id="br0">
-      <inkml:brushProperty name="width" value="0.2" units="cm"/>
-      <inkml:brushProperty name="height" value="0.4" units="cm"/>
-      <inkml:brushProperty name="color" value="#FFFF00"/>
-      <inkml:brushProperty name="tip" value="rectangle"/>
-      <inkml:brushProperty name="rasterOp" value="maskPen"/>
-      <inkml:brushProperty name="fitToCurve" value="1"/>
-    </inkml:brush>
-  </inkml:definitions>
-  <inkml:trace contextRef="#ctx0" brushRef="#br0">0 0 0,'39'0'79,"0"0"-64,0 0-15,39 39 16,40-39-16,-40 0 15,39 0-15,39 0 16,-39 0-16,79 0 16,-1 0-16,40 0 15,-40 0-15,0 0 16,40 0-16,-40 0 16,40 0-16,-40 0 15,40 0-15,-40 0 16,0 0-16,40 0 15,-40 0-15,40 39 16,-40-39-16,40 0 16,-40 0-1,78 0-15,-77 0 16,38 0-16,-38 0 16,38 0-16,1 0 15,-1 0-15,-39 0 16,40 0-16,-40 0 15,1 0-15,77 0 16,-38 0-16,-1 0 16,40 0-16,-1 0 15,1 0-15,-40 0 16,40 0-16,-1 0 16,-77 0-16,77 0 15,-77 0-15,38 0 16,40 0-16,-40 0 15,1 0-15,-40 0 16,39 0-16,1 0 16,-1 0-16,-38 0 15,38 0-15,-38 0 16,38 0-16,0 39 16,1-39-16,117 0 15,-79 0-15,40 0 16,-40 0-1,40 39-15,-40-39 16,-38 0-16,-1 0 16,-38 39-16,77-39 15,-38 0-15,-1 0 16,1 39-16,38-39 16,40 0-16,-1 0 15,-77 0-15,38 0 16,40 0-16,0 39 15,-1-39-15,-38 0 16,38 0-16,-116 0 16,116 0-16,-77 0 15,-40 0-15,40 0 16,-40 0-16,79 39 16,-79-39-16,40 0 15,-40 0-15,39 0 16,-77 0-16,-1 0 15,-39 0-15,40 0 16,-40 0-16,0 0 16,-39 0-16,78 0 15,-38 0-15,-40 0 16,39 0-16,-39 0 16,0 0-16,40 0 15,-1 0 1,0 0-16,-39 0 15,0 0-15,40 0 16,-40 0-16,0 0 16,0 0-16,0 0 15,39 0-15,-38 0 16,-1 0-16,0 0 16,-39 0-16,39 0 15,-39 0 1,39 0-16,-39 0 15,40 0 1,-40 0-16,0 0 16,0 0-16,39 0 15,-39 0-15,0 0 16,0 0 0,0 0-1,0 0 1,0 0-1,1 0 485,-1 0-484,0 0-16,39 0 16,0 0-16,39 0 15,-39 0-15,1 0 16,-1 0-16,0 0 16,0 0-16,0 0 15,-39 0-15,0 0 16,0 0-16,0 0 62,1 0-46,-1 0 0,0 0-1,0 0 1,0 0-16,0 0 15,0 0 1,0 0 15</inkml:trace>
-</inkml:ink>
-</file>
-
-<file path=ppt/ink/ink18.xml><?xml version="1.0" encoding="utf-8"?>
-<inkml:ink xmlns:inkml="http://www.w3.org/2003/InkML">
-  <inkml:definitions>
-    <inkml:context xml:id="ctx0">
-      <inkml:inkSource xml:id="inkSrc0">
-        <inkml:traceFormat>
-          <inkml:channel name="X" type="integer" max="2646" units="cm"/>
-          <inkml:channel name="Y" type="integer" max="768" units="cm"/>
-          <inkml:channel name="T" type="integer" max="2.14748E9" units="dev"/>
-        </inkml:traceFormat>
-        <inkml:channelProperties>
-          <inkml:channelProperty channel="X" name="resolution" value="76.9186" units="1/cm"/>
-          <inkml:channelProperty channel="Y" name="resolution" value="39.79275" units="1/cm"/>
-          <inkml:channelProperty channel="T" name="resolution" value="1" units="1/dev"/>
-        </inkml:channelProperties>
-      </inkml:inkSource>
-      <inkml:timestamp xml:id="ts0" timeString="2018-02-15T00:09:23.706"/>
-    </inkml:context>
-    <inkml:brush xml:id="br0">
-      <inkml:brushProperty name="width" value="0.05292" units="cm"/>
-      <inkml:brushProperty name="height" value="0.05292" units="cm"/>
-      <inkml:brushProperty name="color" value="#FF0000"/>
-    </inkml:brush>
-  </inkml:definitions>
-  <inkml:trace contextRef="#ctx0" brushRef="#br0">2648 12914 0,'40'0'78,"41"0"-78,-1 0 16,40 0-16,1 0 15,39 0-15,-39 0 16,-1 0-1,0 0-15,-39 0 16,-1 0-16,0 0 16,-40 0-16,41 0 0,-41 0 15,40 0 1,0 0-16,-40 0 16,41 0-16,39 0 15,-40 0-15,-40 0 16,41 0-16,-41 0 15,40 0-15,40 0 16,1 0-16,-1 0 16,-40 0-16,121 0 15,-121 0 1,-40 0-16,161 0 16,-81 0-1,-39 0 1,119 0-16,-120 0 15,1 0-15,-1 40 16,0-40 0,41 0-16,-1 0 15,0 40-15,-39-40 0,39 0 16,0 0-16,1 0 16,-41 0-16,81 0 15,-1 0 1,-80 0-16,81 0 15,-1 0-15,41 40 16,0-40-16,120 0 16,-81 0-1,-119 0 1,-1 0-16,0 0 16,1 0-16,-1 0 15,1 0-15,-1 0 16,-40 0-16,81 0 15,-81 0-15,40 0 16,1 0-16,-1 0 16,0 0-16,-39 0 15,79 0 1,-39 0-16,39 0 0,-39 0 16,79 0-16,-39 0 15,39 0-15,1 40 16,0-40-1,-41 0-15,-40 0 16,41 0-16,-81 0 16,41 0-16,-41 0 15,0 0-15,40 0 16,-79 0-16,39 0 16,-40 0-1,0 0 32,0 0-31</inkml:trace>
-  <inkml:trace contextRef="#ctx0" brushRef="#br0" timeOffset="20983.569">3652 11831 0,'0'40'110,"0"0"-95,0 0-15,0 0 16,0 0-16,0 41 16,0-1-16,0 0 15,0 0 1,0 1-1,0-41 1,0 0-16,0 0 16,0 0-1,0 0-15,0 0 16,0 0 0,0 0-16,0 41 15,0-41 1,0 0-1,0 40 1,0-40 0,0 0 31</inkml:trace>
-  <inkml:trace contextRef="#ctx0" brushRef="#br0" timeOffset="24312.027">4374 11911 0,'80'0'109,"-40"0"-109,0 0 16,41-40-16,-41 40 16,0 0-16,0 0 15,0 0 32,0 0-31,0 0-1,-40 40-15,40-40 16,1 40 0,-41 0-16,40-40 15,0 40-15,-40 1 16,40-1-16,0 0 31,0 0-15,0-40-1,-40 80-15,0-40 32,0 0-32,0 0 15,0 1 1,0-1-16,0 40 15,0-40 1,0 0-16,0 40 16,0-40-1,-40 0-15,40 1 16,-40-1 0,0-40-1,0 0 1,0 0-1,-41 0 1,41 0 0,-40 0-1,40-40-15,0 40 16,-40-41-16,-41 1 31,81 0-31,0-40 16,-80 0 15,79 40-15,41 0-1,0 0-15,-40 40 16,40-41-16,0 1 31,0 0-15,0 0-16,0 0 15,0 0 1,0 0 0,40 40-1,-40-40-15,0 0 16,0-1 0,41 41-1,-1-40 1,-40 0-1,40 0 1,0 40 172</inkml:trace>
-</inkml:ink>
-</file>
-
-<file path=ppt/ink/ink19.xml><?xml version="1.0" encoding="utf-8"?>
-<inkml:ink xmlns:inkml="http://www.w3.org/2003/InkML">
-  <inkml:definitions>
-    <inkml:context xml:id="ctx0">
-      <inkml:inkSource xml:id="inkSrc0">
-        <inkml:traceFormat>
-          <inkml:channel name="X" type="integer" max="2646" units="cm"/>
-          <inkml:channel name="Y" type="integer" max="768" units="cm"/>
-          <inkml:channel name="T" type="integer" max="2.14748E9" units="dev"/>
-        </inkml:traceFormat>
-        <inkml:channelProperties>
-          <inkml:channelProperty channel="X" name="resolution" value="76.9186" units="1/cm"/>
-          <inkml:channelProperty channel="Y" name="resolution" value="39.79275" units="1/cm"/>
-          <inkml:channelProperty channel="T" name="resolution" value="1" units="1/dev"/>
-        </inkml:channelProperties>
-      </inkml:inkSource>
-      <inkml:timestamp xml:id="ts0" timeString="2018-02-15T00:07:53.956"/>
-    </inkml:context>
-    <inkml:brush xml:id="br0">
-      <inkml:brushProperty name="width" value="0.05292" units="cm"/>
-      <inkml:brushProperty name="height" value="0.05292" units="cm"/>
-      <inkml:brushProperty name="color" value="#FF0000"/>
-    </inkml:brush>
-  </inkml:definitions>
-  <inkml:trace contextRef="#ctx0" brushRef="#br0">2889 10748 0,'40'0'94,"40"0"-79,1 0 1,-1 0-16,0 0 15,0 0-15,1 0 16,-1 0-16,0 0 16,41 0-16,-81 0 15,0 0-15,0 0 16,40 0-16,-40 0 16,1 0-16,-1 0 15,0 0 1,0 0-16,0 0 15,0 0 1,0 0 0,0 0-16,1 0 15,39 0 1,-40 0-16,40 0 16,-40 0-1,41 0 1,-41 0-16,0 0 15,0 0-15,40 0 16,-40 0 15,0 0-31,1 0 16,-1 0 0,0 0-16,0 0 15,0 0-15,40 0 16,-40 0-1,1 0-15,-1 0 16,0 0-16,0 0 16,0 0-16,0 0 15,0 0-15,0 0 16,1 0 0,39 0-1,-40 0-15,0 0 16,0 0-16,40 0 15,1 0-15,-41 0 16,0 0-16,40 0 16,-40 0-16,0 0 15,1 0-15,-41 40 16,80-40-16,-40 0 16,40 0-1,-40 0-15,41 0 16,-41 0-16,40 0 15,40 0-15,-80 0 16,41 0-16,-41 0 16,40 0-16,0 0 15,1 0-15,39 0 16,-40 0-16,1 0 16,39 0-16,-40 0 15,0 0-15,1 0 16,39 0-16,-40 0 15,1 0-15,-1 0 16,0 0-16,0 0 16,1 0-1,39 0-15,-40 0 16,0 0-16,41 0 16,-41 0-16,0 0 15,1 0-15,-1 0 16,0 0-16,-40 0 15,40 0-15,-39 0 16,79 0-16,-40 0 16,0 0-16,1 0 15,-41 0-15,40 0 16,0 0-16,1 0 16,-41 0-16,0 0 15,0 0-15,0 0 16,0 0-16,40 0 15,-39 0 1,-1 0-16,0 0 16,0 0-1,0 0 17,0 0-17</inkml:trace>
-  <inkml:trace contextRef="#ctx0" brushRef="#br0" timeOffset="11063.632">6139 9625 0,'-40'0'78,"0"0"-62,0 0 0,40 40-1,-40 0 1,40 0-16,-40-40 16,40 41-16,-40-41 15,-1 40 1,41 0-16,-40-40 15,40 40-15,-40 0 16,40 0 0,-40 0-1,40 0 1,0 41 0,0-41-1,0 0 1,0 0-16,0 0 15,0 0-15,0 0 16,0 0 0,0 0-16,0 0 15,0 1 1,0-1-16,0 0 16,0 0-1,0 0 16,0 0-15,40-40 0,-40 40-1,0 0 17,40-40-32,-40 40 31,40-40 0,1 0-15,-1 0-1,0 0-15,0 0 16,40 0 0,-40 0-1,-40 41 1,40-41-16,1 0 31,-1 0-31,0 0 31,0 0-15,0 0 0,0-41-1,0 41 1,-40-40-1,40 40 1,1-40 0,-1 40-1,-40-40-15,0 0 16,40 40 0,-40-40-1,40 0 1,-40 0-1,0 0 1,0-1 0,40 41-1,-40-40-15,0 0 16,0 0 0,0 0-1,0 0 1,40 40-16,-40-40 15,0 0 1,0 0 0,0-41 15,0 41-15,0 0-1,0 0-15,-40 0 16,40 0-1,0 0 17,-40 40-32,40-40 15,-40 40 1,40-40 0,-40 40-1,40-41-15,-40 1 31,40 0-15,-41 40 0,41-40-1,-40 40 1,0-40 0,0 40 46,0 0 1</inkml:trace>
-  <inkml:trace contextRef="#ctx0" brushRef="#br0" timeOffset="27166.653">7945 9585 0,'-40'0'46,"0"40"-30,0 0 0,0 0-16,-1 0 15,1 1-15,0-1 16,40 0-16,-40 0 16,0 0-16,40 0 15,-40 0-15,40 0 16,-40 41-16,40-41 15,0 0-15,0 40 16,0-40-16,0 40 16,0-40-16,0 0 15,0 1-15,0-1 16,0 40-16,0-40 16,0 0-16,0 0 15,0 40-15,40 1 16,-40-41-1,80-40 1,-80 40 0,40-40-16,0 0 31,0 0-15,1 0-1,-1 0-15,0 0 16,0 0-16,0 0 15,0 0 1,40-40 0,-39 0-1,-1 0-15,0-1 16,0 1 0,0 0-16,0 0 15,0 0 1,0 0-1,1 0 1,-41 0 0,40 40-16,-40-40 15,0-1 1,0 1 0,0 0-16,0 0 15,0 0 1,0 0-16,-40 0 15,40 0-15,0 0 16,-41 40-16,41-40 16,-40-1-16,0 1 15,0 40-15,0-40 16,0 0 0,0 0-1</inkml:trace>
-</inkml:ink>
-</file>
-
-<file path=ppt/ink/ink2.xml><?xml version="1.0" encoding="utf-8"?>
-<inkml:ink xmlns:inkml="http://www.w3.org/2003/InkML">
-  <inkml:definitions>
-    <inkml:context xml:id="ctx0">
-      <inkml:inkSource xml:id="inkSrc0">
-        <inkml:traceFormat>
-          <inkml:channel name="X" type="integer" max="2646" units="cm"/>
-          <inkml:channel name="Y" type="integer" max="768" units="cm"/>
-          <inkml:channel name="T" type="integer" max="2.14748E9" units="dev"/>
-        </inkml:traceFormat>
-        <inkml:channelProperties>
-          <inkml:channelProperty channel="X" name="resolution" value="76.9186" units="1/cm"/>
-          <inkml:channelProperty channel="Y" name="resolution" value="39.79275" units="1/cm"/>
-          <inkml:channelProperty channel="T" name="resolution" value="1" units="1/dev"/>
-        </inkml:channelProperties>
-      </inkml:inkSource>
-      <inkml:timestamp xml:id="ts0" timeString="2018-02-14T22:25:43.800"/>
-    </inkml:context>
-    <inkml:brush xml:id="br0">
-      <inkml:brushProperty name="width" value="0.05292" units="cm"/>
-      <inkml:brushProperty name="height" value="0.05292" units="cm"/>
-      <inkml:brushProperty name="color" value="#FF0000"/>
-    </inkml:brush>
-  </inkml:definitions>
-  <inkml:trace contextRef="#ctx0" brushRef="#br0">22551 7419 0,'80'0'141,"-40"0"-126,1 40-15,39-40 16,0 0-16,0 0 15,-40 0-15,1 0 16,39 0-16,-40 0 16,40 0-1,-40 0-15,0 0 16,1 0 0,-1 0-1,-40 41-15,40-41 16,0 0-1,0 0-15,0 0 16,40 0 15,-39 0-15,-1 0-16,0 0 16,0 0-1,0 0-15,0 0 16,0 0-16,0 0 15,1 0 17,-1 0-32,0 0 15,0 0 1</inkml:trace>
-  <inkml:trace contextRef="#ctx0" brushRef="#br0" timeOffset="2888.816">16893 6457 0,'-40'0'0,"0"0"16,0 0-16,0 40 15,0-40-15,-1 40 16,1-40-16,0 40 15,0 0-15,40 0 16,-40 0-16,0 1 16,40 39-16,0-40 15,-40 40-15,0 0 16,40-40-16,0 1 16,0 39-1,0-40-15,0 0 16,40 40-16,-40-40 15,80 0-15,-40-40 16,0 40-16,40 1 16,-39-1-1,-1 0-15,40 0 16,-40 0-16,40 0 16,1-40-16,39 40 15,0 0-15,81-40 16,-81 40-16,41-40 15,-1 0-15,1 41 16,80-41-16,-41 0 16,41 0-16,-40 0 15,39 0-15,-39 0 16,-40 0-16,-1 0 16,41-41-16,-121 1 15,0 0-15,0 0 16,1 0-16,-41 0 15,40 0-15,-40 0 16,0 0-16,-40-1 16,40-39-1,1 40 1,-1-40 0,-40 40-16,80-40 15,-80-1-15,0 41 16,0-40-16,0-40 15,0 40-15,0-1 16,0 1-16,0 0 16,0 0-16,0 40 15,0-41-15,0 1 16,0 0 0,0 40-16,0 0 15,-40 0 1,0 0-1,0 40 1,-1 0-16</inkml:trace>
-  <inkml:trace contextRef="#ctx0" brushRef="#br0" timeOffset="6752.449">8828 8783 0,'0'0'0,"40"0"16,0 0-1,0 0 1,0 0-16,0 0 16,81 0-16,-41 0 15,0 0-15,41 0 16,-1 0-16,41 0 15,-41 0-15,40 0 16,-79 0-16,-1 0 16,0 0-16,0 0 15,1 0-15,-41 0 16,0 0-16,40 0 16,0 0-16,41 0 15,-41 0-15,0 0 16,1 0-16,-1 0 15,-40 0-15,80 0 16,-79 0 0,-1 0-16,0 0 15,0 0-15,40 0 16,-40 0-16,41 0 16,-1 0-1,-40 0-15,80 0 16,-39 0-16,-1 0 15,0 0-15,-40 0 16,40 0-16,1 0 16,-41 0-16,0 0 15,0 0-15,0 0 16,40 0 0,-39 0-1,-1 0 1,0 0-16,0 0 15,0 0-15,0 0 16,0 0 0,0 0-1,1 0 17,-1 0-1</inkml:trace>
-  <inkml:trace contextRef="#ctx0" brushRef="#br0" timeOffset="9008.143">4053 8783 0,'40'0'156,"40"0"-156,-40 0 15,0 0-15,41 0 16,-41 0-16,0 0 16,40 0-16,-40 0 15,0 0-15,1 0 16,-1 0 0,0 0-16,0 0 15,0 0-15,0 0 16,0 0-1,0 0-15,1 0 16,-1 0-16,40 0 16,-40 0-16,0 0 15,40 0-15,1 0 16,-41 0-16,40 0 16,0 0-16,41 0 15,-81 0-15,40 0 16,-40 0-16,40 0 15,1 0-15,-41 0 16,0 0-16,0 0 16,40 0-16,-40 0 15,1 0-15,-1 0 16,40 0-16,-40 0 16,40 0-16,1 0 15,39 0-15,-40 0 16,0 0-16,1 40 15,-1-40-15,0 0 16,-40 40-16,41-40 16,-41 0-16,40 0 15,0 0-15,-40 0 16,1 0 0,39 0-16,0 0 15,-40 0-15,0 0 16,0 0-16,1 0 15,-1 0 1,0 0 0,0 0 15</inkml:trace>
-  <inkml:trace contextRef="#ctx0" brushRef="#br0" timeOffset="75591.531">7945 13555 0,'40'0'109,"40"0"-93,1 0-16,-1 0 15,40 0-15,-39 0 16,-1 0-16,0 0 15,40 0-15,-39 0 16,-1 0-16,0 0 16,41 0-16,-41 0 15,0 0-15,0 0 16,-40 0-16,41 0 16,-41 0-1,40 0-15,-40 0 16,40-40-16,-39 40 15,39 0-15,-40 0 16,40 0-16,-40 0 16,41 0-16,39 0 15,-40 0-15,0 0 16,41 0-16,-41 0 16,40 0-16,1-40 15,-41 40-15,0 0 16,1 0-16,39 0 15,0 0 1,1 0-16,-41 0 16,0 0-16,1 0 15,-1 0-15,-40 0 16,40 0-16,-40 0 16,0 0-16,1 0 15</inkml:trace>
-</inkml:ink>
-</file>
-
-<file path=ppt/ink/ink20.xml><?xml version="1.0" encoding="utf-8"?>
-<inkml:ink xmlns:inkml="http://www.w3.org/2003/InkML">
-  <inkml:definitions>
-    <inkml:context xml:id="ctx0">
-      <inkml:inkSource xml:id="inkSrc0">
-        <inkml:traceFormat>
-          <inkml:channel name="X" type="integer" max="2646" units="cm"/>
-          <inkml:channel name="Y" type="integer" max="768" units="cm"/>
-          <inkml:channel name="T" type="integer" max="2.14748E9" units="dev"/>
-        </inkml:traceFormat>
-        <inkml:channelProperties>
-          <inkml:channelProperty channel="X" name="resolution" value="76.9186" units="1/cm"/>
-          <inkml:channelProperty channel="Y" name="resolution" value="39.79275" units="1/cm"/>
-          <inkml:channelProperty channel="T" name="resolution" value="1" units="1/dev"/>
-        </inkml:channelProperties>
-      </inkml:inkSource>
-      <inkml:timestamp xml:id="ts0" timeString="2018-02-15T00:10:10.842"/>
-    </inkml:context>
-    <inkml:brush xml:id="br0">
-      <inkml:brushProperty name="width" value="0.05292" units="cm"/>
-      <inkml:brushProperty name="height" value="0.05292" units="cm"/>
-      <inkml:brushProperty name="color" value="#FF0000"/>
-    </inkml:brush>
-  </inkml:definitions>
-  <inkml:trace contextRef="#ctx0" brushRef="#br0">12038 8382 0,'80'-40'94,"0"40"-78,1 0-16,39 0 15,-40 0-15,1 0 16,39 0-16,-40 0 16,41 0-16,-41 0 15,-40 0-15,0 0 16,40 0-16,-40 0 16,41 0-16,-1 0 15,0 0-15,0 0 16,1 0-16,-41 0 15,40 0-15,-40 0 16,40-40-16,-39 40 16,39 0-16,-40 0 15,40 0-15,0 0 16,1 0-16,-41 0 16,40 0-16,-40 0 15,40 0 1,-39 0-16,-1 0 15,0 0-15,0 0 16,0 0-16,0 0 16,41 0-16,-41 0 15,0 0-15,40 0 16,-40 0-16,0 0 16,0 0-1,41 0-15,-41 0 16,0 0-16,40 0 15,0 0-15,-39 0 16,-1 0-16,40 0 16,0 0-16,-40 0 15,41 0-15,-1 0 16,0 0-16,0 0 16,1 0-16,-1 0 15,0 0-15,0 0 16,-40 0-16,81 0 15,-41 0-15,-40 0 16,0 0-16,41 0 16,-1 0-16,-40-40 15,40 40-15,-40 0 16,81 0-16,-81 0 16,40 0-1,-40 0-15,0 0 16,0 0-16,1 0 15,-1 0-15,0 0 16,0 0 0,0 0-1,0 0-15,0 0 16,0 0 0,1 0-16,-1 0 15,0 0 1,0 0-1,0 0 1,0 0 0,0 0-16,0 0 15,1 0 1,-1 0 0,0 0-1,0 0-15,0-41 16,40 41-1,-39 0 1,-1 0-16,0 0 16,0 0-1,0 0 1,0 0 0,0 0-1,0 0 16,1 0-15,-1 0-16,0 0 16,0 0-1,0 0 1,0 0 0,0 0-16,0 0 15,1 0 1,-1 0 15,0 0 0,0 0 1,0-40-1,0 40 0,0 0-15,0 0-16,1 0 31,-1 0 0</inkml:trace>
-  <inkml:trace contextRef="#ctx0" brushRef="#br0" timeOffset="7439.588">19702 7500 0,'0'40'94,"0"0"-79,0 0 1,0 0-16,0 0 16,0 0-1,-40-40 1,40 40-1,-40 0 1,40 1 0,0-1-16,0 0 15,0 0 17,0 0-17,40 0 1,-40 0 15,40-40 0,-40 40-15,40-40 15,-40 40 0,40 0 1,0-40-17,-40 41 1,41-41 0,-1 0 171,-40 40-46,40-40-110,0 0-31,-40 40 16,40-40-16,0 40 15,0-40-15,0 0 16,1 0-16,-1 0 15,40 0-15,-40 0 16,40 0 0,-40 0-1,41 0-15,-41 0 16,40 0-16,-40 0 16,40 0-1,1 0-15,-1 0 16,0 0-16,41 0 15,-1 0-15,0 0 16,-39 0-16,39 0 16,-40 0-16,0 0 15,1 0-15,-1 0 16,0 0-16,1 0 16,-1 0-16,0 0 15,40 0-15,-39 0 16,-1 0-16,0 0 15,0 40-15,1-40 16,-1 0-16,40 0 16,-39 0-16,39 0 15,-40 0-15,0 0 16,1 0-16,-1 0 16,0 0-16,41 0 15,-41 0-15,0 0 16,0 0-16,1 0 15,-41 0-15,80 0 16,-80 0 0,40 0-16,-39 0 15,39 0-15,40-40 16,-40 40-16,-39-40 16,-1 40-16,40 0 15,-40-40-15,0 40 16,0 0-16,41-40 15,-41 40-15,40 0 16,-80-81-16,80 81 16,-80-40-16,40 0 15,41 0-15,-81 0 16,40 40-16,0-40 16,0 40-16,0-40 15,0 0-15,-40 0 16,40-1-16,1 41 15,-41-40 1,40 0 0,-40-40-1,0 40 1,0 0-16,0 0 16,0 0-16,0-1 15,0 1-15,0-40 16,0 40-16,0 0 15,-40 0 1,40 0-16,0 0 16,-41 40-16,41-40 15,-80 40-15,80-41 16,-40 1-16,-40 40 16,40-40-1,-41 0-15,1 0 16,40 0-16,-40 40 15,-1-40-15,1 40 16,40 0-16,0 0 16,-40 0-16,-41-40 15,81 40-15,-40 0 16,40 0-16,-40 0 16,-1 0-16,41 0 15,-40 0 1,40 0-16,0 0 15,-41-40-15,1 40 16,40 0-16,-40 0 16,40 0-16,-41 0 15,41 0-15,0 0 16,0 0-16,-40 0 31,40 0-31,0 0 16,-1 0-16,-39 0 15,0 0-15,40 0 16,-40 0-16,39 0 16,1 0-16,0 0 15,0 0-15,-40 0 16,40 0 0,-41 0-1,41 0-15,0 0 16,0 0-16,0 0 15,0 0-15,0 0 16,0 0-16,-41 0 16,1 0-16,0 0 15,0 0-15,-1 0 16,1 0-16,0 0 16,-41 0-16,-39 0 15,39 0-15,41 0 16,-40 0-16,-1 0 15,81 0-15,0 0 16,-40 0 0,40 0-16,-40 0 15,39 0-15,1 0 16,-40 0-16,40 0 16,0 0-16,0 0 15,0 0-15,-1 0 16,1 0-1,-40 0 17,40 0-17,-40 0 1,40 0 0,-1 0-1,41 40-15,-40-40 16,0 0-1,0 0 1,0 0 0,0 0 15,0 0-15,40 40-1,-40-40 16,-1 0 1,1 40-17,0-40 1,0 80 0,0 0-1,0-80-15,0 81 16,0-41-16,40 0 15,-41 40-15,1 0 16,40 0 0,-40 1-16,0-41 15,40 0-15,0 0 16,0 0-16,0 0 16,0 0-16,0 0 15,0 0-15,0 1 16,0-1-16,0 0 15,0 0 1,0 0 0,0 0-1,0 0 17,0 0 14,0 0-14,0 0-1,-40-40 0,40 41 16,0-1 47,0 0-63,0 0 0</inkml:trace>
-</inkml:ink>
-</file>
-
-<file path=ppt/ink/ink21.xml><?xml version="1.0" encoding="utf-8"?>
-<inkml:ink xmlns:inkml="http://www.w3.org/2003/InkML">
-  <inkml:definitions>
-    <inkml:context xml:id="ctx0">
-      <inkml:inkSource xml:id="inkSrc0">
-        <inkml:traceFormat>
-          <inkml:channel name="X" type="integer" max="2646" units="cm"/>
-          <inkml:channel name="Y" type="integer" max="768" units="cm"/>
-          <inkml:channel name="T" type="integer" max="2.14748E9" units="dev"/>
-        </inkml:traceFormat>
-        <inkml:channelProperties>
-          <inkml:channelProperty channel="X" name="resolution" value="76.9186" units="1/cm"/>
-          <inkml:channelProperty channel="Y" name="resolution" value="39.79275" units="1/cm"/>
-          <inkml:channelProperty channel="T" name="resolution" value="1" units="1/dev"/>
-        </inkml:channelProperties>
-      </inkml:inkSource>
-      <inkml:timestamp xml:id="ts0" timeString="2018-02-15T00:11:02.691"/>
-    </inkml:context>
-    <inkml:brush xml:id="br0">
-      <inkml:brushProperty name="width" value="0.05292" units="cm"/>
-      <inkml:brushProperty name="height" value="0.05292" units="cm"/>
-      <inkml:brushProperty name="color" value="#FF0000"/>
-    </inkml:brush>
-  </inkml:definitions>
-  <inkml:trace contextRef="#ctx0" brushRef="#br0">4013 9745 0,'80'0'140,"-40"0"-124,40 0-16,1 0 16,-1 0-16,40 0 15,-40 0-15,1 0 16,-1 0-16,0 0 16,-40 0-16,0 0 15,41 0 1,-41 0-1,40 0 1,-40 0-16,40 0 16,-39 0-1,-1 0-15,0 0 16,0 0-16,0 0 16,0 0-16,0 0 15,0 0 1,41 0-16,-41 0 15,0 0 1,40 0 0,-40 0-16,0 0 15,1 0-15,79 0 16,-80 0-16,0 0 16,40 0-16,-39 0 15,-1 0-15,0 0 16,40 0-16,-40 0 15,0 0-15,41 0 16,-1 0-16,0 0 16,-40 0-16,0 0 15,41 0-15,-41 0 16,40 0-16,-40 0 16,40 0-16,1 0 15,-1 0 1,0 0-16,0 0 15,1 0-15,-41 0 16,80 0-16,-40 0 16,1 0-16,-1 0 15,-40 0 1,0 0-16,81 0 16,-41 0-16,-40 0 15,80 0-15,-39 0 16,-1 0-16,0 0 15,0 0-15,41 0 16,-81 0-16,40 0 16,0 0-16,-40 0 15,81 0-15,-41 0 16,0 0-16,1 0 16,-1 0-16,0 0 15,0 0-15,41 0 16,-41 0-16,0 0 15,0 0-15,1 0 16,-1 0-16,0 0 16,0 0-16,41 0 15,-1 0-15,1 0 16,-1 0-16,41 0 16,-1 0-16,1 0 15,-41 0-15,40 0 16,1 0-16,-1 0 15,1 0-15,-41 0 16,1 0 0,-41 0-16,40 0 15,1 0-15,-1 0 16,-40 0-16,1 0 16,-41 0-16,0 0 15,40 0-15,-40 0 16,40 0-1,-39 0 1,-1 0-16,0 0 16,0 0-1,0 0 63,0 41-62</inkml:trace>
-  <inkml:trace contextRef="#ctx0" brushRef="#br0" timeOffset="10053.421">4053 12553 0,'0'0'0,"40"0"156,0 0-141,0 0 126,0 0-125,0 0-16,1 0 15,39 0-15,0 0 16,0 0-16,1 0 16,-1 0-16,-40 0 15,0 0-15,40 0 16,-40 0-1,1 0 1,-1 0 0,0 0-1,0 0 1,0 0 0,0 0-1,0 0-15,0 0 16,41 0-1,-41 0 1,40 0 0,-40 0-16,0 0 15,0 0 1,1 0-16,39 0 16,-40 0-16,40 0 15,41 0-15,39 0 16,-40 0-16,1 0 15,-1 0-15,1 0 16,-1 0-16,0 40 16,1-40-16,-1 40 15,-40-40 1,81 40-16,-41-40 16,41 0-16,39 0 15,-39 0-15,-1 0 16,-39 0-16,-1 0 15,1 0-15,-41 0 16,0 0-16,-40 0 16,81 0-16,-81 0 15,0 0-15,0 0 16,40 0-16,-40 0 16,0 0-16,1 0 15,79 0-15,-80 0 16,40 0-16,-40 0 15,41 0-15,39 0 16,-40 0-16,1 0 16,-1 0-16,0 0 15,40 0-15,1 0 16,-1 0-16,-40 0 16,41 0-16,-1 0 15,-40 0-15,41 0 16,-41 0-16,0 0 15,41 0 1,-41 0-16,40 0 16,1 0-16,-1 0 15,1 0-15,-41 0 16,0 0-16,0 0 16,1 0-16,-41 0 15,0 0-15,0 0 16,40 0-16,-40 0 15,0 0-15,1 0 16,39 0-16,-40 0 16,0 0 15</inkml:trace>
-</inkml:ink>
-</file>
-
-<file path=ppt/ink/ink22.xml><?xml version="1.0" encoding="utf-8"?>
-<inkml:ink xmlns:inkml="http://www.w3.org/2003/InkML">
-  <inkml:definitions>
-    <inkml:context xml:id="ctx0">
-      <inkml:inkSource xml:id="inkSrc0">
-        <inkml:traceFormat>
-          <inkml:channel name="X" type="integer" max="2646" units="cm"/>
-          <inkml:channel name="Y" type="integer" max="768" units="cm"/>
-          <inkml:channel name="T" type="integer" max="2.14748E9" units="dev"/>
-        </inkml:traceFormat>
-        <inkml:channelProperties>
-          <inkml:channelProperty channel="X" name="resolution" value="76.9186" units="1/cm"/>
-          <inkml:channelProperty channel="Y" name="resolution" value="39.79275" units="1/cm"/>
-          <inkml:channelProperty channel="T" name="resolution" value="1" units="1/dev"/>
-        </inkml:channelProperties>
-      </inkml:inkSource>
-      <inkml:timestamp xml:id="ts0" timeString="2018-02-15T00:15:29.205"/>
-    </inkml:context>
-    <inkml:brush xml:id="br0">
-      <inkml:brushProperty name="width" value="0.05292" units="cm"/>
-      <inkml:brushProperty name="height" value="0.05292" units="cm"/>
-      <inkml:brushProperty name="color" value="#FF0000"/>
-    </inkml:brush>
-  </inkml:definitions>
-  <inkml:trace contextRef="#ctx0" brushRef="#br0">4013 16122 0,'0'-40'110,"40"40"-110,40 0 15,40 0-15,1 0 16,39-40-16,1 40 16,-41 0-16,41 0 15,-1 0-15,-39 0 16,79 0-16,-39 0 16,-41-40-16,0 40 15,1 0-15,-1 0 16,-40 0-16,1 0 15,-1 0-15,40 0 16,-39 0-16,39 0 16,0 0-16,1 0 15,39 0-15,-39 0 16,-1 0-16,41-40 16,-41 40-16,0 0 15,1 0-15,-1 0 16,-40 0-16,41 0 15,-1 0-15,0 0 16,1 0 0,39-40-16,-39 40 15,39 0-15,-80 0 16,41 0-16,-1 0 16,1 0-16,-1 0 15,0 0-15,1 0 16,-1 0-16,0 0 15,1 0-15,-1 0 16,1 0-16,-1 0 16,40 0-16,-39 0 15,39 0-15,-79 0 16,39 0-16,0 0 16,1 0-16,-1 0 15,41 0-15,39 0 16,1 0-16,-41 0 15,81 0-15,-80 0 16,-1 0-16,-39 0 16,39 0-16,-40 0 15,41 0-15,-41 0 16,41 0-16,-41 0 16,1 0-16,-1 0 15,0 0 1,1 0-16,-1 0 15,0 0-15,1 0 16,39 0-16,-39 0 16,39 0-16,1 0 15,-1 0-15,41 0 16,0 0-16,-1 0 16,-39 0-16,-1 0 15,1 0-15,79 0 16,-39 0-16,40 0 15,-81 0-15,41 0 16,40 0-16,-41 0 16,-39 0-16,80 0 15,-41 0-15,41 40 16,-40-40-16,39 0 16,-39 0-16,0 0 15,80 0-15,-1 0 16,1 0-16,-80 0 15,0 0-15,39 0 16,-79 0-16,39 0 16,-39 0-16,-1 0 15,1 0-15,0 0 16,-1-40-16,1 40 16,-41 0-1,40 0-15,41 0 16,0 0-16,-41 0 15,-39 0-15,-1 0 16,0 0-16,1 0 16,-1 0-16,0 0 15,-39 0-15,39 0 16,0 0-16,1 0 16,-1-40-16,41 40 15,-41 0-15,0-41 16,1 41-16,-1 0 15,1 0-15,-1 0 16,0-40-16,1 40 16,-1 0-16,-40 0 15,1 0-15,-1 0 16,0-40-16,0 40 16,1 0-16,39 0 15,-40 0-15,1 0 16,-41 0-16,40 0 15,0 0-15,41 0 16,-41 0 0,40 0-16,1 0 15,-1 0-15,-40 0 16,41 0-16,-41 0 16,-40 0-16,40 0 15,0 0-15,1 0 16,-41 0-16,40 0 15,0-40-15,-40 40 16,1 0-16,39 0 16,0 0-16,-40 0 15,0 0-15,0 0 16,1 0 0,-1 0-16,0 0 15,0 0 1,0 0-1,0 0-15,40 0 16,-39 0-16,-1 0 16,40 0-16,-40 0 15,0 0-15,40 0 16,-39-40 0,-1 40-1,0 0 1,0 0 15,0 0 0</inkml:trace>
-</inkml:ink>
-</file>
-
-<file path=ppt/ink/ink23.xml><?xml version="1.0" encoding="utf-8"?>
-<inkml:ink xmlns:inkml="http://www.w3.org/2003/InkML">
-  <inkml:definitions>
-    <inkml:context xml:id="ctx0">
-      <inkml:inkSource xml:id="inkSrc0">
-        <inkml:traceFormat>
-          <inkml:channel name="X" type="integer" max="2646" units="cm"/>
-          <inkml:channel name="Y" type="integer" max="768" units="cm"/>
-          <inkml:channel name="T" type="integer" max="2.14748E9" units="dev"/>
-        </inkml:traceFormat>
-        <inkml:channelProperties>
-          <inkml:channelProperty channel="X" name="resolution" value="76.9186" units="1/cm"/>
-          <inkml:channelProperty channel="Y" name="resolution" value="39.79275" units="1/cm"/>
-          <inkml:channelProperty channel="T" name="resolution" value="1" units="1/dev"/>
-        </inkml:channelProperties>
-      </inkml:inkSource>
-      <inkml:timestamp xml:id="ts0" timeString="2018-02-15T00:16:19.613"/>
-    </inkml:context>
-    <inkml:brush xml:id="br0">
-      <inkml:brushProperty name="width" value="0.05292" units="cm"/>
-      <inkml:brushProperty name="height" value="0.05292" units="cm"/>
-      <inkml:brushProperty name="color" value="#FF0000"/>
-    </inkml:brush>
-  </inkml:definitions>
-  <inkml:trace contextRef="#ctx0" brushRef="#br0">6019 9385 0,'0'0'0,"80"0"62,0 0-62,1 80 16,79-40-16,41 0 16,-41-40-16,1 0 15,39 0-15,41 0 16,-80 0-16,-1 0 15,-79 0-15,-1 0 16,40 0-16,-40 0 16,-39 0-16,39 40 15,0-40-15,40 40 16,1-40-16,-41 0 16,0 0-16,-40 0 15</inkml:trace>
-  <inkml:trace contextRef="#ctx0" brushRef="#br0" timeOffset="591.945">11797 9585 0,'0'0'0,"121"0"15,-1 0-15,0-40 16,-39 40-16,39-40 16,0 0-16,121 0 15,-80 0-15,119-1 16,-39-39-16,0 40 15,-40 0-15,39 40 16,-79 0-16,-41 0 16,-40 0-16,-39-40 15,-1 40 1,-40-40 62</inkml:trace>
-  <inkml:trace contextRef="#ctx0" brushRef="#br0" timeOffset="1351.629">15288 9344 0,'80'0'47,"1"0"-31,39 41-16,41-41 15,-41 0-15,81 0 16,-1 0-16,41 0 16,-40 0-16,39 0 15,-79 0-15,-81 0 16,0 0-16,-40 0 15</inkml:trace>
-</inkml:ink>
-</file>
-
-<file path=ppt/ink/ink24.xml><?xml version="1.0" encoding="utf-8"?>
-<inkml:ink xmlns:inkml="http://www.w3.org/2003/InkML">
-  <inkml:definitions>
-    <inkml:context xml:id="ctx0">
-      <inkml:inkSource xml:id="inkSrc0">
-        <inkml:traceFormat>
-          <inkml:channel name="X" type="integer" max="2646" units="cm"/>
-          <inkml:channel name="Y" type="integer" max="768" units="cm"/>
-          <inkml:channel name="T" type="integer" max="2.14748E9" units="dev"/>
-        </inkml:traceFormat>
-        <inkml:channelProperties>
-          <inkml:channelProperty channel="X" name="resolution" value="76.9186" units="1/cm"/>
-          <inkml:channelProperty channel="Y" name="resolution" value="39.79275" units="1/cm"/>
-          <inkml:channelProperty channel="T" name="resolution" value="1" units="1/dev"/>
-        </inkml:channelProperties>
-      </inkml:inkSource>
-      <inkml:timestamp xml:id="ts0" timeString="2018-02-15T00:39:44.043"/>
-    </inkml:context>
-    <inkml:brush xml:id="br0">
-      <inkml:brushProperty name="width" value="0.05292" units="cm"/>
-      <inkml:brushProperty name="height" value="0.05292" units="cm"/>
-      <inkml:brushProperty name="color" value="#FF0000"/>
-    </inkml:brush>
-  </inkml:definitions>
-  <inkml:trace contextRef="#ctx0" brushRef="#br0">19943 11911 0</inkml:trace>
-  <inkml:trace contextRef="#ctx0" brushRef="#br0" timeOffset="10336.456">2889 10427 0,'40'0'110,"40"-40"-95,-39 40 1,-1 0 15,0 0-31,0 0 16,0 0 0,0 0 15,0 0-31,0 0 31,1 0-15,-1 0-1,0 0 1,0 0 0,0 0-1,0 0 1,0 0-1,1 0 1,-1 0 0,0 0-16,0 0 15,0 0-15,0 0 16,0 0 15,0 0-31,1 0 16,-1 0-1,0 0 1,0 0 0,0 0-1,0 0 1,0 0 0,0 0-16,1 0 15,-1 0 1,0 0-1,0 0-15,0 0 16,40 0 0,-40 0-1,1 0 1,-1 0 0,0 0-16,0 0 15,0 0 1,0 0 15,0 0-31,0 0 16,1 0-1,-1 0 1,0 0 15,0 0-31,0 0 31,0 0-15,0 0 0,0 0 15,1 0 31</inkml:trace>
-</inkml:ink>
-</file>
-
-<file path=ppt/ink/ink3.xml><?xml version="1.0" encoding="utf-8"?>
-<inkml:ink xmlns:inkml="http://www.w3.org/2003/InkML">
-  <inkml:definitions>
-    <inkml:context xml:id="ctx0">
-      <inkml:inkSource xml:id="inkSrc0">
-        <inkml:traceFormat>
-          <inkml:channel name="X" type="integer" max="2646" units="cm"/>
-          <inkml:channel name="Y" type="integer" max="768" units="cm"/>
-          <inkml:channel name="T" type="integer" max="2.14748E9" units="dev"/>
-        </inkml:traceFormat>
-        <inkml:channelProperties>
-          <inkml:channelProperty channel="X" name="resolution" value="76.9186" units="1/cm"/>
-          <inkml:channelProperty channel="Y" name="resolution" value="39.79275" units="1/cm"/>
-          <inkml:channelProperty channel="T" name="resolution" value="1" units="1/dev"/>
-        </inkml:channelProperties>
-      </inkml:inkSource>
-      <inkml:timestamp xml:id="ts0" timeString="2018-02-14T22:27:17.847"/>
-    </inkml:context>
-    <inkml:brush xml:id="br0">
-      <inkml:brushProperty name="width" value="0.05292" units="cm"/>
-      <inkml:brushProperty name="height" value="0.05292" units="cm"/>
-      <inkml:brushProperty name="color" value="#FF0000"/>
-    </inkml:brush>
-  </inkml:definitions>
-  <inkml:trace contextRef="#ctx0" brushRef="#br0">3250 8021 0,'40'0'109,"0"0"-109,1 0 16,39 0-16,40 0 16,-39 0-16,39 0 15,-40 0-15,0 0 16,1 0-16,-1 0 16,0 0-16,-40 0 15,41 0 1,-41 0-1,40 0-15,-40 0 16,0 0 0,0 0-16,41 0 15,-41 0-15,40 0 16,-40 0-16,80 0 16,-79 0-16,-1 0 15,40 0-15,-40 0 16,0 0-16,0 0 15,41 0-15,-41 0 16,0 0-16,0 0 16,40 0-16,0 0 15,-39 0-15,-1 0 16,80 0-16,-40 0 16,1 0-16,-1 0 15,0 0-15,-40 0 16,40 0-16,1 0 15,-41 0-15,0 0 16,40 0-16,-40 0 16,41 0-16,-41 0 15,0 0-15,0 0 16,0 0 0,0 0-1,40 0-15,-39 0 0,39 0 16,-40 0-16,80 0 15,-39 0 1,-41 0-16,0 0 16,40 0-16,-40 0 15,0 0-15,1 0 16,79 0-16,-80 0 16,0 0-16,40-40 15,1 40-15,-41 0 16,40 0-16,0 0 15,-40 0-15,81 0 16,-41 0-16,-40 0 16,0 0-16,41 0 15,-1 0-15,-40 0 16,40 0-16,0 0 16,1 0-16,39 0 15,-40 0-15,81-40 16,-81 40-16,0 0 15,1 0-15,-41 0 16,0 0-16,40 0 16,0 0-16,1 0 15,-41 0 1,0 0-16,40 0 16,-40 0-1,0 0-15,41 0 16,-41 0-16,0 0 15,0-40-15,0 40 16,0 0-16,0 0 16,0 0-1,1 0 17,-1 0-32,0 0 31</inkml:trace>
-  <inkml:trace contextRef="#ctx0" brushRef="#br0" timeOffset="4816.211">3290 9264 0,'40'0'140,"1"0"-108,-1 0-17,0 0 1,0 0-16,0 0 15,0 0 17,0 0-17,1 0-15,-1 0 32,0 0-17,0 0 1,0 0-1,0 0 1,0 0 0,0 0-1,1 0 1,-1 0 0,0 0 15,0 0-16,0 0-15,0 0 16,0 0 0,0 0-1,1 0 1,-1 0 0,40 0-1,-40 0 16,0 0-15,0 0 0,0 0-16,1 0 15,-1 0 1,0 0-16,0 0 16,0 0-1,0 0 1,0 0-1,0 0 1,1 0-16,-1 0 16,0 0-16,0 0 15,0 0 1,0 0-16,0 0 16,0 0-1,1 0-15,-1 0 16,0 0-1,0 0-15,0 0 16,40 0-16,-40 0 16,1 0-16,39 0 15,-40 0 1,0 0-16,0 0 16,0 0-1,0 0-15,1 0 16,-1 0-16,40 0 15,-40 0 1,0 0-16,0 0 16,0 0-1,1 0-15,39 0 16,-40 0 0,40 0-1,-40 0-15,0 0 16,1 0-1,-1 0 1,0 0 0,0 0-1,0 0-15,40 0 16,-40 0 0,1 0-1,-1 0 1,0 0-1,0 0-15,0 0 16,0 0-16,0 0 16,0 40-16,41-40 15,-41 0-15,0 0 16,0 0-16,40 0 16,-39 0-16,-1 0 15,0 0-15,40 0 16,0 0-1,-40 0 1,1 0-16,-1 0 16,0 0-1,0 0 48,0 0-32,0 0-15,0 0-16,0 0 15,1 0 1,-1 0-16,0 0 16,0 0-1,0 0 1,0 0 15,0 0 141,0 0-141,1 0 0,-1 0-15,0 0 31,0 0 15,0 0-46,0 0 0,0 0 15,0 0-15,1 0-1,-1 0 32,0 0-16,0 0-15,40 0 15,-40 0-15,41 0-1,-41 0-15,40 0 16,-40 0-16,40 0 16,1 0-16,-1 0 15,0 0-15,0 0 16,-40 0-16,41 0 16,-1 0-1,-40 0-15,0 0 16,0 0-16,41 0 15,-41 0-15,40 0 16,-40 0-16,0 0 16,40 0-16,-39 0 15,-1 0-15,0 0 16,0 0-16,0 0 16,0 0-16,0 0 31,0 0-31,1 0 15,-1 0 17</inkml:trace>
-  <inkml:trace contextRef="#ctx0" brushRef="#br0" timeOffset="31887.48">27727 12232 0,'40'40'109,"1"-40"-93,-1 0-16,40 0 16,-40 0-16,0 0 15,40 0-15,-39 0 16,-1 0-16,0 0 16,0 0-16,0 0 15,0 0-15,0 0 16,0 0-1,1 0 1</inkml:trace>
-  <inkml:trace contextRef="#ctx0" brushRef="#br0" timeOffset="33095.896">28169 14157 0,'80'0'94,"-40"0"-78,40 0-1,1 0 1,-41 0-16,0 0 15,40 0-15,-40 0 16,0 0-16,0 0 16,1 0-1,-1 0 1,0 0 0,0 0-1,0 0-15,0 0 16,0 0-16,0 0 15,1 0 1,-1 0-16,0 0 16,0 0 15</inkml:trace>
-  <inkml:trace contextRef="#ctx0" brushRef="#br0" timeOffset="43399.879">12720 12192 0,'0'40'78,"80"-40"-31,-40 0-32,1 0-15,-1 0 16,0 0-16,0 0 16,0 0-16,0 0 15,0 0-15,41 0 16,-41 0-16,0 0 15,0 0-15,0 0 16,0 0-16,0 0 16,0 0-16,1 0 15,-1 0-15,40 0 16,-40 0-16,40 0 16,1 0-16,-1 0 15,0 0-15,0 0 16,1 0-16,-41 0 15,0 0-15,80 0 16,-80 0-16,41 0 16,-41 40-16,40-40 15,0 0-15,1 0 16,-1 0 0,-40 0-16,40 0 15,0 0-15,1 0 16,-1 0-1,-40 0-15,0 0 16,40 0-16,1 0 16,39 0-16,0 0 15,1 0-15,-1 0 16,1 0-16,-1 0 16,0 0-16,-39 0 15,39 0-15,0 0 16,41 0-16,-41 0 15,41 0-15,-41 0 16,41 0-16,-41 0 16,81 0-16,-41 0 15,1 0-15,-41 0 16,0 0-16,1 0 16,-1 0-16,41 0 15,-41 0-15,41 0 16,-1 0-16,1 0 15,-1 0-15,-40 0 16,1 0-16,-1 0 16,-40 0-1,1 0-15,39 0 16,-40 0-16,1 40 16,-1-40-16,0 0 15,0 0-15,1 0 16,39 0-16,-80 0 15,0 0-15,40 0 16,1 0-16,39 0 16,-40 40-16,1-40 15,39 0-15,-40 0 16,0 0-16,1 0 16,-1 0-16,40 0 15,-39 0-15,-1 0 16,0 0-16,0 0 15,1 0-15,-1 0 16,40 0-16,-80 0 16,41 0-16,-1 0 15,0 0-15,0 0 16,41 0-16,-41 0 16,0 0-16,1 0 15,-1 0-15,0 0 16,40 0-1,-39 0-15,-1 0 16,40 0-16,-39 0 16,-1 0-16,0 0 15,-40 0-15,40 0 16,41 0-16,-81 0 16,40 0-16,41 0 15,-41 0-15,0 0 16,0 0-16,41 0 15,-41 0-15,40 0 16,-39 0-16,-1 0 16,-40 0-16,0 0 15,40 0-15,-40 0 16,1 0 0,-1 0-16,0 0 15,0 0 1,0 0-16,0 0 15,41 0 1,-41 0 0,0 0-16,0 0 15,0 0-15,0 0 16,0 0 0,0 0-1,1 0 1,-1 0 15,0 0 0,0 0-31,0 0 16,0 0 0,0 0 30,-40 40-30,40-40 0</inkml:trace>
-  <inkml:trace contextRef="#ctx0" brushRef="#br0" timeOffset="46887.268">24959 11109 0,'-41'0'110,"1"40"-95,40 0 1,-40-40-16,0 40 15,40 0 1,0 1-16,-40-1 16,40 0-1,-40-40-15,40 40 16,-40 40 0,0-80-16,40 40 15,0 40 1,0-39 15,0-1-15,-41 0-16,41 0 15,0 0 1,0 0 0,0 0-1,0 0-15,0 0 16,0 0-1,0 1 1,0-1-16,0 0 16,0 0-1,0 0 1,0 0 0,41 0-1,-1-40 1,-40 40-16,0 0 15,40-40-15,-40 41 16,40-41 0,-40 40-1,40-40-15,0 0 16,-40 40-16,40 0 16,0-40-1,41 0 1,-41 40-1,0-40 1,0 0-16,0 0 16,0 0-1,41 0 1,-41 0 0,40 0-1,-40 0 1,0 0-1,0 0-15,1 0 16,-1 0 0,0 0-1,0-40-15,0 40 16,-40-40 0,40 40-16,0 0 15,0 0 1,1 0-16,-41-40 15,40 40-15,0 0 32,-40-40-17,40 40 17,-40-41-17,40 1 1,-40 0-1,40 0 1,0 0 0,-40 0-1,0 0 32,40 0-16,-40 0-15,0-1 0,0 1 15,0 0 0,0 0-15,0 0-1,0 0 17,41 0-1,-41 0-15,0 0-1,0 0 16,0-1 1,0 1-17,0 0 17,0 0-17,0 0 16,0 0 1,0 0-1,0 0 0,0 0 63,-41 40-47,41-41-16,-40 41 16,0 0-16,40-40 0,-40 40 16,40-40-15,-40 40 14,0 0 1,40-40-47,-40 40 16,0 0 31,40-40-32,-41 40 1,1 0 15,0 0-15,0 0 15,0 0-15,0 0 15,0 0 0,0 0 1,-1 0-17,1 0 32,0 0-31,0 0 15,0 0 0,0 0 0,0 0-15,-1 0 15,1 0-15,0 0 15</inkml:trace>
-  <inkml:trace contextRef="#ctx0" brushRef="#br0" timeOffset="59351.902">27808 11269 0,'-41'0'78,"1"41"-47,40 39-15,0-40-1,0 0 1,0 0-16,0 0 15,0 0-15,0 0 16,-40-40-16,40 41 16,0-1-16,0 0 15,0 0-15,0 0 16,0 40 0,0-40-1,0 0 1,0 0-1,40 1-15,-40-1 16,40-40 0,-40 40-1,41 0-15,-1-40 32,0 0-17,-40 40 1,40-40 15,0 0 0,0 0-15,0 0-16,0 0 16,1-40-16,-41 0 15,40 0-15,-40 0 16,80-1-16,-80 1 15,0 0-15,80 0 16,-80 0-16,0-40 16,0 0-1,0 40 1,0-1 0,0-39-1,0 40 1,0 0-1,0-40 1,0 40 0,0 0-16,0-1 47,-40 41-47,0 0 31,0 0 0,-40 0-15,39 0-1,1 0 1,0 0-16,-40 0 16,40 0-1,0 0 1,0 0 15,-1 0-15,1 0-1,40 41 17</inkml:trace>
-  <inkml:trace contextRef="#ctx0" brushRef="#br0" timeOffset="60615.22">25400 12272 0</inkml:trace>
-  <inkml:trace contextRef="#ctx0" brushRef="#br0" timeOffset="61967.736">27968 11189 0,'0'0'0,"0"-40"16,40 0-16,0 0 15,-40-40-15,40 0 16,1 39-16,-1-39 16,-40 0-16,0 0 15,0 0-15,0 39 16,0-39-16,0-40 15,0 40-15,0 0 16,0-1-16,0 1 16,0 0-16,0 0 15,0 40 1,0-41-16,-40 41 16,-1 0-1,41 0-15,-40 0 16,0 0-16,40 0 15,-40 40-15,40-40 16,-40 40-16,0 0 16,0 0-16,-41 0 15,41 0 1,-40 0 0,40 0-16,0 0 15,-40 0-15,39 0 16,1 40-16,-40-40 15,0 40-15,40 0 16,-41 0-16,41 0 16,0 0-16,-40 0 15,80 0-15,-80 1 16,40-1-16,-1 0 16,1 0-16,-40 40 15,40-80-15,0 80 16,0-40-16,0 1 15,-41-1-15,41 40 16,-40-40 0,40 0-16,0 40 15,-41-40-15,81 41 16,-80-41-16,40 40 16,-40-40-16,80 0 15,-40 40-15,0-80 16,-1 81-16,1-41 15,40 0-15,0 0 16,-40-40 15</inkml:trace>
-  <inkml:trace contextRef="#ctx0" brushRef="#br0" timeOffset="63055.336">25681 10387 0,'0'40'47,"0"0"-31,0 0-1,0 1-15,0 39 16,0 0-16,0-40 16,0 0-1,0 0-15,0 41 16,0-41 0,0 0 109,40-40-110,-40 40 1,40-40-1,-40 40-15,40-40 172,0 0-156,-40-40-16,81 40 16,-81-40-16,40 40 15,0-40-15,0 0 16,40-1-16,-80 1 15,81 40-15,-81-40 16,40 40-16,0-40 16,0 0-16,40 40 15,-40-40-15,0 0 16,1 40-16,-41-40 16,40 40-16,0 0 15,40-40-15,-40-1 31</inkml:trace>
-  <inkml:trace contextRef="#ctx0" brushRef="#br0" timeOffset="66231.811">28530 13676 0,'0'40'15,"0"0"32,0 0-16,0 0 1,0 0-32,0 0 15,0 1 1,0-1-16,0 0 15,0 0 1,0 0 0,0 0-16,0 0 15,0 0 1,0 0 0,0 0-16,0 1 15,-40-1 1,40 0-16,0 0 15,-40-40 1,40 80-16,-41-40 16,1 0-1,0 0-15,0 1 16,0-41 0,0 80-16,0-80 15,-41 40-15,41 0 16,0-40-16,-40 80 15,0-40-15,40-40 16,-81 40-16,81 0 16,0-40-16,-40 0 15,-41 41-15,41-1 16,40 0 0,-40-40-16,-41 0 15,41 0-15,0 0 16,0 0-16,-41 0 15,41 0-15,0 0 16,40 0-16,-41 0 16,1 0-1,80-40-15,-40 40 16,0 0 0,40-40-16,-40-1 31,40 1-16,-40 0-15,40 0 16,0 0-16,0 0 16,0 0-16,0 0 15,0-40-15,0 39 16,0 1-16,0 0 16,0 0-16,0 0 15,0 0-15,0-40 16,0-1-1,0 41 1,0 0 0,0 0-16,0 0 15,0 0-15,0 0 32,0 0-32,0 0 15,0 0 1,-41 40-1,41-41 1,0 1 0,0 0 15,-40 40 78,-40 40-93,0 0 0,80 1-1,-40-1-15,-41 40 16,81-40-16,-40 0 15,40 40-15,-40-80 16,40 40 0,-40-40-16,40 40 15,0 1 1,0-82 62,0 1-62</inkml:trace>
-  <inkml:trace contextRef="#ctx0" brushRef="#br0" timeOffset="66870.824">26203 13876 0,'40'0'78,"40"0"-62,-40 0-1,0 0-15,0 0 16,0 40-16,1-40 15,-41 41 1,40-41 0,0 40-16</inkml:trace>
-  <inkml:trace contextRef="#ctx0" brushRef="#br0" timeOffset="91391.572">15449 11269 0,'-81'0'78,"41"0"-62,0 41-16,0-1 16,40 0-1,-40-40-15,0 0 16,40 40-16,0 0 15,-40-40 1,40 40 0,0 0-1,0 40-15,0-39 16,40-1 0,0 0-16,0 0 15,0-40 16,-40 40-15,0 0 47,-40-40-48,0 0 1,0 0-16,0 0 15,0 0 1,-1 0 15,1 0-31,0 0 32,40-40 30,40 40 16,0 0-62,-40 40-16,0 0 15,0 0-15,0 0 16,0 41-16,0-1 16,0-40-16,0 40 15,0-40-15,0 0 16,0 0-16,0 41 16,0-41-16,0 40 15,0-40 1,0 0-16,0 0 15,0 0 1,0 81-16,41-121 16,-41 40-16,40-40 15,-40 40-15,40-40 16,0 40-16,0-40 16,0 0-1,0 0 1,0 0 31</inkml:trace>
-  <inkml:trace contextRef="#ctx0" brushRef="#br0" timeOffset="92199.667">15970 11470 0,'0'40'62,"0"0"-46,0 40-1,0-39-15,0 39 16,0 0-16,-40 0 16,40 40-16,-40-79 15,40 39-15,0-40 16,0 40-16,0-40 16,0 0-16,0 0 15,0 1 1,-40-41-1,40 40-15,0 0 16,0 0 0,-40-40 15</inkml:trace>
-  <inkml:trace contextRef="#ctx0" brushRef="#br0" timeOffset="93655.105">16612 10949 0,'40'0'15,"1"40"17,-41 0-17,0 0 1,0 0 0,0 0-16,0 0 15,0 0-15,0 0 16,0 41-16,0-41 15,-41 0-15,41 0 16,-40 0-16,40 0 16,0 0-16,-40 0 15,40 1-15,0-1 16,0 0-16,0 0 16,0 0-1,0 0 1,40 0-1,0-40-15,1 0 32,-1 0-32,-40-40 93,0 0-61,-40 40-32,-1 0 15,1 0 1,0 0 15,0 40-15,40 0-16,-40-40 15,40 80-15,0-40 16,0 41 0,0-1-1,0-40-15,0 0 16,0 40-16,40-40 16,-40 1-16,0 39 15,40-40 1,-40 0-16,40-40 15,-40 40-15,0 0 16,0 0 0,40 0-1,-40 0 1,0 1 0,-40-1 30,0-40-46,0 0 16,0 0 0,0 0-16,0 0 15,0 0-15,-1 0 16,1 0-16,0 0 16,0 40-16,-40-40 15,40 0-15,0 0 16,40 40-16,-41-40 15,82 0 64</inkml:trace>
-  <inkml:trace contextRef="#ctx0" brushRef="#br0" timeOffset="94647.199">18819 10788 0,'0'0'0,"-80"0"16,80 40-16,-40 0 16,0 41-16,40-41 15,0 40-15,0 0 16,0 0-16,0 1 16,0-41-16,0 0 15,0 0-15,0 0 16,0 0-16,-40-40 15,40 40-15,-40-40 16,-1 0-16,1 0 16,0 0-16,0 0 15,0 0-15,0 0 16,40 40 62,40-40-62,0 81-16,0-1 31,0-40-31,-40 40 16,40-40-16,1 80 15,-41-39-15,0-1 16,0 0-16,0 0 15,0 1-15,0-1 16,0-40-16,0 0 16,0 40-16,0-40 15,0 0-15,0 0 16,0 41-16,0-41 16,0 0-16,40 0 15,0 0-15,0 0 16,0 0-16,0-40 31,-80 0 32</inkml:trace>
-  <inkml:trace contextRef="#ctx0" brushRef="#br0" timeOffset="95431.201">19501 11711 0,'41'0'0,"-41"40"78,0 0-63,0 40 1,-41-80-16,41 40 16,-40 0-16,-40 0 15,40 0-15,0-40 16,0 41-16,0-41 15,40 40-15,-41 0 16,41 0 0,-40 0-1,40 0 1,0 0 0,0 0-1,40-40-15,-40 40 16,81 1-16,-41-41 15,40 0-15,-40 0 16,81 0-16,-81 0 16,0-41-16,0 41 15,-40-40 1,0 0 15,0 0-31</inkml:trace>
-  <inkml:trace contextRef="#ctx0" brushRef="#br0" timeOffset="96423.011">19742 11069 0,'0'0'0,"40"0"15,0 0-15,1 0 16,-1 0 0,40 0-16,-40 0 15,0 0-15,0 0 16,0 0 31,-40 40-32,0 0 1,-40 0 0,0-40-1,0 40 1,0 0 0,40 1-16,-40-1 15,40 0 1,0 0-1,0 0 1,0 0-16,0 40 16,40-40-1,0 1-15,0 39 16,40-40 0,-39-40-1,-1 40-15,0-40 16,0 40-1,0-40 1,-40 40-16,0 0 16,40 0-1,-40 0-15,0 1 16,40-1-16,-40 0 16,40-40-16,-40 80 15,0-40-15,0 40 16,-40-40-1,40 1-15,-40-1 16,0 0-16,0 0 16,0 0-16,-40 0 15,39 0-15,-39 0 16,0 0-16,-40 0 16,39 41-1,1-41-15,40-40 16,0 40-16,0-40 0,40 40 15,-40-40 17</inkml:trace>
-  <inkml:trace contextRef="#ctx0" brushRef="#br0" timeOffset="112278.792">6059 10868 0,'80'0'94,"1"-40"-79,39 40-15,-40 0 16,0 0-16,1 0 16,-1 0-16,0 0 15,0 0-15,-39 0 16,-1 0-16,40 0 16,0 0-16,-40 0 15,0 0-15,41 0 16,-41 0-1,0 0-15,0 0 16,40 0-16,-39 0 16,-1 0-16,0 0 15,80 0-15,-80 0 16,0-40-16,41 40 16</inkml:trace>
-  <inkml:trace contextRef="#ctx0" brushRef="#br0" timeOffset="113958.882">30376 10868 0,'0'41'63,"-81"39"-47,1 0-1,80-40-15,-80 40 16,40-40-16,40 41 15,-40-81-15,40 40 16,-40 0 0,40 0-1,-41-40-15,41 40 47,0 0 16,0 0-32,-40-40-15,40 40-16,0 0 15,-40 1 1,-40-1-1,80 0 1,-80 0-16,80 0 16,-40-40-16,120 0 125,0 0-125,40 0 15,41 0-15,-1 0 16,1 0-16,-1 0 16,-39 0-16,-1 0 15,-40 0-15,-39 0 16,39 0-16,-160-40 156</inkml:trace>
-  <inkml:trace contextRef="#ctx0" brushRef="#br0" timeOffset="114622.619">30616 11229 0,'-40'0'32,"40"40"30,-40 1-62,40 39 16,-40 40-16,0-40 15,40 41-15,-40-1 16,0 40-16,0-79 16,40 39-16,0-40 15,-41 0-15,41 1 16,0-41-16</inkml:trace>
-  <inkml:trace contextRef="#ctx0" brushRef="#br0" timeOffset="115550.484">31660 10949 0,'0'40'62,"0"0"-46,0 0-16,-40 0 15,-1 40 1,41 0-16,0 1 16,0-1-16,0 0 15,0 0-15,0 41 16,0-41-16,41 0 16,-1 0-16,-40-40 15,40 0-15,-40 1 16,0-1-16,40 0 15,-40 0 1,0 0 0,0 0 15,0 0-15,-40-40-1,40 40 1,-40-40-16,0 0 15,-1 40 1,1-40-16,0 0 16,0 0-16,0 0 15,0 0 1,0 0-16,0 0 47,-1 0-16</inkml:trace>
-  <inkml:trace contextRef="#ctx0" brushRef="#br0" timeOffset="116038.574">31700 11189 0,'40'0'16,"40"0"15,-40 0-31,0 0 16,41 0-16,-41 0 16,0 0-16,0 0 15,0 0 1</inkml:trace>
-  <inkml:trace contextRef="#ctx0" brushRef="#br0" timeOffset="117062.621">33144 10507 0,'0'41'47,"0"-1"-47,-40 40 16,-40 0-16,80 0 15,-80 1-15,80-1 16,-80 40-16,39-40 16,1 0-1,-40 41-15,40-41 16,40 0-16,-80 0 15,80 41-15,-81-41 16,41-40-16,40 0 16,0 40-16,0 1 15,-40-81 1,40 40-16,0 0 16,0 0-16,0 0 31,40 0-16,0-40 1,0 0 0,1 0-1,-1 0-15,40 0 16,-80-40 0,80 0-1,-40 0 1,1 0-1,-1 0 1,-40-1-16,0 1 0,40 0 16,-40 0-1,0 0 1,0 0-16,0 0 47,-40 40 15,0 0-62,-41 0 16,41 0-16,0 0 16,0 0-1,0 0 1,0 0-1</inkml:trace>
-  <inkml:trace contextRef="#ctx0" brushRef="#br0" timeOffset="119495.194">28088 14037 0,'41'0'94,"39"0"-94,0 0 15,-40 0-15,0 0 16,41 0-16,-41 0 31,0 0-15,0 0-1,0 0 1,0 0 0,0 0-1,0 0 16,1 0-31,-1 0 16,0 0 15,0 0-15,0 0-16,0 0 16,0 0 15,0 0-16,1 0 17</inkml:trace>
-  <inkml:trace contextRef="#ctx0" brushRef="#br0" timeOffset="127095.181">30095 13435 0,'0'40'47,"0"0"-31,0 81-16,0-41 15,0 0-15,0 0 16,0 41-16,0-41 15,0 0-15,0 0 16,0 41-16,0-81 16,0 40-1,0-40 1</inkml:trace>
-  <inkml:trace contextRef="#ctx0" brushRef="#br0" timeOffset="127958.431">30616 13676 0,'41'0'15,"-1"0"1,0 0 15,0 0-31,0 0 16,0 0-16,40 0 15,-39 0-15,-1 0 16,40 0-16,-40 0 16,-40 40-1,0 0 63,0 0-62,0 0 0,-80 0-16,40 0 15,0 1 1,40-1 0,-41 0-1,1-40-15,40 40 16,0 0-1,0 0 32,40 0-15,1-40-32,-1 40 15,40-40-15,0 0 16,0 0-16,41 0 15,-41 0-15,-40 0 16</inkml:trace>
-  <inkml:trace contextRef="#ctx0" brushRef="#br0" timeOffset="128990.929">32342 13315 0,'-40'40'63,"0"0"-48,-1 40-15,-39 41 16,40-41-16,0 0 15,0 0-15,-40 41 16,80-81-16,-81 40 16,41 0-16,40-40 15,0 0-15,-40 40 16,40-39-16,0 39 16,0-40 15,0 40-16,40-40 1,0 0 0,0 0-1,1 1-15,-1-41 16,0 0 0,0 0-16,0 0 15,40 0-15,-80-41 16,81 1-16,-81 0 15,80 40-15,-80-40 16,40 0 0,-40 0-16,40 0 15,0 0-15,-40 0 16,0-1-16,0 1 16,0 0-1,0 0 1,-40 0 15,0 40-31,40-40 16,-40 40-16,0 0 31,0 0-15,-1 0-16,1 0 15,-40 0-15,0 0 16,40 0-1,40 40 1,-81-40-16,41 0 16,40 40-16,-40-40 15,0 0 1</inkml:trace>
-  <inkml:trace contextRef="#ctx0" brushRef="#br0" timeOffset="131575.152">31740 13475 0,'0'0'0,"-40"0"0,80 0 109,0 0-93,40 0-1,41 0-15,-41 0 16,121 40-16,-121-40 16,0 0-16,0 0 15,-40 0-15,41 40 16,-81 1 78,-40-41-94,40 40 15,-41 0-15,1-40 16,0 40-16,0 0 15,0 0-15,0 40 16,0-40 0,0 1-1,-1-1 1,41 40-16,0-40 16,0 0 15,0 40-31,0-40 31,41 0-31,-1-40 16,-40 41-16,80-41 15,-40 80-15,0-40 16,40-40-16,-39 40 16,-1 0-16,40-40 15,-80 40-15,40-40 16,-40 40 15,0 0 0,0 1 1,-40-41-32,40 40 15,-80-40-15,-1 40 16,-39 40-16,-40-40 15,39-40-15,1 40 16,-1 0-16,1 0 16,0-40-16,39 81 15,-39-81-15,40 0 16,-41 40-16,81 0 31,0-40-15</inkml:trace>
-  <inkml:trace contextRef="#ctx0" brushRef="#br0" timeOffset="206425.126">15208 9024 0</inkml:trace>
-</inkml:ink>
-</file>
-
-<file path=ppt/ink/ink4.xml><?xml version="1.0" encoding="utf-8"?>
-<inkml:ink xmlns:inkml="http://www.w3.org/2003/InkML">
-  <inkml:definitions>
-    <inkml:context xml:id="ctx0">
-      <inkml:inkSource xml:id="inkSrc0">
-        <inkml:traceFormat>
-          <inkml:channel name="X" type="integer" max="2646" units="cm"/>
-          <inkml:channel name="Y" type="integer" max="768" units="cm"/>
-          <inkml:channel name="T" type="integer" max="2.14748E9" units="dev"/>
-        </inkml:traceFormat>
-        <inkml:channelProperties>
-          <inkml:channelProperty channel="X" name="resolution" value="76.9186" units="1/cm"/>
-          <inkml:channelProperty channel="Y" name="resolution" value="39.79275" units="1/cm"/>
-          <inkml:channelProperty channel="T" name="resolution" value="1" units="1/dev"/>
-        </inkml:channelProperties>
-      </inkml:inkSource>
-      <inkml:timestamp xml:id="ts0" timeString="2018-02-14T22:37:07.743"/>
-    </inkml:context>
-    <inkml:brush xml:id="br0">
-      <inkml:brushProperty name="width" value="0.05292" units="cm"/>
-      <inkml:brushProperty name="height" value="0.05292" units="cm"/>
-      <inkml:brushProperty name="color" value="#FF0000"/>
-    </inkml:brush>
-  </inkml:definitions>
-  <inkml:trace contextRef="#ctx0" brushRef="#br0">22190 9465 0</inkml:trace>
-  <inkml:trace contextRef="#ctx0" brushRef="#br0" timeOffset="648.636">25159 9745 0,'0'0'0,"402"41"16,-162-41-16,1 0 16,0 0-16,-161 40 15,0 40-15,1-40 16,-1 40-16,-40-40 15,-40 0 1,0 1 140,40-41-140,0 40-16,40 0 16,1 40-16,-1-80 15,80 80 1,41 0-16,-81 1 0,-39-41 15,-1 0 1,-40-40-16,-40 40 16,-40-40 46,-40 0-46,-121 0-16,-120 0 15,-120 0-15,-41 0 16,-39 0-16,-1 0 16,0 40-16,1-40 15,-1 40-15,161-40 16,80 0-16,161 0 16,79 0-16</inkml:trace>
-  <inkml:trace contextRef="#ctx0" brushRef="#br0" timeOffset="6896.052">3451 12272 0,'0'40'15,"40"-40"1,40 0 0,-40 0-16,1 0 15,39 40-15,0-40 16,0 0-16,1 0 16,-1 40-16,0-40 15,0 41-15,41-41 16,-1 0-16,-40 0 15,41 0-15,-41 0 16,80 0-16,-39 0 16,-1 0-16,1 0 15,-1 0-15,0 0 16,1 0-16,-1 0 16,0 0-16,-39 0 15,39 0-15,-40 40 16,41-40-16,-41 0 15,40 0-15,-39 0 16,39 0 0,-40 0-16,0 0 15,1 0-15,-1 0 16,0 0-16,0 0 16,41 40-16,-81-40 15,40 0-15,-40 40 16,41-40-16,39 0 15,-80 0-15,40 0 16,1 0-16,-1 0 16,0 0-16,41 0 15,-41 0-15,0 0 16,0 0-16,-40 0 16,41 0-16,-1 0 15,-40 0-15,0 0 16,0 0-16,81 0 15,-81 0-15,40 0 16,0 0-16,1 0 16,-1 0-16,40 0 15,1 0-15,-1 0 16,0 0-16,1 0 16,39 0-16,-39 0 15,-1 0 1,0 0-16,1 0 15,-41 0-15,0 0 16,-40 0-16,41 0 16,-41 0-16,80 0 15,-40 0-15,1 0 16,-1 0-16,0 0 16,41 0-16,-1 0 15,0 0-15,-39 0 16,-1 0-16,0 0 15,0 0-15,-40 0 16,41 0-16,-1 0 16,-40 0-16,0 0 15,0 0-15,41 0 16,-41 0 0,0 0-1,0-40 1,0 0-1,-40-41 1,40 1-16,-40 40 16,40-40-16,-40-40 15,40-1-15,-40 1 16,0 0 0,0-1-16,0 1 15,0 80-15,0-40 16,0 40-16,0-41 15,0 1-15,0 0 16,0 40-16,0-40 16,0 40-16,0-81 15,0 81-15,0-40 16,0 40-16,0-40 16,0 39-16,0-39 15,0 40 1,0 0-16,0 0 15,0 0-15,0 0 16,0-40-16,0-1 16,0 41-16,0 0 15,0-40-15,0 40 16,0 0 0,0 0-16,0-1 31,0 1 0,-40 40-31,40-40 16,0 0-1,-40 0 1,0 40-16,40-40 16,-80 40-1,80-40-15,-80 0 16,-1 40-16,1 0 15,0-40-15,0 40 16,-41 0-16,41-40 16,-40-1-16,-1 41 15,1 0-15,-1-40 16,1 40-16,-40 0 16,39 0-16,1-40 15,-1 40-15,-39 0 16,39 0-16,1 0 15,40 0-15,-81 0 16,81 0-16,-40 0 16,-1 0-16,1 0 15,0 0-15,-1 0 16,1 0-16,40 0 16,-41 0-16,1 0 15,40 0 1,-1 0-16,1 0 15,0 0-15,-41 0 16,41 0-16,40-40 16,-40 40-16,0 0 15,-41 0-15,41 0 16,40 0-16,-40-40 16,-1 40-16,1 0 15,0 0-15,0 0 16,-1 0-16,1 0 15,0 0-15,-1 0 16,1 0-16,0-40 16,40 40-16,0 0 15,-41 0-15,1 0 16,40 0-16,0 0 16,-80 0-16,79 0 15,1 0-15,0 0 16,0 0-1,0 0 1,0 0-16</inkml:trace>
-  <inkml:trace contextRef="#ctx0" brushRef="#br0" timeOffset="17944.867">5979 14759 0,'40'0'78,"40"0"-78,41 0 15,39 0-15,121 40 16,-40-40-16,-41 0 16,41 0-16,-40 0 15,40 40-15,-81-40 16,41 0-16,-41 0 15,1 0-15,79 0 16,-79 0-16,40 0 16,-81 0-16,40 0 15,-39 0-15,-1 0 16,-40 0-16,41 0 16,-41 0-16,0 0 15,41 0-15,-1 0 16,0 0-16,1 0 15,-1 0-15,1 0 16,-1 0 0,0 0-16,1 0 15,-81 0-15,0 0 16,0 0-16,0 0 78,-40 40-78,0 0 109,-40-40-93,40 40-16,-40 0 16,0 40-1,0-80 1,40 41-16,-40-1 16,40 0-16,0 0 15,-40 0-15,-1 40 16,41-40-1,-40 0 1,40 1-16,-40-1 16,40 0-16,0 0 15,0 0 1,-40 0 15,0-40 47,0 0-78,0 40 16,-41-40-16,-39 40 16,0-40-16,-41 0 15,81 0-15,-121 0 16,41 0-16,-41 0 15,-40 0-15,1 0 16,-1 0-16,80 0 16,1 0-16,39 0 15,1 0-15,0 0 16,-1 0 0,41 0-16,-40-40 15,39 40-15,41-40 16,-40 40-16,0 0 15,-41-40-15,41 40 16,0-40-16,0 40 16,-1 0-16,1 0 15,-40-40-15,39 0 16,1 40-16,0-40 16,0 40-16,-1-41 15,1 1-15,0 40 16,40 0-16,-40-40 15,-1 40-15,41-40 16,-40 40-16,40 0 16,40-40-16,0 0 15,-40 40-15,0 0 16,-1 0 15,1 0 0,40-40 1,-40 40-17,0-40 1,40 0 62,0-1-62,0 1-1,0-40 17,40 80-32,0-40 15,0 40 1,-40-40-1,41 40 32,-1 0-47,0 0 32,0 0-32,0 0 15,0 0-15,-40-40 31,40 40 157,0 0-172,1-40-16,-1 40 15,0 0 1,0 0-16,0 0 15,0 0 64,0 0-79,0 0 15,-40-40 1,41 40-1</inkml:trace>
-</inkml:ink>
-</file>
-
-<file path=ppt/ink/ink5.xml><?xml version="1.0" encoding="utf-8"?>
-<inkml:ink xmlns:inkml="http://www.w3.org/2003/InkML">
-  <inkml:definitions>
-    <inkml:context xml:id="ctx0">
-      <inkml:inkSource xml:id="inkSrc0">
-        <inkml:traceFormat>
-          <inkml:channel name="X" type="integer" max="2646" units="cm"/>
-          <inkml:channel name="Y" type="integer" max="768" units="cm"/>
-          <inkml:channel name="T" type="integer" max="2.14748E9" units="dev"/>
-        </inkml:traceFormat>
-        <inkml:channelProperties>
-          <inkml:channelProperty channel="X" name="resolution" value="76.9186" units="1/cm"/>
-          <inkml:channelProperty channel="Y" name="resolution" value="39.79275" units="1/cm"/>
-          <inkml:channelProperty channel="T" name="resolution" value="1" units="1/dev"/>
-        </inkml:channelProperties>
-      </inkml:inkSource>
-      <inkml:timestamp xml:id="ts0" timeString="2018-02-14T22:37:46.255"/>
-    </inkml:context>
-    <inkml:brush xml:id="br0">
-      <inkml:brushProperty name="width" value="0.05292" units="cm"/>
-      <inkml:brushProperty name="height" value="0.05292" units="cm"/>
-      <inkml:brushProperty name="color" value="#FF0000"/>
-    </inkml:brush>
-  </inkml:definitions>
-  <inkml:trace contextRef="#ctx0" brushRef="#br0">7985 12513 0,'40'0'234,"41"0"-234,-41 0 16,40-40-1,-40 40 1,0 0 15,0 0-15,0 0 15,1 0-15,-1 0-1,0 0 1,0 0 0,0 0-16,0 0 15,0 0 1,0 0 0,1 0-16,-1 0 15,0 0 1,0 0-16,0 0 15,0 0-15,0 0 16,0 0-16,1 0 16,39 0-16,-40 0 15,40 0 1,-40 0 0,0 0-1,1 0-15,39 0 16,-40 0-16,0 0 15,0 0-15,0 0 16,41 0 0,-41 40-1,0-40 1,0 0 0,0 0-16,0 0 15,0 0 1,0 40-1,1-40-15,39 0 16,-40 0 0,40 0-1,-40 40-15,0-40 16,41 0-16,-41 40 16,0-40-16,40 0 15,-40 0-15,41 40 16,-41-40-16,40 40 15,-40-40-15,40 0 16,1 0 0,39 0-16,-40 0 15,-40 0-15,41 0 16,-1 0-16,0 0 16,0 0-16,41 0 15,-41 0-15,40 40 16,-39-40-16,-1 0 15,0 0-15,0 0 16,1 0-16,-1 0 16,0 0-16,-40 0 15,0 0-15,41 0 16,-41 0-16,0 0 16,0 0-16,0 0 15,0 0-15,0 0 16,1 0-1,-1 0-15,0 0 16,0 0 0,0 0-1,0 0-15,0 0 32,0 0-1,-40 40-31,41-40 15,-1 0 1,0 0 15,0 41-15,0-41 15,-40 40-31,40-40 16,-40 40 15,0 0 0,0 0 1,40 0-17,-40 0-15,0 0 16,0 0-1,0 1 1,0-1 15,0 0-15,0 0 0,40 0-16,-40 0 15,0 40 1,0-40-1,0 0-15,0 41 16,0-41 0,0 40-1,0-40-15,0 0 16,0 0-16,0 0 16,0 1-16,0 39 15,0-40 1,0 0-16,0 0 15,0 0-15,0 0 16,0 0 0,0 0-16,0 1 15,0-1 1,0 0-16,0 0 16,0 0-1,0 0 1,0 0-16,0 0 15,0 0 1,0 1 0,0-1-16,0 0 15,0 0 17,0 0-32,0 0 15,0 0 16,0 0-15,0 0-16,0 0 16,0 1-1,-40-1 1,40 0 0,-40 0-1,0-40 1,0 40-16,0 0 15,40 0 1,-80-40-16,80 40 16,-41-40-16,1 0 15,0 0-15,0 40 16,40 1-16,-80-41 16,40 0-1,0 0 1,-1 40-16,1-40 15,0 0 1,0 0-16,0 0 16,0 0-1,40 40-15,-80-40 16,39 40 0,-39-40-16,40 0 15,0 0-15,0 0 16,0 0-16,0 0 15,-1 0 1,1 0-16,0 0 16,0 0-16,-40 0 15,40 0 1,0 0 0,-1 0-16,1 0 15,0 0-15,0 0 16,0 0-16,-40 0 15,-1 0-15,1 0 16,0 0-16,0 0 16,-1 0-16,-39 0 15,40 0 1,0 0-16,-1 0 16,1 0-16,0 0 15,-41 0-15,41 0 16,0 0-16,-41 0 15,1 0-15,40 0 16,0 0-16,-1 0 16,1 0-16,0 0 15,0 0-15,-41 0 16,81 0-16,0 0 16,-40 0-16,-1 0 15,41 0 1,-40 0-16,0 0 15,0 0-15,39 0 16,-39 0-16,0 0 16,-40 0-16,39 0 15,1-40-15,40 40 16,-40-40-16,40 40 16,-1 0-16,1 0 15,0 0-15,0-40 16,0 40-1,0 0-15,-40-41 16,39 1 0,1 40-16,0 0 15,0-40-15,0 0 16,0 40 0,0-40-1,0 0 1,-1 0-1,41 0 1,-40 0-16,0 40 16,40-41-1,0 1-15,0 0 16,-40 0-16,40 0 16,0 0-16,0 0 15,0 0-15,0 0 16,0 0-16,0-1 15,0-39-15,0 40 16,0 0 0,0 0-16,0-40 15,0 40 1,0-1-16,0-39 16,0 0-1,0 40 1,0 0-16,0 0 15,40 0-15,-40 0 16,40-1-16,-40 1 16,0 0-16,0 0 15,0 0-15,0 0 16,0-40 0,0 40-1,0-1 1,0-39-1,0 40 1,0 0 0,0 0-16,40 0 15,-40 0 1,0 0-16,0 0 16,0-1-16,0 1 15,41 0 1,-41 0-16,40 40 15,-40-40-15,0 0 16,0 0 0,40 0-1,-40 0 1,0-1 0,0 1-1,40 40 1,-40-40-16,0 0 31,0 0-15,0 0-1,40 40-15,-40-40 16,40 40 218</inkml:trace>
-  <inkml:trace contextRef="#ctx0" brushRef="#br0" timeOffset="3759.705">8106 15240 0,'0'40'109,"40"-40"-77,40 0-17,-40 0 1,40 0-16,-40 0 15,1 0-15,-1 0 16,0 0 15,0 0 1,0 0-17,0 0-15,0 0 16,0 0-1,1 0 1,-1 0 0,0 0-1,0 0 1,0 0 0,0 0-1,0 0 1,0 0-1,1 0-15,-1 0 16,0 0 0,0 0-1,0 0 1,0 0 0,0 0-1,0 0 1,1 0-16,-1 0 15,0 0 17,0 0-1</inkml:trace>
-  <inkml:trace contextRef="#ctx0" brushRef="#br0" timeOffset="15031.787">7624 5133 0,'0'40'47,"80"1"-16,1-41-31,-1 0 16,40 0-16,-40 0 15,1 0-15,-1 40 16,-40-40-16,80 0 16,-39 0-16,-1 0 15,40 40-15,-39-40 16,-1 0-16,0 0 16,0 40-16,1-40 15,-1 0-15,-40 0 16,40 40-16,0-40 15,-39 0-15,39 40 16,0-40-16,0 0 16,41 0-16,-41 0 15,0 0-15,0 0 16,-39 0-16,39 0 16,0 40-16,-40-40 15,40 40-15,1-40 16,-41 0-16,40 0 15,-40 0-15,40 0 16,1 0-16,-1 0 16,0 0-16,1 0 15,-1 0 1,40 0-16,-40 0 0,1 0 16,-1 0-1,0 0-15,0 0 16,-39 0-16,79 0 15,-80 0-15,0 40 16,0-40-16,41 0 16,-41 0-16,40 0 15,0 0-15,0 0 16,41 0-16,-41 0 16,0 0-16,1 0 15,-1 0-15,-40 0 16,40 0-16,0 0 15,-39 0-15,39 0 16,0 0-16,-40 0 16,0 0-16,0 0 15,41 0-15,-41 0 16,0 0-16,0 0 16,0 0-16,0 0 15,0 0-15,1 0 16,-1 0-16,0 0 15,0 0 17</inkml:trace>
-  <inkml:trace contextRef="#ctx0" brushRef="#br0" timeOffset="18144.182">8346 5976 0,'0'0'0,"-40"0"16,-80 0-16,40 0 15,39 0-15,-39 0 16,40 0-16,-80 0 16,80 0-1,-41 0 1,41 0-16,0 0 15,0 0-15,0 40 16,0-40-16,40 40 16,-81 0-16,81 0 15,-80 40-15,80-40 16,0 41-16,-40-1 16,40 0-16,-40 40 15,40-40-15,0 1 16,0-1-16,0 40 15,40 1-15,-40-1 16,40 0-16,0 0 16,41 1-16,-41-41 15,0 0-15,40 0 16,-40 1-16,0-81 16,0 80-16,41-40 15,-41-40-15,40 40 16,0 0-16,-40-40 15,41 40-15,-1 0 16,40-40-16,41 81 16,-41-41-16,1 0 15,-41-40 1,40 0-16,1 40 16,39 0-16,41-40 15,-41 0-15,1 0 16,39 0-16,41 0 15,-40 0-15,39 0 16,-39 0-16,0 0 16,40 0-16,-81 0 15,1 0-15,39-40 16,-79 0-16,-1 0 16,-40-41-16,41 41 15,-41 0-15,0 0 16,0-80-16,1 80 15,-1-40-15,0-1 16,-40 1-16,40 0 16,-80 0-16,0-1 15,0 41-15,0-40 16,0 0-16,0 0 16,0 0-16,0-1 15,-120 1-15,80-40 16,-40 40-16,40-1 15,-41 1 1,-39 0-16,40 0 16,-121-41-16,81 41 15,-41 40-15,-39-80 16,-121 120-16,-81-40 16,81 40-16,0 0 15,-40 0-15,0-40 16,-40 40-16,160 0 15,0 0-15,41-41 16,-41 41-16,80 0 16,41 0-16,40 0 15,40 0-15,-1 0 16,1 0-16</inkml:trace>
-  <inkml:trace contextRef="#ctx0" brushRef="#br0" timeOffset="21575.875">8226 12352 0,'0'0'0,"-40"40"0,-40 1 16,39-1-1,-39 0-15,0 40 16,0 0-16,-1 0 16,41 1-16,-40 39 15,40-40-15,-40 0 16,80 41-1,-81-41-15,41 40 16,40 81-16,-40-41 16,0-80-16,0 81 15,40-41-15,0 0 16,0-39-16,0 39 16,0-40-16,40 40 15,40 1-15,1-1 16,39-40-16,-80 41 15,40-1-15,-40-40 16,1 0-16,79 41 16,-40 39-16,41-80 15,-1 81-15,81-81 16,-81 0-16,121 0 16,-41-40-16,81-40 15,-40 41-15,80-41 16,0 0-16,-40 0 15,-81 0-15,-39 0 16,80 0-16,-121-41 16,41 41-16,-81 0 15,0-40-15,81 0 16,-41 0-16,0 0 16,-39 40-1,39 0-15,0-40 16,1 0-16,39 0 15,41 40-15,-41 0 16,1 0-16,-1-40 16,1 40-16,40-41 15,-81-39-15,0 40 16,81 0-16,-121-40 16,0 40-16,41-81 15,-81 81-15,0-40 16,-40 0-16,40 0 15,-40-1-15,40 1 16,-40 0-16,0-40 16,0 40-16,0-41 15,0 41-15,-40-40 16,0 39-16,-40-39 16,40-40-16,-41 120 15,1-81-15,-80-39 16,79 80-16,-39-41 15,40 41 1,0 40-16,-1-80 16,-39 80-16,0-41 15,-1 1-15,-79 40 16,39 0-16,-80-40 16,81 0-16,-81 39 15,-40 1-15,121 0 16,-41-40-16,41 80 15,-41-80-15,40 40 16,1 0-16,39 40 16,-39-40-16,40-1 15,-1 41-15,1 0 16,-1 0-16,1 0 16,0 0-16,39 0 15,1 0-15,0 0 16,0 0-16,-1 0 15,1 0-15,40 0 16,-40 0-16,40 0 16,0 0-16,-1 0 15,1 0-15,-40 0 16,40 0-16,0 0 16,0 0-16,-41 0 15,41 0 1,0 0-16,-40 0 15,40 0 1,-40 0-16,39 0 16,1 0-16,-40 0 15,0 0-15,40 0 16,0 0-16,-1 0 16,1 0-16,0 0 15,0 0-15,0 0 16,0 0 15,0 0-31,0 0 31</inkml:trace>
-</inkml:ink>
-</file>
-
-<file path=ppt/ink/ink6.xml><?xml version="1.0" encoding="utf-8"?>
-<inkml:ink xmlns:inkml="http://www.w3.org/2003/InkML">
-  <inkml:definitions>
-    <inkml:context xml:id="ctx0">
-      <inkml:inkSource xml:id="inkSrc0">
-        <inkml:traceFormat>
-          <inkml:channel name="X" type="integer" max="2646" units="cm"/>
-          <inkml:channel name="Y" type="integer" max="768" units="cm"/>
-          <inkml:channel name="T" type="integer" max="2.14748E9" units="dev"/>
-        </inkml:traceFormat>
-        <inkml:channelProperties>
-          <inkml:channelProperty channel="X" name="resolution" value="76.9186" units="1/cm"/>
-          <inkml:channelProperty channel="Y" name="resolution" value="39.79275" units="1/cm"/>
-          <inkml:channelProperty channel="T" name="resolution" value="1" units="1/dev"/>
-        </inkml:channelProperties>
-      </inkml:inkSource>
-      <inkml:timestamp xml:id="ts0" timeString="2018-02-14T22:40:35.805"/>
-    </inkml:context>
-    <inkml:brush xml:id="br0">
-      <inkml:brushProperty name="width" value="0.05292" units="cm"/>
-      <inkml:brushProperty name="height" value="0.05292" units="cm"/>
-      <inkml:brushProperty name="color" value="#FF0000"/>
-    </inkml:brush>
-  </inkml:definitions>
-  <inkml:trace contextRef="#ctx0" brushRef="#br0">13763 13195 0,'40'0'31,"41"0"-31,-41 0 16,0 0-16,40 0 16,0 0-16,41 0 15,-41 0-15,40 0 16,-39 0-16,39 0 15,1 0-15,39 0 16,-40 0-16,41 0 16,-41 0-16,41 0 15,-1 0-15,1 0 16,39 0-16,1 0 16,0 0-16,-81 0 15,41 0-15,-1 0 16,-80 0-16,41 0 15,-1 0-15,0 0 16,-39 0-16,39 0 16,0 0-16,1 0 15,-41 0-15,40 0 16,1 0-16,-1 0 16,1 0-1,-1 0-15,-40 0 16,1 0-16,-1 0 15,0 0-15,0 0 16,1 0-16,39 0 16,-40 0-16,0 0 15,41 0-15,-41 0 16,0 0-16,1 0 16,-1 0-16,40 0 15,1 0-15,-1 0 16,-40 0-16,41 0 15,39 0-15,-80 0 16,41 0-16,-1 0 16,0 0-16,1 0 15,-1 0-15,41 0 16,-1 0-16,1 0 16,39 0-16,-39 0 15,-41 0-15,41 0 16,-41 0-16,1 0 15,39 0-15,-40 0 16,1 0-16,-1 0 16,1 0-16,-1 0 15,0 40-15,-39-40 16,79 0-16,-40 0 16,41 0-1,-41 0-15,-39 0 16,-1 0-16,0 0 15,0 0-15,1 0 16,-1 0-16,0 0 16,0 0-16,1 0 15,-1 0-15,0 0 16,40 0-16,-39 0 16,-1 0-16,-40 0 15,0 0-15,40 0 16</inkml:trace>
-  <inkml:trace contextRef="#ctx0" brushRef="#br0" timeOffset="1223.969">16331 14879 0,'41'0'63,"-1"0"-48,40 0-15,40 0 16,41 0-16,-1 0 16,81 0-16,-40 0 15,-1 0-15,41 0 16,-40 0-16,40 0 15,-41 0-15,1 0 16,-81 0-16,41 0 16,-41 0-16,0 0 15,1 40 1,-1-40-16,1 0 16,-1 0-16,40 0 15,41 0-15,-40 0 16,79 0-16,-39 0 15,0 0-15,-1 0 16,1 0-16,80 0 16,-81 0-16,-39 0 15,40 0-15,-41 0 16,1 0-16,-1 0 16,-40 0-16,1-40 15,-1 40-15,-40 0 16,1 0-16,-1 0 15,-40 0-15,0 0 16,0 0-16,0 0 16,1 0-1,-1 0 1,0 0-16,40 0 16,-40 0-1,0 0 16</inkml:trace>
-  <inkml:trace contextRef="#ctx0" brushRef="#br0" timeOffset="20911.864">10112 9745 0,'40'0'188,"40"0"-173,0 0-15,1 0 16,-1 0-16,-40 0 16,0 0-16,0 0 15,0 0 32,1 0 0,-1 0-31,0 0-16,40 0 15,-40 0 1,41 0 0,-41 0-1,0 0-15,0 0 16,0 0-1,0 0 1,40 0 0,-39 0-1,-41-40 1,80 40-16,-40 0 16,0 0-1,0 0 1,0 0-16,0 0 15,1 0-15,-1 0 16,0 0 0,0 0 93,0 0-93,0 0-1,0 0 1,0 0 0,1 0-1,-1 0 1</inkml:trace>
-</inkml:ink>
-</file>
-
-<file path=ppt/ink/ink7.xml><?xml version="1.0" encoding="utf-8"?>
-<inkml:ink xmlns:inkml="http://www.w3.org/2003/InkML">
-  <inkml:definitions>
-    <inkml:context xml:id="ctx0">
-      <inkml:inkSource xml:id="inkSrc0">
-        <inkml:traceFormat>
-          <inkml:channel name="X" type="integer" max="2646" units="cm"/>
-          <inkml:channel name="Y" type="integer" max="768" units="cm"/>
-          <inkml:channel name="T" type="integer" max="2.14748E9" units="dev"/>
-        </inkml:traceFormat>
-        <inkml:channelProperties>
-          <inkml:channelProperty channel="X" name="resolution" value="76.9186" units="1/cm"/>
-          <inkml:channelProperty channel="Y" name="resolution" value="39.79275" units="1/cm"/>
-          <inkml:channelProperty channel="T" name="resolution" value="1" units="1/dev"/>
-        </inkml:channelProperties>
-      </inkml:inkSource>
-      <inkml:timestamp xml:id="ts0" timeString="2018-02-14T22:42:20.115"/>
-    </inkml:context>
-    <inkml:brush xml:id="br0">
-      <inkml:brushProperty name="width" value="0.05292" units="cm"/>
-      <inkml:brushProperty name="height" value="0.05292" units="cm"/>
-      <inkml:brushProperty name="color" value="#FF0000"/>
-    </inkml:brush>
-  </inkml:definitions>
-  <inkml:trace contextRef="#ctx0" brushRef="#br0">2969 4692 0,'40'0'109,"1"0"-93,39 0-16,0 0 16,0 0-16,1 0 15,-1 0-15,-40 0 16,40 0-16,41 0 16,-81 0-16,40 0 15,-40 0-15,40 0 16,41 0-16,-41 0 15,0 0-15,-40 0 16,41 0-16,-1 0 16,0 0-16,-40 0 15,41 0 1,-1 0-16,-40 0 16,0 0-16,40 0 15,-40 0-15,41 0 16,-41 0-16,40 0 15,0 0-15,-40 0 16,1 0-16,79 0 16,-40 0-16,0 0 15,1 0-15,-1 0 16,0 0 0,0 0-16,1 0 15,39 0-15,-40 0 16,1 0-16,-1 0 15,0 0-15,40 0 16,1 0-16,-1 0 16,1 0-16,-41 0 15,40 0-15,1 0 16,-1 0-16,41 0 16,-41 0-16,40 0 15,-39 0-15,39 0 16,1 0-16,39 0 15,1 0-15,-40 0 16,-41 0-16,0 0 16,-39 0-16,-1 0 15,40 0-15,-40 0 16,1 0-16,-1 0 16,0 0-16,0 0 15,1 0-15,39 0 16,-40 0-16,1 0 15,-1 0 1,0 0-16,0 0 16,1 0-16,-1 0 0,40 0 15,-40 0 1,1 0-16,-1 0 16,-40 0-16,40 40 15,1-40-15,-1 0 16,0 0-16,0 0 15,1 0-15,-1 0 16,40 0-16,1 0 16,-1 0-16,0 0 15,1 0-15,-1 0 16,1 0-16,-41 0 16,40 0-16,-40 0 15,41 0-15,-41 0 16,121 40-16,-81-40 15,0 0-15,1 0 16,-1 41-16,1-41 16,-1 0-16,0 0 15,1 40-15,-41-40 16,40 0-16,1 0 16,-1 0-16,0 0 15,1 0 1,-1 0-16,1 0 0,-41 0 15,40 0 1,1 0-16,-1 0 16,0 0-16,1 0 15,-1 0-15,1 0 16,-1 0-16,0 0 16,-39 0-16,-1 0 15,0 0-15,-40 0 16,0 0-16,81 0 15,-81 0-15,40 0 16,0 0-16,-40 0 16,41 0-16,-1 0 15,-40 0-15,40 0 16,1 0-16,-41 0 16,0 0-16,0 0 15,0 0-15,0 0 16,0 0-16,0 0 15,1 0-15,-1 0 16,0 0 0,0 0-16,0 0 15,0 0 1,0 0 15,0 0-15</inkml:trace>
-  <inkml:trace contextRef="#ctx0" brushRef="#br0" timeOffset="31304.463">18298 12192 0,'40'40'62,"0"-40"-46,40 0-16,-40 0 15,41 0-15,-1 40 16,0-40-16,40 0 16,-39 0-16,39 0 15,-40 0-15,1 0 16,-1 0-16,0 0 15,0 0-15,-40 0 16,1 0 0,-41-40-1,40 0 1,0 0-16,0 0 16,0 0-1,0-1 1,-40 1-16,40 0 0,0 0 31,1 0-31,-41 0 16,0 0-1,40 0-15,-40 0 16,0 0 0,0-1-1,0 1 1,0 0-1,0 0 1,0 0 0,-40 40-1,-1-40-15,41 0 16,-40 40-16,40-40 16,-40 40-1,-40 0 1,40-40-16,0-1 15,0 41-15,-1 0 16,-39 0-16,0-40 16,0 40-1,-1 0-15,41 0 16,-40 0-16,0 0 16,0 0-1,-1 0-15,1 0 16,0 0-16,40 0 15,0 0-15,-41 0 16,41 40-16,-40 1 16,40-41-16,-40 40 15,80 0 1,-41-40-16,41 40 16,-80-40-16,80 80 15,-40-80 1,40 40-16,0 40 15,0 1 1,0-41 0,0 40-16,0 0 15,40 0-15,0 1 16,0-1-16,-40 0 16,41-40-16,-1 40 15,0-80 1,-40 40-16,40-40 78</inkml:trace>
-</inkml:ink>
-</file>
-
-<file path=ppt/ink/ink8.xml><?xml version="1.0" encoding="utf-8"?>
-<inkml:ink xmlns:inkml="http://www.w3.org/2003/InkML">
-  <inkml:definitions>
-    <inkml:context xml:id="ctx0">
-      <inkml:inkSource xml:id="inkSrc0">
-        <inkml:traceFormat>
-          <inkml:channel name="X" type="integer" max="2646" units="cm"/>
-          <inkml:channel name="Y" type="integer" max="768" units="cm"/>
-          <inkml:channel name="T" type="integer" max="2.14748E9" units="dev"/>
-        </inkml:traceFormat>
-        <inkml:channelProperties>
-          <inkml:channelProperty channel="X" name="resolution" value="76.9186" units="1/cm"/>
-          <inkml:channelProperty channel="Y" name="resolution" value="39.79275" units="1/cm"/>
-          <inkml:channelProperty channel="T" name="resolution" value="1" units="1/dev"/>
-        </inkml:channelProperties>
-      </inkml:inkSource>
-      <inkml:timestamp xml:id="ts0" timeString="2018-02-14T22:43:42.811"/>
-    </inkml:context>
-    <inkml:brush xml:id="br0">
-      <inkml:brushProperty name="width" value="0.05292" units="cm"/>
-      <inkml:brushProperty name="height" value="0.05292" units="cm"/>
-      <inkml:brushProperty name="color" value="#FF0000"/>
-    </inkml:brush>
-  </inkml:definitions>
-  <inkml:trace contextRef="#ctx0" brushRef="#br0">15168 9465 0,'40'0'125,"0"0"-110,0 0 1,0 0-16,41 0 15,-1 0-15,0 0 16,-40 0-16,0 0 16,41 0-16,-41 0 15,40 0 1,-40 0 0,0 0-16,40 0 15,-39 0 1,-1 0-1,0 0-15,0 0 16,40 0 0,-40 0-1,41 0-15,-41 0 16,0 0-16,0 0 16,0 0-16,0 0 15,40 0 1,-39 0-16,39 0 15,-40 0 1,40 0 0,-40 0-1,41 0 1,-41 0-16,0 0 16,0 0-16,40 0 15,-40 0-15,0 0 16,1 0-1,-1 0-15,40 0 16,-40 0-16,0 0 16,40 0-16,-39 0 15,39 0 1,-40 0-16,0 0 16,40 0-16,1 0 15,-41 0 1,0 0-16,0 0 15,0 0-15,40 0 16,-39 0-16,-1 0 16,40 0-16,-40 0 15,0 0 1,40 0 0,-39 0-1,-1 0 1,0 0-16,0 0 15,0 0-15,0 0 16,0 0-16,0 0 16,1 0-16,39 0 15,-40 0-15,0 0 16,0 0-16,0 0 16,0 0-16,41 0 15,-41 0 1,0 0-16,40 0 15,-40 0 1,41 0 0,-41 0-16,0 0 15,40 0-15,-40 0 16,40 0 0,-39 0-1,39 0-15,-40 0 16,0 0-16,0 0 15,0 0 1,0 0 0,1-40-1,-1 40-15,0 0 16,0 0-16,40 0 16,-40 0-16,0 0 15,1 0-15,39 0 16,-40 0-1,0 0 1,0 0 0,0 0-16,0 0 15,1 0 1,-1 0-16,0 0 16,0 0-1,0 0 1,0 0-1,0 0 1,0 0 0,1 0-1,-1 0-15,0 0 16,0 0 15,0 0-15,0 0-16,0 0 31,0 0-15,1 0-1,-1 0 1,0 0-16,0 0 16,0 0-1,0 0 1,0 0-1,0 0 1,1 0 0,-1 0-1,0 0 1,0 0 15,0 0-15,0 0-16,0 0 31,1 0 0,-1 0 63,0 0-63,0 0-31,0 0 16,0 0-16,40 0 16,41 0-16,-41 0 15,0 0-15,1 0 16,-41 0-16,40 0 15,0 0-15,0 0 16,-39 0-16,-1 0 16,40 0-16,0 0 15,0 0-15,1 0 16,-1 0-16,0 0 16,0 0-16,41 0 15,-41 0-15,0 0 16,1 0-16,-1 0 15,-40 0-15,40 0 16,41 0-16,-41 0 16,-40 0-1,40 0-15,0 0 16,1 0-16,39 0 16,-80 0-16,40 0 15,-39 0-15,39 0 16,0 0-16,0 0 15,-40 0 1,81 0-16,-41 0 16,-40 0-16,41 0 15,-1-40-15,0-1 16,-40 41 0,40 0-16,1 0 15,-1 0-15,0 0 16,-40-40-16,81 40 15,-41 0-15,0 0 16,-40-40-16,41 40 16,-1 0-16,40 0 15,-80 0-15,41 0 16,-1 0-16,0 0 16,0 0-16,41 0 15,-41 0 1,0 0-16,-40 0 15,41 0-15,-1 0 16,0 0-16,-40 0 16,40 0-16,-39 0 15,39 0-15,-40 0 16,40 0 0,-40 0-16,0 0 15,1 0-15,39 0 16,-40 0-1,0 0 1,0 0-16,0 0 16,41 0-1,-41 0 1,0 0-16,40 0 16,-40 0-1,0 0 1,0 0-1,1 0 1,-1 0 0,0 0 15,0 0 16,0 0-47,0 0 31,0 0 32,0 0 15</inkml:trace>
-</inkml:ink>
-</file>
-
-<file path=ppt/ink/ink9.xml><?xml version="1.0" encoding="utf-8"?>
-<inkml:ink xmlns:inkml="http://www.w3.org/2003/InkML">
-  <inkml:definitions>
-    <inkml:context xml:id="ctx0">
-      <inkml:inkSource xml:id="inkSrc0">
-        <inkml:traceFormat>
-          <inkml:channel name="X" type="integer" max="2646" units="cm"/>
-          <inkml:channel name="Y" type="integer" max="768" units="cm"/>
-          <inkml:channel name="T" type="integer" max="2.14748E9" units="dev"/>
-        </inkml:traceFormat>
-        <inkml:channelProperties>
-          <inkml:channelProperty channel="X" name="resolution" value="76.9186" units="1/cm"/>
-          <inkml:channelProperty channel="Y" name="resolution" value="39.79275" units="1/cm"/>
-          <inkml:channelProperty channel="T" name="resolution" value="1" units="1/dev"/>
-        </inkml:channelProperties>
-      </inkml:inkSource>
-      <inkml:timestamp xml:id="ts0" timeString="2018-02-14T23:10:14.887"/>
-    </inkml:context>
-    <inkml:brush xml:id="br0">
-      <inkml:brushProperty name="width" value="0.05292" units="cm"/>
-      <inkml:brushProperty name="height" value="0.05292" units="cm"/>
-      <inkml:brushProperty name="color" value="#FF0000"/>
-    </inkml:brush>
-  </inkml:definitions>
-  <inkml:trace contextRef="#ctx0" brushRef="#br0">22992 9344 0,'0'0'0,"-80"0"0,201 0 63,39 0-63,41 0 15,160 0-15,80 0 16,121 0-16,0 0 16,-41 0-16,1 0 15,-161 0-15,0 0 16,-160 0-16,-41 0 15,-79 0-15,-1 0 16,-40 0-16,0 0 16,0 0-1,0 0 17</inkml:trace>
-  <inkml:trace contextRef="#ctx0" brushRef="#br0" timeOffset="5863.802">8427 14518 0,'0'40'157,"80"-40"-142,-40 0 16,0 0-31,0 0 16,0 0 0,0 0-1,1 0 1,-1 0 0,0 0-16,0 0 15,0 0 1,0 0-1,0 0-15,0 0 16,1 0 0,-1 0-1,0 0 1,0 0 0,0 0-1,0 0-15,0 0 16,41 0-1,-41 0 1,0 0 0,0 0-1,0 0-15,0 0 16,0 0 0,41 0-1,-41 0 1,40 0-1,-40 0 1,0 0 0,0 0-1,0 40-15,1 0 16,39-40 0,-40 0-1,0 40 1,0-40-16,0 0 31,0 0-15,1 0-1,-1 0 1,0 41 0,0-41-1,0 0 1,0 0-1,0 0 1,0 0-16,1 0 16,-1 0-1,0 0-15,40 40 16,-40-40 0,0 0-1,1 0-15,-1 0 16,40 0-16,-40 0 15,0 0-15,40 0 16,-39 0-16,-1 0 16,0 0-16,0 0 15,40 0 1,-40 0 0,0 0-16,1 0 15,-1 0 1,0 0-16,0 0 15,0 0-15,0 0 16,40 0-16,-39 0 16,39 0-16,-40 0 15,0 0-15,40 0 16,-40 0-16,1 0 16,-1 0-16,0 0 15,40 0 1,-40 0-1,40 0 1,-39 0 0,39 0-16,-40 0 15,40 0 1,-40 0 0,0 0-1,1 0-15,39 0 16,-40 0-16,0 0 15,0 0-15,0 0 16,0 0-16,1 0 16,-1 0-1,0 0 1,0 0 0,0 0-1,0 0 1,0 0-16,0 0 15,1 0 1,-1 0-16,0 0 16,0 0-16,0 0 15,0 0-15,0 0 16,41 0 0,-41 0-16,0 0 15,40 0-15,-40 0 16,40 0-16,-39 0 15,39 0-15,40 0 16,-40 0-16,1 0 16,-41 0-16,40 0 15,0 0-15,41 0 16,-81 0-16,40 0 16,0 0-16,-39 0 15,39 0-15,-40 0 16,40 0-16,-40 0 15,41 0-15,-41 0 16,0 0-16,40-40 16,-40 40-1,40 0 1,-39 0 0,39 0-16,-40 0 15,0 0-15,40 0 16,-40 0-1,41 0-15,-41 0 16,40 0-16,-40 0 16,40 0-16,1 0 15,-41 0-15,0 0 16,80 0-16,-80 0 16,1 0-16,-1 0 15,40 0-15,-40 0 16,0 0-16,40 0 15,41 0-15,-41 0 16,-40 0-16,40 0 16,-39 0-16,39 0 15,0 0-15,-40 0 16,0 0-16,41 0 16,-41 0-16,40 0 15,-40 0-15,80 0 16,-39 0-1,-41 0 1,40 0-16,0 0 16,-39 0-16,39 0 15,-40 0-15,40 0 16,0 0-16,-39 0 16,-1 0-16,40 40 15,0-40-15,-40 0 16,0 0-16,81 0 15,-81 0-15,0 0 16,0 0-16,40 0 16,-39 0-16,-1 0 15,40 0-15,-40 0 16,0 0-16,0 0 16,41 0-16,-41 0 15,40 0-15,-40 0 16,40 0-16,-40 0 15,41 0 1,-1 0 0,-40 0-1,40 0-15,-40 0 16,41 0 0,-41 0-1,40 0 1,-40 0-1,0 0-15,0 0 16,1 0-16,-1 0 16,0 0-1,0 0-15,0 0 16,0 0-16,0 0 16,0 0-1,1 0-15,-1 0 16,0 0-1,0 0 1,0 0 0,0 0-1,0 0 1,-40 40-16,40-40 16,1 0-1,-1 0 16,0 0-15,0 0 0,0 0 15,0 0-31,0 0 31,0 0-31,1 0 31,-1 0 1,0 0-1,0 0-15,0 0 30,0 0-14,-40 40-17,40-40-15,0 0 32,1 0-17,-1 0 48,0 0-16</inkml:trace>
-  <inkml:trace contextRef="#ctx0" brushRef="#br0" timeOffset="11207.672">8186 14478 0,'0'0'0,"40"0"16,0 0 0,0 0-1,0 0-15,0 40 16,1-40-16,39 40 16,0-40-16,0 0 15,1 0-15,-1 0 16,0 0-16,81 40 15,-81-40-15,80 40 16,-79-40-16,-1 0 16,0 0-16,0 0 15,1 0 1,-41 0-16,40 0 16,-40 0-16,0 40 15,0-40-15,0 0 16,1 0-16,39 0 15,-40 0-15,0 0 16,40 0-16,-40 0 16,41 0-16,-41 0 15,40 0-15,0 0 16,1 0-16,-1 0 16,0 0-16,41 0 15,-41 0-15,0 0 16,40 0-16,-79 0 15,39 0-15,-40 0 16,40 0-16,0 0 16,-39 0-16,39 0 15,-40 0-15,80 0 16,-39 0-16,-1 0 16,0 0-16,0 0 15,1-40 1,-1 40-16,-40 0 15,0 0-15,40 0 16,-40-40 0,1 0-16,-1 40 15,0 0-15,-40-40 16,40 40-16,-40-40 16,0 0-16,0 0 15,40 40 1,-40-40-16,0-1 15,0 1 1,0 0 15,0 0-15,-40 0 0,40 0-1,-40 40-15,0 0 16,0 0-16,-41-40 15,41 40-15,-40-40 16,-40 40-16,-1 0 16,1 0-16,-1 0 15,1 0-15,-40 0 16,-81 0-16,40 0 16,1 0-1,-41 0-15,40 0 16,-40 0-16,41 0 15,-41 0-15,80 0 16,1 0-16,40 0 16,-41 0-16,41 0 15,-1 0-15,1 0 16,0 0-16,39 0 16,41 0-16,0 0 15,0 0-15,40-40 16,-40 40-16</inkml:trace>
-  <inkml:trace contextRef="#ctx0" brushRef="#br0" timeOffset="13727.416">14205 13435 0,'0'0'0,"-40"0"16,-1 0-1,1 0 1,0 0-16,0 0 15,0 0 1,0 0 0,40 40-16,-40-40 15,0 0 1,40 40 0,-41-40-16,1 0 15,0 0-15,0 0 16,40 40-1,-40-40-15,0 41 32,0-1-17,0 0 1,-1-40 0,41 40-1,-40 0 1,40 0-1,-40-40-15,40 40 16,-40-40-16,40 40 31,0 41-15,0-41 0,0 0-16,0 0 15,0 0 1,-40 0-16,40 0 15,0 0 1,0 0 0,0 0-1,0 1-15,0-1 16,0 0 0,40-40-1,-40 40-15,0 0 16,0 0-1,40-40-15,0 40 16,0 0 15,1 0-31,-1 1 32,0-1-17,40-40 1,-40 0-1,0 40 1,0-40-16,1 0 16,39 0-1,-40 40-15,0-40 16,40 0-16,-40 0 16,1 0-16,-1 0 15,40 0-15,-40 0 16,0 0-1,0 0-15,0 0 16,41 0 0,-41 0-1,0 0-15,0 0 16,0 0-16,0 0 16,1 0-16,39 0 15,-40 0-15,40 0 16,-40 0-1,41 0 1,-41 0 0,40 0-16,-40 0 15,0 0-15,40 0 16,-39 0 0,-1 0-1,0 0-15,0 0 16,0 0-16,40 0 15,-40 0 1,41 0 0,-41-40-1,0 40-15,0-40 16,0 0-16,0 40 16,0-41-16,1 41 15,-41-40 1,40 0-16,-40 0 31,40 0-31,0 0 16,-40 0-1,0 0-15,0 0 32,0-1-32,0 1 0,0-40 15,0 40 1,0 0-1,0 0-15,0 0 16,0 0 0,0 0-1,-40 40 1,40-41-16,0 1 16,-40 0-1,40 0 1,-40 40-16,40-40 15,0 0-15,-41 40 16,1-40-16,0 0 16,-40 0-1,40-1 1,0 1-16,-41 40 16,1 0-16,0-40 15,0 0-15,-1 40 16,1 0-16,-40 0 15,40 0-15,39 0 16,-39 0-16,0 0 16,0 0-16,-1 0 15,1 0-15,40 0 16,-40 0-16,40 0 16,-1 0-1,1 0 16,0 0-15</inkml:trace>
-  <inkml:trace contextRef="#ctx0" brushRef="#br0" timeOffset="37023.838">9670 15922 0,'41'0'47,"-1"0"-31,80 0-16,-40 0 16,41 40-16,39-40 15,41 0-15,80 0 16,-121 40-16,81-40 15,-80 0 1,-1 0-16,-40 0 16,1 0-16,-1 0 15,1 0-15,-1 0 16,-40 0-16,41 0 16,-41 0-16,40 0 15,-40 0-15,41 0 16,-1 0-16,1 0 15,-1 0-15,-40 0 16,41 0-16,-1 0 16,-40 0-16,0 0 15,1 0-15,-41 0 16,40 0-16,-40 0 16,40 0-16,1 0 15,-1 0 1,-40 0-16,40 0 15,1 0-15,-1 0 16,0 0-16,0 0 16,-40 0-16,1 0 15,79 0-15,-40 0 16,-40 0-16,1 0 16,39 0-1,0 0-15,-40 0 16,0 0-16,41 0 15,-81-40-15,40 40 32,-40-40-17,0-41 1,0 41 15,-81 0-31,41-40 16,0 80-16,40-40 15,-80 40-15,40-80 16,0 80-16,0-40 16,-1 0-16,-39 40 15,0-41-15,0 1 16,-1 40-16,1 0 16,40 0-16,-40-40 15,-1 0-15,1 40 16,0 0-16,-40 0 15,39 0-15,1-40 16,0 40-16,0 0 16,-1 0-16,1 0 15,40 0 1,-40 0-16,-1 0 16,1 0-16,0 0 15,-40 0-15,39 0 16,1 0-16,0 0 15,0 0-15,39 0 16,-79 0-16,40 0 16,0 0-16,-1 0 15,1 0-15,0 0 16,0 0-16,-41 0 16,1 0-16,-1 0 15,81 0-15,-40 0 16,40 0-16,-40 0 15,-1 0-15,41 0 16,0 0-16,-40 0 16,0 0-16,40 0 15,-1 0-15,1 0 16,-40 0-16,40 0 16,0 0-16,0 0 15,-1 0 1,1 0-16,0 0 31,0 0 16,80 0 47,0 0-94,81 0 15,-1-40-15,1 40 16,79 0-16,-39 0 16,79 0-16,-79 0 15,-41 0-15,1 0 16,-41 0-16,0 0 15,0 0-15,-39 0 16,39 0-16,-40 0 16,0 0-16,0 0 15,0 0 17,0 0-32,1 0 0,-41 40 46,40-40-30,-40 40 31,0 0-31,-40 0 15,-1-40-16,41 40-15,0 1 16,-80-1 0,40-40-1,40 40-15,-40-40 16,0 0 0,40 40-16,0 0 46,0 0 111,0 0-142,0 0-15,0 0 16,0 0 0,0 1-16,0-1 31,40-40-31,-40 40 15,40-40 1,0 0 0,0 40-1,0-40 1,41 0-16,-41 0 16,0 0-16,40 0 15,41 0-15,-41 0 16,0 0-16,0 0 15,1 0 1,-1 0-16,0 0 16,40 0-16,-39 0 15,39 0-15,-40 0 16,1 0-16,-41 0 16,40 0-16,40 0 15,-80 0-15,41 0 16,-1 0-16,0 0 15,0 0-15,1 0 16,39 0-16,-80 0 16,41 0-1,-41 0-15,0 0 16,0 0 0,-40-40-1,40 40 1,-40-40-1,0 0 32,0-1 16</inkml:trace>
-  <inkml:trace contextRef="#ctx0" brushRef="#br0" timeOffset="78103.038">9550 9786 0,'40'0'156,"0"0"-140,0 0-1,41 0 1,-41 0-1,0 0-15,0 0 16,0 0 0,0 0-1,0 0 1,1 0-16,-1 0 16,0 0 15,0 0-31,0 0 15,0 0-15,0 0 16,0 0 0,1 0-16,-1 0 15,0 0 1,0 0 0,0 0-16,0 0 15,0 0-15,0 0 16,1 0-1,-1 0 17,0 0-32,0 0 15,0 0 17,0 0-17,0 0 1,1 0-1,-1 0 1,0 0 31,0 0-16,0 0 0,0 0 1,0 0-17,0 0 1,1 0 15,-1 0 0,0 0 16,0 0-31,0 0 15,0 0-15,0 0 46,0 0-62,1 0 16,-1 0 0,0 0-1,40 0 1,-40 0-1,40 0 1,-39 0-16,-1 0 16,0 0-16,0 0 15,0 0-15,0 0 16,0 0-16,0 0 16,1 0-1,-1 0 1,0 0-16,0 0 15,0 0 1,0 0 0,0 0-16,0 0 15,1 0 1,-1 0 0,0 0-1,0 0-15,40 0 16,-40 0-1,41 0 1,-41 0 0,0 0-1,0 0 1,0 0 0,0 0-16,40 0 15,-39 0 1,39 0-1,-40 0 1,40 0-16,-40 0 16,0 0-16,1 0 15,-1 0 1,0 0 0,0 0-16,0 0 15,0 0 1,0 0-1,0 0-15,1 0 16,-1 0 0,0 0-16,0 0 15,0 0 17,0 0-32,0 0 15,0 0 1,1 0-16,-1 0 15,0 0 1,0 0-16,0 0 16,0 0-1,0 0 1,0 0 0,1 0-1,-1 0 1,0 0-1,0 0-15,0 0 16,0 0 0,0 0-1,1 0 1,39 0 0,-40 0-1,0 0 1,0 0-1,0 0-15,0 0 32,1 0-17,-1 0 1,0 0 0,0 0 30,0 0 1,0 0-15,0 0-1</inkml:trace>
-</inkml:ink>
-</file>
-
 <file path=ppt/notesMasters/notesMaster1.xml><?xml version="1.0" encoding="utf-8"?>
 <p:notesMaster xmlns:a="http://schemas.openxmlformats.org/drawingml/2006/main" xmlns:r="http://schemas.openxmlformats.org/officeDocument/2006/relationships" xmlns:p="http://schemas.openxmlformats.org/presentationml/2006/main">
   <p:cSld>
@@ -1006,7 +238,7 @@
           <a:p>
             <a:fld id="{FF3368DD-8C9A-4A96-A538-2EE85E1342FD}" type="datetimeFigureOut">
               <a:rPr lang="en-CA" smtClean="0"/>
-              <a:t>2020-06-07</a:t>
+              <a:t>2020-06-09</a:t>
             </a:fld>
             <a:endParaRPr lang="en-CA"/>
           </a:p>
@@ -5637,7 +4869,7 @@
           <a:p>
             <a:fld id="{48A87A34-81AB-432B-8DAE-1953F412C126}" type="datetimeFigureOut">
               <a:rPr lang="en-US" dirty="0"/>
-              <a:t>6/7/2020</a:t>
+              <a:t>6/9/20</a:t>
             </a:fld>
             <a:endParaRPr lang="en-US" dirty="0"/>
           </a:p>
@@ -5899,7 +5131,7 @@
           <a:p>
             <a:fld id="{48A87A34-81AB-432B-8DAE-1953F412C126}" type="datetimeFigureOut">
               <a:rPr lang="en-US" dirty="0"/>
-              <a:t>6/7/2020</a:t>
+              <a:t>6/9/20</a:t>
             </a:fld>
             <a:endParaRPr lang="en-US" dirty="0"/>
           </a:p>
@@ -6090,7 +5322,7 @@
           <a:p>
             <a:fld id="{48A87A34-81AB-432B-8DAE-1953F412C126}" type="datetimeFigureOut">
               <a:rPr lang="en-US" dirty="0"/>
-              <a:t>6/7/2020</a:t>
+              <a:t>6/9/20</a:t>
             </a:fld>
             <a:endParaRPr lang="en-US" dirty="0"/>
           </a:p>
@@ -6348,7 +5580,7 @@
           <a:p>
             <a:fld id="{48A87A34-81AB-432B-8DAE-1953F412C126}" type="datetimeFigureOut">
               <a:rPr lang="en-US" dirty="0"/>
-              <a:t>6/7/2020</a:t>
+              <a:t>6/9/20</a:t>
             </a:fld>
             <a:endParaRPr lang="en-US" dirty="0"/>
           </a:p>
@@ -6777,7 +6009,7 @@
           <a:p>
             <a:fld id="{48A87A34-81AB-432B-8DAE-1953F412C126}" type="datetimeFigureOut">
               <a:rPr lang="en-US" dirty="0"/>
-              <a:t>6/7/2020</a:t>
+              <a:t>6/9/20</a:t>
             </a:fld>
             <a:endParaRPr lang="en-US" dirty="0"/>
           </a:p>
@@ -7318,7 +6550,7 @@
           <a:p>
             <a:fld id="{48A87A34-81AB-432B-8DAE-1953F412C126}" type="datetimeFigureOut">
               <a:rPr lang="en-US" dirty="0"/>
-              <a:t>6/7/2020</a:t>
+              <a:t>6/9/20</a:t>
             </a:fld>
             <a:endParaRPr lang="en-US" dirty="0"/>
           </a:p>
@@ -8033,7 +7265,7 @@
           <a:p>
             <a:fld id="{48A87A34-81AB-432B-8DAE-1953F412C126}" type="datetimeFigureOut">
               <a:rPr lang="en-US" dirty="0"/>
-              <a:t>6/7/2020</a:t>
+              <a:t>6/9/20</a:t>
             </a:fld>
             <a:endParaRPr lang="en-US" dirty="0"/>
           </a:p>
@@ -8198,7 +7430,7 @@
           <a:p>
             <a:fld id="{48A87A34-81AB-432B-8DAE-1953F412C126}" type="datetimeFigureOut">
               <a:rPr lang="en-US" dirty="0"/>
-              <a:t>6/7/2020</a:t>
+              <a:t>6/9/20</a:t>
             </a:fld>
             <a:endParaRPr lang="en-US" dirty="0"/>
           </a:p>
@@ -8373,7 +7605,7 @@
           <a:p>
             <a:fld id="{48A87A34-81AB-432B-8DAE-1953F412C126}" type="datetimeFigureOut">
               <a:rPr lang="en-US" dirty="0"/>
-              <a:t>6/7/2020</a:t>
+              <a:t>6/9/20</a:t>
             </a:fld>
             <a:endParaRPr lang="en-US" dirty="0"/>
           </a:p>
@@ -8538,7 +7770,7 @@
           <a:p>
             <a:fld id="{48A87A34-81AB-432B-8DAE-1953F412C126}" type="datetimeFigureOut">
               <a:rPr lang="en-US" dirty="0"/>
-              <a:t>6/7/2020</a:t>
+              <a:t>6/9/20</a:t>
             </a:fld>
             <a:endParaRPr lang="en-US" dirty="0"/>
           </a:p>
@@ -8783,7 +8015,7 @@
           <a:p>
             <a:fld id="{48A87A34-81AB-432B-8DAE-1953F412C126}" type="datetimeFigureOut">
               <a:rPr lang="en-US" dirty="0"/>
-              <a:t>6/7/2020</a:t>
+              <a:t>6/9/20</a:t>
             </a:fld>
             <a:endParaRPr lang="en-US" dirty="0"/>
           </a:p>
@@ -9010,7 +8242,7 @@
           <a:p>
             <a:fld id="{48A87A34-81AB-432B-8DAE-1953F412C126}" type="datetimeFigureOut">
               <a:rPr lang="en-US" dirty="0"/>
-              <a:t>6/7/2020</a:t>
+              <a:t>6/9/20</a:t>
             </a:fld>
             <a:endParaRPr lang="en-US" dirty="0"/>
           </a:p>
@@ -9386,7 +8618,7 @@
           <a:p>
             <a:fld id="{48A87A34-81AB-432B-8DAE-1953F412C126}" type="datetimeFigureOut">
               <a:rPr lang="en-US" dirty="0"/>
-              <a:t>6/7/2020</a:t>
+              <a:t>6/9/20</a:t>
             </a:fld>
             <a:endParaRPr lang="en-US" dirty="0"/>
           </a:p>
@@ -9499,7 +8731,7 @@
           <a:p>
             <a:fld id="{48A87A34-81AB-432B-8DAE-1953F412C126}" type="datetimeFigureOut">
               <a:rPr lang="en-US" dirty="0"/>
-              <a:t>6/7/2020</a:t>
+              <a:t>6/9/20</a:t>
             </a:fld>
             <a:endParaRPr lang="en-US" dirty="0"/>
           </a:p>
@@ -9589,7 +8821,7 @@
           <a:p>
             <a:fld id="{48A87A34-81AB-432B-8DAE-1953F412C126}" type="datetimeFigureOut">
               <a:rPr lang="en-US" dirty="0"/>
-              <a:t>6/7/2020</a:t>
+              <a:t>6/9/20</a:t>
             </a:fld>
             <a:endParaRPr lang="en-US" dirty="0"/>
           </a:p>
@@ -9833,7 +9065,7 @@
           <a:p>
             <a:fld id="{48A87A34-81AB-432B-8DAE-1953F412C126}" type="datetimeFigureOut">
               <a:rPr lang="en-US" dirty="0"/>
-              <a:t>6/7/2020</a:t>
+              <a:t>6/9/20</a:t>
             </a:fld>
             <a:endParaRPr lang="en-US" dirty="0"/>
           </a:p>
@@ -10108,7 +9340,7 @@
           <a:p>
             <a:fld id="{48A87A34-81AB-432B-8DAE-1953F412C126}" type="datetimeFigureOut">
               <a:rPr lang="en-US" dirty="0"/>
-              <a:t>6/7/2020</a:t>
+              <a:t>6/9/20</a:t>
             </a:fld>
             <a:endParaRPr lang="en-US" dirty="0"/>
           </a:p>
@@ -13181,7 +12413,7 @@
             <a:fld id="{48A87A34-81AB-432B-8DAE-1953F412C126}" type="datetimeFigureOut">
               <a:rPr lang="en-US" dirty="0"/>
               <a:pPr/>
-              <a:t>6/7/2020</a:t>
+              <a:t>6/9/20</a:t>
             </a:fld>
             <a:endParaRPr lang="en-US" dirty="0"/>
           </a:p>
@@ -13762,57 +12994,6 @@
           </a:p>
         </p:txBody>
       </p:sp>
-      <mc:AlternateContent xmlns:mc="http://schemas.openxmlformats.org/markup-compatibility/2006" xmlns:p14="http://schemas.microsoft.com/office/powerpoint/2010/main">
-        <mc:Choice Requires="p14">
-          <p:contentPart p14:bwMode="auto" r:id="rId2">
-            <p14:nvContentPartPr>
-              <p14:cNvPr id="4" name="Ink 3">
-                <a:extLst>
-                  <a:ext uri="{FF2B5EF4-FFF2-40B4-BE49-F238E27FC236}">
-                    <a16:creationId xmlns:a16="http://schemas.microsoft.com/office/drawing/2014/main" id="{CD955832-B3E8-42F0-AE02-9A5079DA4B74}"/>
-                  </a:ext>
-                </a:extLst>
-              </p14:cNvPr>
-              <p14:cNvContentPartPr/>
-              <p14:nvPr/>
-            </p14:nvContentPartPr>
-            <p14:xfrm>
-              <a:off x="1068840" y="1689120"/>
-              <a:ext cx="6096600" cy="2772360"/>
-            </p14:xfrm>
-          </p:contentPart>
-        </mc:Choice>
-        <mc:Fallback xmlns="">
-          <p:pic>
-            <p:nvPicPr>
-              <p:cNvPr id="4" name="Ink 3">
-                <a:extLst>
-                  <a:ext uri="{FF2B5EF4-FFF2-40B4-BE49-F238E27FC236}">
-                    <a16:creationId xmlns:a16="http://schemas.microsoft.com/office/drawing/2014/main" id="{CD955832-B3E8-42F0-AE02-9A5079DA4B74}"/>
-                  </a:ext>
-                </a:extLst>
-              </p:cNvPr>
-              <p:cNvPicPr/>
-              <p:nvPr/>
-            </p:nvPicPr>
-            <p:blipFill>
-              <a:blip r:embed="rId3"/>
-              <a:stretch>
-                <a:fillRect/>
-              </a:stretch>
-            </p:blipFill>
-            <p:spPr>
-              <a:xfrm>
-                <a:off x="1059480" y="1679760"/>
-                <a:ext cx="6115320" cy="2791080"/>
-              </a:xfrm>
-              <a:prstGeom prst="rect">
-                <a:avLst/>
-              </a:prstGeom>
-            </p:spPr>
-          </p:pic>
-        </mc:Fallback>
-      </mc:AlternateContent>
     </p:spTree>
     <p:extLst>
       <p:ext uri="{BB962C8B-B14F-4D97-AF65-F5344CB8AC3E}">
@@ -13937,57 +13118,6 @@
           </a:p>
         </p:txBody>
       </p:sp>
-      <mc:AlternateContent xmlns:mc="http://schemas.openxmlformats.org/markup-compatibility/2006" xmlns:p14="http://schemas.microsoft.com/office/powerpoint/2010/main">
-        <mc:Choice Requires="p14">
-          <p:contentPart p14:bwMode="auto" r:id="rId3">
-            <p14:nvContentPartPr>
-              <p14:cNvPr id="4" name="Ink 3">
-                <a:extLst>
-                  <a:ext uri="{FF2B5EF4-FFF2-40B4-BE49-F238E27FC236}">
-                    <a16:creationId xmlns:a16="http://schemas.microsoft.com/office/drawing/2014/main" id="{6EE565AB-1337-4613-B8C9-314ECF27AAE4}"/>
-                  </a:ext>
-                </a:extLst>
-              </p14:cNvPr>
-              <p14:cNvContentPartPr/>
-              <p14:nvPr/>
-            </p14:nvContentPartPr>
-            <p14:xfrm>
-              <a:off x="5460480" y="3335040"/>
-              <a:ext cx="4998240" cy="72720"/>
-            </p14:xfrm>
-          </p:contentPart>
-        </mc:Choice>
-        <mc:Fallback xmlns="">
-          <p:pic>
-            <p:nvPicPr>
-              <p:cNvPr id="4" name="Ink 3">
-                <a:extLst>
-                  <a:ext uri="{FF2B5EF4-FFF2-40B4-BE49-F238E27FC236}">
-                    <a16:creationId xmlns:a16="http://schemas.microsoft.com/office/drawing/2014/main" id="{6EE565AB-1337-4613-B8C9-314ECF27AAE4}"/>
-                  </a:ext>
-                </a:extLst>
-              </p:cNvPr>
-              <p:cNvPicPr/>
-              <p:nvPr/>
-            </p:nvPicPr>
-            <p:blipFill>
-              <a:blip r:embed="rId4"/>
-              <a:stretch>
-                <a:fillRect/>
-              </a:stretch>
-            </p:blipFill>
-            <p:spPr>
-              <a:xfrm>
-                <a:off x="5451120" y="3325680"/>
-                <a:ext cx="5016960" cy="91440"/>
-              </a:xfrm>
-              <a:prstGeom prst="rect">
-                <a:avLst/>
-              </a:prstGeom>
-            </p:spPr>
-          </p:pic>
-        </mc:Fallback>
-      </mc:AlternateContent>
     </p:spTree>
     <p:extLst>
       <p:ext uri="{BB962C8B-B14F-4D97-AF65-F5344CB8AC3E}">
@@ -14396,57 +13526,6 @@
           </a:ln>
         </p:spPr>
       </p:pic>
-      <mc:AlternateContent xmlns:mc="http://schemas.openxmlformats.org/markup-compatibility/2006" xmlns:p14="http://schemas.microsoft.com/office/powerpoint/2010/main">
-        <mc:Choice Requires="p14">
-          <p:contentPart p14:bwMode="auto" r:id="rId3">
-            <p14:nvContentPartPr>
-              <p14:cNvPr id="3" name="Ink 2">
-                <a:extLst>
-                  <a:ext uri="{FF2B5EF4-FFF2-40B4-BE49-F238E27FC236}">
-                    <a16:creationId xmlns:a16="http://schemas.microsoft.com/office/drawing/2014/main" id="{1D177FBC-8EED-4143-B7EE-8FDF23E8C738}"/>
-                  </a:ext>
-                </a:extLst>
-              </p14:cNvPr>
-              <p14:cNvContentPartPr/>
-              <p14:nvPr/>
-            </p14:nvContentPartPr>
-            <p14:xfrm>
-              <a:off x="2946960" y="3363840"/>
-              <a:ext cx="7049520" cy="2397240"/>
-            </p14:xfrm>
-          </p:contentPart>
-        </mc:Choice>
-        <mc:Fallback xmlns="">
-          <p:pic>
-            <p:nvPicPr>
-              <p:cNvPr id="3" name="Ink 2">
-                <a:extLst>
-                  <a:ext uri="{FF2B5EF4-FFF2-40B4-BE49-F238E27FC236}">
-                    <a16:creationId xmlns:a16="http://schemas.microsoft.com/office/drawing/2014/main" id="{1D177FBC-8EED-4143-B7EE-8FDF23E8C738}"/>
-                  </a:ext>
-                </a:extLst>
-              </p:cNvPr>
-              <p:cNvPicPr/>
-              <p:nvPr/>
-            </p:nvPicPr>
-            <p:blipFill>
-              <a:blip r:embed="rId4"/>
-              <a:stretch>
-                <a:fillRect/>
-              </a:stretch>
-            </p:blipFill>
-            <p:spPr>
-              <a:xfrm>
-                <a:off x="2937600" y="3354480"/>
-                <a:ext cx="7068240" cy="2415960"/>
-              </a:xfrm>
-              <a:prstGeom prst="rect">
-                <a:avLst/>
-              </a:prstGeom>
-            </p:spPr>
-          </p:pic>
-        </mc:Fallback>
-      </mc:AlternateContent>
     </p:spTree>
     <p:extLst>
       <p:ext uri="{BB962C8B-B14F-4D97-AF65-F5344CB8AC3E}">
@@ -14533,57 +13612,6 @@
           </a:ln>
         </p:spPr>
       </p:pic>
-      <mc:AlternateContent xmlns:mc="http://schemas.openxmlformats.org/markup-compatibility/2006" xmlns:p14="http://schemas.microsoft.com/office/powerpoint/2010/main">
-        <mc:Choice Requires="p14">
-          <p:contentPart p14:bwMode="auto" r:id="rId3">
-            <p14:nvContentPartPr>
-              <p14:cNvPr id="3" name="Ink 2">
-                <a:extLst>
-                  <a:ext uri="{FF2B5EF4-FFF2-40B4-BE49-F238E27FC236}">
-                    <a16:creationId xmlns:a16="http://schemas.microsoft.com/office/drawing/2014/main" id="{F2FF214C-2A65-4117-A85D-363E318D1E0F}"/>
-                  </a:ext>
-                </a:extLst>
-              </p14:cNvPr>
-              <p14:cNvContentPartPr/>
-              <p14:nvPr/>
-            </p14:nvContentPartPr>
-            <p14:xfrm>
-              <a:off x="4506840" y="2800800"/>
-              <a:ext cx="4854240" cy="2397240"/>
-            </p14:xfrm>
-          </p:contentPart>
-        </mc:Choice>
-        <mc:Fallback xmlns="">
-          <p:pic>
-            <p:nvPicPr>
-              <p:cNvPr id="3" name="Ink 2">
-                <a:extLst>
-                  <a:ext uri="{FF2B5EF4-FFF2-40B4-BE49-F238E27FC236}">
-                    <a16:creationId xmlns:a16="http://schemas.microsoft.com/office/drawing/2014/main" id="{F2FF214C-2A65-4117-A85D-363E318D1E0F}"/>
-                  </a:ext>
-                </a:extLst>
-              </p:cNvPr>
-              <p:cNvPicPr/>
-              <p:nvPr/>
-            </p:nvPicPr>
-            <p:blipFill>
-              <a:blip r:embed="rId4"/>
-              <a:stretch>
-                <a:fillRect/>
-              </a:stretch>
-            </p:blipFill>
-            <p:spPr>
-              <a:xfrm>
-                <a:off x="4497480" y="2791440"/>
-                <a:ext cx="4872960" cy="2415960"/>
-              </a:xfrm>
-              <a:prstGeom prst="rect">
-                <a:avLst/>
-              </a:prstGeom>
-            </p:spPr>
-          </p:pic>
-        </mc:Fallback>
-      </mc:AlternateContent>
     </p:spTree>
     <p:extLst>
       <p:ext uri="{BB962C8B-B14F-4D97-AF65-F5344CB8AC3E}">
@@ -14670,57 +13698,6 @@
           </a:ln>
         </p:spPr>
       </p:pic>
-      <mc:AlternateContent xmlns:mc="http://schemas.openxmlformats.org/markup-compatibility/2006" xmlns:p14="http://schemas.microsoft.com/office/powerpoint/2010/main">
-        <mc:Choice Requires="p14">
-          <p:contentPart p14:bwMode="auto" r:id="rId3">
-            <p14:nvContentPartPr>
-              <p14:cNvPr id="3" name="Ink 2">
-                <a:extLst>
-                  <a:ext uri="{FF2B5EF4-FFF2-40B4-BE49-F238E27FC236}">
-                    <a16:creationId xmlns:a16="http://schemas.microsoft.com/office/drawing/2014/main" id="{5E266A6F-9980-4F52-8AA0-98835D9ED623}"/>
-                  </a:ext>
-                </a:extLst>
-              </p14:cNvPr>
-              <p14:cNvContentPartPr/>
-              <p14:nvPr/>
-            </p14:nvContentPartPr>
-            <p14:xfrm>
-              <a:off x="2166840" y="2570040"/>
-              <a:ext cx="4666320" cy="3840840"/>
-            </p14:xfrm>
-          </p:contentPart>
-        </mc:Choice>
-        <mc:Fallback xmlns="">
-          <p:pic>
-            <p:nvPicPr>
-              <p:cNvPr id="3" name="Ink 2">
-                <a:extLst>
-                  <a:ext uri="{FF2B5EF4-FFF2-40B4-BE49-F238E27FC236}">
-                    <a16:creationId xmlns:a16="http://schemas.microsoft.com/office/drawing/2014/main" id="{5E266A6F-9980-4F52-8AA0-98835D9ED623}"/>
-                  </a:ext>
-                </a:extLst>
-              </p:cNvPr>
-              <p:cNvPicPr/>
-              <p:nvPr/>
-            </p:nvPicPr>
-            <p:blipFill>
-              <a:blip r:embed="rId4"/>
-              <a:stretch>
-                <a:fillRect/>
-              </a:stretch>
-            </p:blipFill>
-            <p:spPr>
-              <a:xfrm>
-                <a:off x="2157480" y="2560680"/>
-                <a:ext cx="4685040" cy="3859560"/>
-              </a:xfrm>
-              <a:prstGeom prst="rect">
-                <a:avLst/>
-              </a:prstGeom>
-            </p:spPr>
-          </p:pic>
-        </mc:Fallback>
-      </mc:AlternateContent>
     </p:spTree>
     <p:extLst>
       <p:ext uri="{BB962C8B-B14F-4D97-AF65-F5344CB8AC3E}">
@@ -19974,96 +18951,6 @@
           </a:p>
         </p:txBody>
       </p:sp>
-      <mc:AlternateContent xmlns:mc="http://schemas.openxmlformats.org/markup-compatibility/2006" xmlns:p14="http://schemas.microsoft.com/office/powerpoint/2010/main">
-        <mc:Choice Requires="p14">
-          <p:contentPart p14:bwMode="auto" r:id="rId2">
-            <p14:nvContentPartPr>
-              <p14:cNvPr id="4" name="Ink 3">
-                <a:extLst>
-                  <a:ext uri="{FF2B5EF4-FFF2-40B4-BE49-F238E27FC236}">
-                    <a16:creationId xmlns:a16="http://schemas.microsoft.com/office/drawing/2014/main" id="{DA57BA8F-5624-4685-B0E8-E3DA5640C17B}"/>
-                  </a:ext>
-                </a:extLst>
-              </p14:cNvPr>
-              <p14:cNvContentPartPr/>
-              <p14:nvPr/>
-            </p14:nvContentPartPr>
-            <p14:xfrm>
-              <a:off x="1112400" y="1717920"/>
-              <a:ext cx="5605200" cy="2541600"/>
-            </p14:xfrm>
-          </p:contentPart>
-        </mc:Choice>
-        <mc:Fallback xmlns="">
-          <p:pic>
-            <p:nvPicPr>
-              <p:cNvPr id="4" name="Ink 3">
-                <a:extLst>
-                  <a:ext uri="{FF2B5EF4-FFF2-40B4-BE49-F238E27FC236}">
-                    <a16:creationId xmlns:a16="http://schemas.microsoft.com/office/drawing/2014/main" id="{DA57BA8F-5624-4685-B0E8-E3DA5640C17B}"/>
-                  </a:ext>
-                </a:extLst>
-              </p:cNvPr>
-              <p:cNvPicPr/>
-              <p:nvPr/>
-            </p:nvPicPr>
-            <p:blipFill>
-              <a:blip r:embed="rId3"/>
-              <a:stretch>
-                <a:fillRect/>
-              </a:stretch>
-            </p:blipFill>
-            <p:spPr>
-              <a:xfrm>
-                <a:off x="1103040" y="1708560"/>
-                <a:ext cx="5623920" cy="2560320"/>
-              </a:xfrm>
-              <a:prstGeom prst="rect">
-                <a:avLst/>
-              </a:prstGeom>
-            </p:spPr>
-          </p:pic>
-        </mc:Fallback>
-      </mc:AlternateContent>
-      <mc:AlternateContent xmlns:mc="http://schemas.openxmlformats.org/markup-compatibility/2006" xmlns:p14="http://schemas.microsoft.com/office/powerpoint/2010/main">
-        <mc:Choice Requires="p14">
-          <p:contentPart p14:bwMode="auto" r:id="rId4">
-            <p14:nvContentPartPr>
-              <p14:cNvPr id="5" name="Ink 4"/>
-              <p14:cNvContentPartPr/>
-              <p14:nvPr/>
-            </p14:nvContentPartPr>
-            <p14:xfrm>
-              <a:off x="2371320" y="4863600"/>
-              <a:ext cx="875520" cy="478440"/>
-            </p14:xfrm>
-          </p:contentPart>
-        </mc:Choice>
-        <mc:Fallback xmlns="">
-          <p:pic>
-            <p:nvPicPr>
-              <p:cNvPr id="5" name="Ink 4"/>
-              <p:cNvPicPr/>
-              <p:nvPr/>
-            </p:nvPicPr>
-            <p:blipFill>
-              <a:blip r:embed="rId5"/>
-              <a:stretch>
-                <a:fillRect/>
-              </a:stretch>
-            </p:blipFill>
-            <p:spPr>
-              <a:xfrm>
-                <a:off x="2361960" y="4854240"/>
-                <a:ext cx="894240" cy="497160"/>
-              </a:xfrm>
-              <a:prstGeom prst="rect">
-                <a:avLst/>
-              </a:prstGeom>
-            </p:spPr>
-          </p:pic>
-        </mc:Fallback>
-      </mc:AlternateContent>
     </p:spTree>
     <p:extLst>
       <p:ext uri="{BB962C8B-B14F-4D97-AF65-F5344CB8AC3E}">
@@ -22122,261 +21009,6 @@
           </a:graphicData>
         </a:graphic>
       </p:graphicFrame>
-      <mc:AlternateContent xmlns:mc="http://schemas.openxmlformats.org/markup-compatibility/2006" xmlns:p14="http://schemas.microsoft.com/office/powerpoint/2010/main">
-        <mc:Choice Requires="p14">
-          <p:contentPart p14:bwMode="auto" r:id="rId2">
-            <p14:nvContentPartPr>
-              <p14:cNvPr id="6" name="Ink 5">
-                <a:extLst>
-                  <a:ext uri="{FF2B5EF4-FFF2-40B4-BE49-F238E27FC236}">
-                    <a16:creationId xmlns:a16="http://schemas.microsoft.com/office/drawing/2014/main" id="{B7B69801-39FB-48D8-8A4B-82A857DD7212}"/>
-                  </a:ext>
-                </a:extLst>
-              </p14:cNvPr>
-              <p14:cNvContentPartPr/>
-              <p14:nvPr/>
-            </p14:nvContentPartPr>
-            <p14:xfrm>
-              <a:off x="844034" y="5666898"/>
-              <a:ext cx="9031680" cy="45000"/>
-            </p14:xfrm>
-          </p:contentPart>
-        </mc:Choice>
-        <mc:Fallback xmlns="">
-          <p:pic>
-            <p:nvPicPr>
-              <p:cNvPr id="6" name="Ink 5">
-                <a:extLst>
-                  <a:ext uri="{FF2B5EF4-FFF2-40B4-BE49-F238E27FC236}">
-                    <a16:creationId xmlns:a16="http://schemas.microsoft.com/office/drawing/2014/main" id="{B7B69801-39FB-48D8-8A4B-82A857DD7212}"/>
-                  </a:ext>
-                </a:extLst>
-              </p:cNvPr>
-              <p:cNvPicPr/>
-              <p:nvPr/>
-            </p:nvPicPr>
-            <p:blipFill>
-              <a:blip r:embed="rId3"/>
-              <a:stretch>
-                <a:fillRect/>
-              </a:stretch>
-            </p:blipFill>
-            <p:spPr>
-              <a:xfrm>
-                <a:off x="835034" y="5657898"/>
-                <a:ext cx="9049320" cy="62640"/>
-              </a:xfrm>
-              <a:prstGeom prst="rect">
-                <a:avLst/>
-              </a:prstGeom>
-            </p:spPr>
-          </p:pic>
-        </mc:Fallback>
-      </mc:AlternateContent>
-      <mc:AlternateContent xmlns:mc="http://schemas.openxmlformats.org/markup-compatibility/2006" xmlns:p14="http://schemas.microsoft.com/office/powerpoint/2010/main">
-        <mc:Choice Requires="p14">
-          <p:contentPart p14:bwMode="auto" r:id="rId4">
-            <p14:nvContentPartPr>
-              <p14:cNvPr id="7" name="Ink 6">
-                <a:extLst>
-                  <a:ext uri="{FF2B5EF4-FFF2-40B4-BE49-F238E27FC236}">
-                    <a16:creationId xmlns:a16="http://schemas.microsoft.com/office/drawing/2014/main" id="{173DBD7D-0732-4362-ACE5-265FEA8E0336}"/>
-                  </a:ext>
-                </a:extLst>
-              </p14:cNvPr>
-              <p14:cNvContentPartPr/>
-              <p14:nvPr/>
-            </p14:nvContentPartPr>
-            <p14:xfrm>
-              <a:off x="886154" y="5205018"/>
-              <a:ext cx="4783320" cy="113040"/>
-            </p14:xfrm>
-          </p:contentPart>
-        </mc:Choice>
-        <mc:Fallback xmlns="">
-          <p:pic>
-            <p:nvPicPr>
-              <p:cNvPr id="7" name="Ink 6">
-                <a:extLst>
-                  <a:ext uri="{FF2B5EF4-FFF2-40B4-BE49-F238E27FC236}">
-                    <a16:creationId xmlns:a16="http://schemas.microsoft.com/office/drawing/2014/main" id="{173DBD7D-0732-4362-ACE5-265FEA8E0336}"/>
-                  </a:ext>
-                </a:extLst>
-              </p:cNvPr>
-              <p:cNvPicPr/>
-              <p:nvPr/>
-            </p:nvPicPr>
-            <p:blipFill>
-              <a:blip r:embed="rId5"/>
-              <a:stretch>
-                <a:fillRect/>
-              </a:stretch>
-            </p:blipFill>
-            <p:spPr>
-              <a:xfrm>
-                <a:off x="850154" y="5133018"/>
-                <a:ext cx="4854960" cy="256680"/>
-              </a:xfrm>
-              <a:prstGeom prst="rect">
-                <a:avLst/>
-              </a:prstGeom>
-            </p:spPr>
-          </p:pic>
-        </mc:Fallback>
-      </mc:AlternateContent>
-      <mc:AlternateContent xmlns:mc="http://schemas.openxmlformats.org/markup-compatibility/2006" xmlns:p14="http://schemas.microsoft.com/office/powerpoint/2010/main">
-        <mc:Choice Requires="p14">
-          <p:contentPart p14:bwMode="auto" r:id="rId6">
-            <p14:nvContentPartPr>
-              <p14:cNvPr id="8" name="Ink 7">
-                <a:extLst>
-                  <a:ext uri="{FF2B5EF4-FFF2-40B4-BE49-F238E27FC236}">
-                    <a16:creationId xmlns:a16="http://schemas.microsoft.com/office/drawing/2014/main" id="{D5B00686-4F7F-4779-9B25-ED05B25C504B}"/>
-                  </a:ext>
-                </a:extLst>
-              </p14:cNvPr>
-              <p14:cNvContentPartPr/>
-              <p14:nvPr/>
-            </p14:nvContentPartPr>
-            <p14:xfrm>
-              <a:off x="1198606" y="6013938"/>
-              <a:ext cx="4811400" cy="100800"/>
-            </p14:xfrm>
-          </p:contentPart>
-        </mc:Choice>
-        <mc:Fallback xmlns="">
-          <p:pic>
-            <p:nvPicPr>
-              <p:cNvPr id="8" name="Ink 7">
-                <a:extLst>
-                  <a:ext uri="{FF2B5EF4-FFF2-40B4-BE49-F238E27FC236}">
-                    <a16:creationId xmlns:a16="http://schemas.microsoft.com/office/drawing/2014/main" xmlns:p14="http://schemas.microsoft.com/office/powerpoint/2010/main" xmlns="" id="{D5B00686-4F7F-4779-9B25-ED05B25C504B}"/>
-                  </a:ext>
-                </a:extLst>
-              </p:cNvPr>
-              <p:cNvPicPr/>
-              <p:nvPr/>
-            </p:nvPicPr>
-            <p:blipFill>
-              <a:blip r:embed="rId7"/>
-              <a:stretch>
-                <a:fillRect/>
-              </a:stretch>
-            </p:blipFill>
-            <p:spPr>
-              <a:xfrm>
-                <a:off x="1162606" y="5941938"/>
-                <a:ext cx="4883400" cy="244800"/>
-              </a:xfrm>
-              <a:prstGeom prst="rect">
-                <a:avLst/>
-              </a:prstGeom>
-            </p:spPr>
-          </p:pic>
-        </mc:Fallback>
-      </mc:AlternateContent>
-      <mc:AlternateContent xmlns:mc="http://schemas.openxmlformats.org/markup-compatibility/2006" xmlns:p14="http://schemas.microsoft.com/office/powerpoint/2010/main">
-        <mc:Choice Requires="p14">
-          <p:contentPart p14:bwMode="auto" r:id="rId8">
-            <p14:nvContentPartPr>
-              <p14:cNvPr id="9" name="Ink 8">
-                <a:extLst>
-                  <a:ext uri="{FF2B5EF4-FFF2-40B4-BE49-F238E27FC236}">
-                    <a16:creationId xmlns:a16="http://schemas.microsoft.com/office/drawing/2014/main" id="{C1A738E3-80C6-4716-983F-711EEFB2B37C}"/>
-                  </a:ext>
-                </a:extLst>
-              </p14:cNvPr>
-              <p14:cNvContentPartPr/>
-              <p14:nvPr/>
-            </p14:nvContentPartPr>
-            <p14:xfrm>
-              <a:off x="998834" y="4572138"/>
-              <a:ext cx="9721080" cy="115200"/>
-            </p14:xfrm>
-          </p:contentPart>
-        </mc:Choice>
-        <mc:Fallback xmlns="">
-          <p:pic>
-            <p:nvPicPr>
-              <p:cNvPr id="9" name="Ink 8">
-                <a:extLst>
-                  <a:ext uri="{FF2B5EF4-FFF2-40B4-BE49-F238E27FC236}">
-                    <a16:creationId xmlns:a16="http://schemas.microsoft.com/office/drawing/2014/main" id="{C1A738E3-80C6-4716-983F-711EEFB2B37C}"/>
-                  </a:ext>
-                </a:extLst>
-              </p:cNvPr>
-              <p:cNvPicPr/>
-              <p:nvPr/>
-            </p:nvPicPr>
-            <p:blipFill>
-              <a:blip r:embed="rId9"/>
-              <a:stretch>
-                <a:fillRect/>
-              </a:stretch>
-            </p:blipFill>
-            <p:spPr>
-              <a:xfrm>
-                <a:off x="962834" y="4500138"/>
-                <a:ext cx="9792720" cy="258840"/>
-              </a:xfrm>
-              <a:prstGeom prst="rect">
-                <a:avLst/>
-              </a:prstGeom>
-            </p:spPr>
-          </p:pic>
-        </mc:Fallback>
-      </mc:AlternateContent>
-      <mc:AlternateContent xmlns:mc="http://schemas.openxmlformats.org/markup-compatibility/2006" xmlns:p14="http://schemas.microsoft.com/office/powerpoint/2010/main">
-        <mc:Choice Requires="p14">
-          <p:contentPart p14:bwMode="auto" r:id="rId10">
-            <p14:nvContentPartPr>
-              <p14:cNvPr id="3" name="Ink 2">
-                <a:extLst>
-                  <a:ext uri="{FF2B5EF4-FFF2-40B4-BE49-F238E27FC236}">
-                    <a16:creationId xmlns:a16="http://schemas.microsoft.com/office/drawing/2014/main" id="{6239249D-6B00-4B16-AAF5-045B7996E562}"/>
-                  </a:ext>
-                </a:extLst>
-              </p14:cNvPr>
-              <p14:cNvContentPartPr/>
-              <p14:nvPr/>
-            </p14:nvContentPartPr>
-            <p14:xfrm>
-              <a:off x="953280" y="4259160"/>
-              <a:ext cx="3871800" cy="447840"/>
-            </p14:xfrm>
-          </p:contentPart>
-        </mc:Choice>
-        <mc:Fallback xmlns="">
-          <p:pic>
-            <p:nvPicPr>
-              <p:cNvPr id="3" name="Ink 2">
-                <a:extLst>
-                  <a:ext uri="{FF2B5EF4-FFF2-40B4-BE49-F238E27FC236}">
-                    <a16:creationId xmlns:a16="http://schemas.microsoft.com/office/drawing/2014/main" id="{6239249D-6B00-4B16-AAF5-045B7996E562}"/>
-                  </a:ext>
-                </a:extLst>
-              </p:cNvPr>
-              <p:cNvPicPr/>
-              <p:nvPr/>
-            </p:nvPicPr>
-            <p:blipFill>
-              <a:blip r:embed="rId11"/>
-              <a:stretch>
-                <a:fillRect/>
-              </a:stretch>
-            </p:blipFill>
-            <p:spPr>
-              <a:xfrm>
-                <a:off x="943920" y="4249800"/>
-                <a:ext cx="3890520" cy="466560"/>
-              </a:xfrm>
-              <a:prstGeom prst="rect">
-                <a:avLst/>
-              </a:prstGeom>
-            </p:spPr>
-          </p:pic>
-        </mc:Fallback>
-      </mc:AlternateContent>
     </p:spTree>
     <p:extLst>
       <p:ext uri="{BB962C8B-B14F-4D97-AF65-F5344CB8AC3E}">
@@ -22644,57 +21276,6 @@
           </a:p>
         </p:txBody>
       </p:sp>
-      <mc:AlternateContent xmlns:mc="http://schemas.openxmlformats.org/markup-compatibility/2006" xmlns:p14="http://schemas.microsoft.com/office/powerpoint/2010/main">
-        <mc:Choice Requires="p14">
-          <p:contentPart p14:bwMode="auto" r:id="rId2">
-            <p14:nvContentPartPr>
-              <p14:cNvPr id="4" name="Ink 3">
-                <a:extLst>
-                  <a:ext uri="{FF2B5EF4-FFF2-40B4-BE49-F238E27FC236}">
-                    <a16:creationId xmlns:a16="http://schemas.microsoft.com/office/drawing/2014/main" id="{A0A12EE1-04DA-4883-A2DD-0293D7239279}"/>
-                  </a:ext>
-                </a:extLst>
-              </p14:cNvPr>
-              <p14:cNvContentPartPr/>
-              <p14:nvPr/>
-            </p14:nvContentPartPr>
-            <p14:xfrm>
-              <a:off x="1040040" y="3450600"/>
-              <a:ext cx="2759400" cy="520200"/>
-            </p14:xfrm>
-          </p:contentPart>
-        </mc:Choice>
-        <mc:Fallback xmlns="">
-          <p:pic>
-            <p:nvPicPr>
-              <p:cNvPr id="4" name="Ink 3">
-                <a:extLst>
-                  <a:ext uri="{FF2B5EF4-FFF2-40B4-BE49-F238E27FC236}">
-                    <a16:creationId xmlns:a16="http://schemas.microsoft.com/office/drawing/2014/main" id="{A0A12EE1-04DA-4883-A2DD-0293D7239279}"/>
-                  </a:ext>
-                </a:extLst>
-              </p:cNvPr>
-              <p:cNvPicPr/>
-              <p:nvPr/>
-            </p:nvPicPr>
-            <p:blipFill>
-              <a:blip r:embed="rId3"/>
-              <a:stretch>
-                <a:fillRect/>
-              </a:stretch>
-            </p:blipFill>
-            <p:spPr>
-              <a:xfrm>
-                <a:off x="1030680" y="3441240"/>
-                <a:ext cx="2778120" cy="538920"/>
-              </a:xfrm>
-              <a:prstGeom prst="rect">
-                <a:avLst/>
-              </a:prstGeom>
-            </p:spPr>
-          </p:pic>
-        </mc:Fallback>
-      </mc:AlternateContent>
     </p:spTree>
     <p:extLst>
       <p:ext uri="{BB962C8B-B14F-4D97-AF65-F5344CB8AC3E}">
@@ -22807,57 +21388,6 @@
           </a:p>
         </p:txBody>
       </p:sp>
-      <mc:AlternateContent xmlns:mc="http://schemas.openxmlformats.org/markup-compatibility/2006" xmlns:p14="http://schemas.microsoft.com/office/powerpoint/2010/main">
-        <mc:Choice Requires="p14">
-          <p:contentPart p14:bwMode="auto" r:id="rId2">
-            <p14:nvContentPartPr>
-              <p14:cNvPr id="4" name="Ink 3">
-                <a:extLst>
-                  <a:ext uri="{FF2B5EF4-FFF2-40B4-BE49-F238E27FC236}">
-                    <a16:creationId xmlns:a16="http://schemas.microsoft.com/office/drawing/2014/main" id="{8BE98A18-D1BA-42FA-8F60-E557206313B5}"/>
-                  </a:ext>
-                </a:extLst>
-              </p14:cNvPr>
-              <p14:cNvContentPartPr/>
-              <p14:nvPr/>
-            </p14:nvContentPartPr>
-            <p14:xfrm>
-              <a:off x="4333680" y="2425680"/>
-              <a:ext cx="4883040" cy="606600"/>
-            </p14:xfrm>
-          </p:contentPart>
-        </mc:Choice>
-        <mc:Fallback xmlns="">
-          <p:pic>
-            <p:nvPicPr>
-              <p:cNvPr id="4" name="Ink 3">
-                <a:extLst>
-                  <a:ext uri="{FF2B5EF4-FFF2-40B4-BE49-F238E27FC236}">
-                    <a16:creationId xmlns:a16="http://schemas.microsoft.com/office/drawing/2014/main" id="{8BE98A18-D1BA-42FA-8F60-E557206313B5}"/>
-                  </a:ext>
-                </a:extLst>
-              </p:cNvPr>
-              <p:cNvPicPr/>
-              <p:nvPr/>
-            </p:nvPicPr>
-            <p:blipFill>
-              <a:blip r:embed="rId3"/>
-              <a:stretch>
-                <a:fillRect/>
-              </a:stretch>
-            </p:blipFill>
-            <p:spPr>
-              <a:xfrm>
-                <a:off x="4324320" y="2416320"/>
-                <a:ext cx="4901760" cy="625320"/>
-              </a:xfrm>
-              <a:prstGeom prst="rect">
-                <a:avLst/>
-              </a:prstGeom>
-            </p:spPr>
-          </p:pic>
-        </mc:Fallback>
-      </mc:AlternateContent>
     </p:spTree>
     <p:extLst>
       <p:ext uri="{BB962C8B-B14F-4D97-AF65-F5344CB8AC3E}">
@@ -24034,57 +22564,6 @@
           </a:graphicData>
         </a:graphic>
       </p:graphicFrame>
-      <mc:AlternateContent xmlns:mc="http://schemas.openxmlformats.org/markup-compatibility/2006" xmlns:p14="http://schemas.microsoft.com/office/powerpoint/2010/main">
-        <mc:Choice Requires="p14">
-          <p:contentPart p14:bwMode="auto" r:id="rId7">
-            <p14:nvContentPartPr>
-              <p14:cNvPr id="2" name="Ink 1">
-                <a:extLst>
-                  <a:ext uri="{FF2B5EF4-FFF2-40B4-BE49-F238E27FC236}">
-                    <a16:creationId xmlns:a16="http://schemas.microsoft.com/office/drawing/2014/main" id="{6961B911-59CD-4FF6-A936-7BEAC8D49470}"/>
-                  </a:ext>
-                </a:extLst>
-              </p14:cNvPr>
-              <p14:cNvContentPartPr/>
-              <p14:nvPr/>
-            </p14:nvContentPartPr>
-            <p14:xfrm>
-              <a:off x="1444680" y="3508200"/>
-              <a:ext cx="3380400" cy="1054440"/>
-            </p14:xfrm>
-          </p:contentPart>
-        </mc:Choice>
-        <mc:Fallback xmlns="">
-          <p:pic>
-            <p:nvPicPr>
-              <p:cNvPr id="2" name="Ink 1">
-                <a:extLst>
-                  <a:ext uri="{FF2B5EF4-FFF2-40B4-BE49-F238E27FC236}">
-                    <a16:creationId xmlns:a16="http://schemas.microsoft.com/office/drawing/2014/main" id="{6961B911-59CD-4FF6-A936-7BEAC8D49470}"/>
-                  </a:ext>
-                </a:extLst>
-              </p:cNvPr>
-              <p:cNvPicPr/>
-              <p:nvPr/>
-            </p:nvPicPr>
-            <p:blipFill>
-              <a:blip r:embed="rId8"/>
-              <a:stretch>
-                <a:fillRect/>
-              </a:stretch>
-            </p:blipFill>
-            <p:spPr>
-              <a:xfrm>
-                <a:off x="1435320" y="3498840"/>
-                <a:ext cx="3399120" cy="1073160"/>
-              </a:xfrm>
-              <a:prstGeom prst="rect">
-                <a:avLst/>
-              </a:prstGeom>
-            </p:spPr>
-          </p:pic>
-        </mc:Fallback>
-      </mc:AlternateContent>
     </p:spTree>
     <p:extLst>
       <p:ext uri="{BB962C8B-B14F-4D97-AF65-F5344CB8AC3E}">
@@ -24708,57 +23187,6 @@
           </a:p>
         </p:txBody>
       </p:sp>
-      <mc:AlternateContent xmlns:mc="http://schemas.openxmlformats.org/markup-compatibility/2006" xmlns:p14="http://schemas.microsoft.com/office/powerpoint/2010/main">
-        <mc:Choice Requires="p14">
-          <p:contentPart p14:bwMode="auto" r:id="rId8">
-            <p14:nvContentPartPr>
-              <p14:cNvPr id="4" name="Ink 3">
-                <a:extLst>
-                  <a:ext uri="{FF2B5EF4-FFF2-40B4-BE49-F238E27FC236}">
-                    <a16:creationId xmlns:a16="http://schemas.microsoft.com/office/drawing/2014/main" id="{49FD60FB-0C77-49C6-BAEB-2586D8CF8CDD}"/>
-                  </a:ext>
-                </a:extLst>
-              </p14:cNvPr>
-              <p14:cNvContentPartPr/>
-              <p14:nvPr/>
-            </p14:nvContentPartPr>
-            <p14:xfrm>
-              <a:off x="1444680" y="5645160"/>
-              <a:ext cx="9086400" cy="159120"/>
-            </p14:xfrm>
-          </p:contentPart>
-        </mc:Choice>
-        <mc:Fallback xmlns="">
-          <p:pic>
-            <p:nvPicPr>
-              <p:cNvPr id="4" name="Ink 3">
-                <a:extLst>
-                  <a:ext uri="{FF2B5EF4-FFF2-40B4-BE49-F238E27FC236}">
-                    <a16:creationId xmlns:a16="http://schemas.microsoft.com/office/drawing/2014/main" id="{49FD60FB-0C77-49C6-BAEB-2586D8CF8CDD}"/>
-                  </a:ext>
-                </a:extLst>
-              </p:cNvPr>
-              <p:cNvPicPr/>
-              <p:nvPr/>
-            </p:nvPicPr>
-            <p:blipFill>
-              <a:blip r:embed="rId9"/>
-              <a:stretch>
-                <a:fillRect/>
-              </a:stretch>
-            </p:blipFill>
-            <p:spPr>
-              <a:xfrm>
-                <a:off x="1435320" y="5635800"/>
-                <a:ext cx="9105120" cy="177840"/>
-              </a:xfrm>
-              <a:prstGeom prst="rect">
-                <a:avLst/>
-              </a:prstGeom>
-            </p:spPr>
-          </p:pic>
-        </mc:Fallback>
-      </mc:AlternateContent>
     </p:spTree>
     <p:extLst>
       <p:ext uri="{BB962C8B-B14F-4D97-AF65-F5344CB8AC3E}">
@@ -24863,57 +23291,6 @@
           </a:p>
         </p:txBody>
       </p:sp>
-      <mc:AlternateContent xmlns:mc="http://schemas.openxmlformats.org/markup-compatibility/2006" xmlns:p14="http://schemas.microsoft.com/office/powerpoint/2010/main">
-        <mc:Choice Requires="p14">
-          <p:contentPart p14:bwMode="auto" r:id="rId2">
-            <p14:nvContentPartPr>
-              <p14:cNvPr id="4" name="Ink 3">
-                <a:extLst>
-                  <a:ext uri="{FF2B5EF4-FFF2-40B4-BE49-F238E27FC236}">
-                    <a16:creationId xmlns:a16="http://schemas.microsoft.com/office/drawing/2014/main" id="{5D9166DB-1113-4D48-BF5D-C5101617CEF2}"/>
-                  </a:ext>
-                </a:extLst>
-              </p14:cNvPr>
-              <p14:cNvContentPartPr/>
-              <p14:nvPr/>
-            </p14:nvContentPartPr>
-            <p14:xfrm>
-              <a:off x="2166840" y="3277440"/>
-              <a:ext cx="4059360" cy="187920"/>
-            </p14:xfrm>
-          </p:contentPart>
-        </mc:Choice>
-        <mc:Fallback xmlns="">
-          <p:pic>
-            <p:nvPicPr>
-              <p:cNvPr id="4" name="Ink 3">
-                <a:extLst>
-                  <a:ext uri="{FF2B5EF4-FFF2-40B4-BE49-F238E27FC236}">
-                    <a16:creationId xmlns:a16="http://schemas.microsoft.com/office/drawing/2014/main" id="{5D9166DB-1113-4D48-BF5D-C5101617CEF2}"/>
-                  </a:ext>
-                </a:extLst>
-              </p:cNvPr>
-              <p:cNvPicPr/>
-              <p:nvPr/>
-            </p:nvPicPr>
-            <p:blipFill>
-              <a:blip r:embed="rId3"/>
-              <a:stretch>
-                <a:fillRect/>
-              </a:stretch>
-            </p:blipFill>
-            <p:spPr>
-              <a:xfrm>
-                <a:off x="2157480" y="3268080"/>
-                <a:ext cx="4078080" cy="206640"/>
-              </a:xfrm>
-              <a:prstGeom prst="rect">
-                <a:avLst/>
-              </a:prstGeom>
-            </p:spPr>
-          </p:pic>
-        </mc:Fallback>
-      </mc:AlternateContent>
     </p:spTree>
     <p:extLst>
       <p:ext uri="{BB962C8B-B14F-4D97-AF65-F5344CB8AC3E}">
@@ -25382,57 +23759,6 @@
           </a:graphicData>
         </a:graphic>
       </p:graphicFrame>
-      <mc:AlternateContent xmlns:mc="http://schemas.openxmlformats.org/markup-compatibility/2006" xmlns:p14="http://schemas.microsoft.com/office/powerpoint/2010/main">
-        <mc:Choice Requires="p14">
-          <p:contentPart p14:bwMode="auto" r:id="rId5">
-            <p14:nvContentPartPr>
-              <p14:cNvPr id="4" name="Ink 3">
-                <a:extLst>
-                  <a:ext uri="{FF2B5EF4-FFF2-40B4-BE49-F238E27FC236}">
-                    <a16:creationId xmlns:a16="http://schemas.microsoft.com/office/drawing/2014/main" id="{C8ECCDC5-CDFB-46DE-BBA2-A72BFDC03176}"/>
-                  </a:ext>
-                </a:extLst>
-              </p14:cNvPr>
-              <p14:cNvContentPartPr/>
-              <p14:nvPr/>
-            </p14:nvContentPartPr>
-            <p14:xfrm>
-              <a:off x="1040040" y="3739320"/>
-              <a:ext cx="6139800" cy="549000"/>
-            </p14:xfrm>
-          </p:contentPart>
-        </mc:Choice>
-        <mc:Fallback xmlns="">
-          <p:pic>
-            <p:nvPicPr>
-              <p:cNvPr id="4" name="Ink 3">
-                <a:extLst>
-                  <a:ext uri="{FF2B5EF4-FFF2-40B4-BE49-F238E27FC236}">
-                    <a16:creationId xmlns:a16="http://schemas.microsoft.com/office/drawing/2014/main" id="{C8ECCDC5-CDFB-46DE-BBA2-A72BFDC03176}"/>
-                  </a:ext>
-                </a:extLst>
-              </p:cNvPr>
-              <p:cNvPicPr/>
-              <p:nvPr/>
-            </p:nvPicPr>
-            <p:blipFill>
-              <a:blip r:embed="rId6"/>
-              <a:stretch>
-                <a:fillRect/>
-              </a:stretch>
-            </p:blipFill>
-            <p:spPr>
-              <a:xfrm>
-                <a:off x="1030680" y="3729960"/>
-                <a:ext cx="6158520" cy="567720"/>
-              </a:xfrm>
-              <a:prstGeom prst="rect">
-                <a:avLst/>
-              </a:prstGeom>
-            </p:spPr>
-          </p:pic>
-        </mc:Fallback>
-      </mc:AlternateContent>
     </p:spTree>
     <p:extLst>
       <p:ext uri="{BB962C8B-B14F-4D97-AF65-F5344CB8AC3E}">
@@ -25715,57 +24041,6 @@
           </a:p>
         </p:txBody>
       </p:sp>
-      <mc:AlternateContent xmlns:mc="http://schemas.openxmlformats.org/markup-compatibility/2006" xmlns:p14="http://schemas.microsoft.com/office/powerpoint/2010/main">
-        <mc:Choice Requires="p14">
-          <p:contentPart p14:bwMode="auto" r:id="rId4">
-            <p14:nvContentPartPr>
-              <p14:cNvPr id="4" name="Ink 3">
-                <a:extLst>
-                  <a:ext uri="{FF2B5EF4-FFF2-40B4-BE49-F238E27FC236}">
-                    <a16:creationId xmlns:a16="http://schemas.microsoft.com/office/drawing/2014/main" id="{88DE07F3-6753-4C39-80D3-C3306A3F813F}"/>
-                  </a:ext>
-                </a:extLst>
-              </p14:cNvPr>
-              <p14:cNvContentPartPr/>
-              <p14:nvPr/>
-            </p14:nvContentPartPr>
-            <p14:xfrm>
-              <a:off x="1661400" y="2613240"/>
-              <a:ext cx="8479800" cy="2122560"/>
-            </p14:xfrm>
-          </p:contentPart>
-        </mc:Choice>
-        <mc:Fallback xmlns="">
-          <p:pic>
-            <p:nvPicPr>
-              <p:cNvPr id="4" name="Ink 3">
-                <a:extLst>
-                  <a:ext uri="{FF2B5EF4-FFF2-40B4-BE49-F238E27FC236}">
-                    <a16:creationId xmlns:a16="http://schemas.microsoft.com/office/drawing/2014/main" id="{88DE07F3-6753-4C39-80D3-C3306A3F813F}"/>
-                  </a:ext>
-                </a:extLst>
-              </p:cNvPr>
-              <p:cNvPicPr/>
-              <p:nvPr/>
-            </p:nvPicPr>
-            <p:blipFill>
-              <a:blip r:embed="rId5"/>
-              <a:stretch>
-                <a:fillRect/>
-              </a:stretch>
-            </p:blipFill>
-            <p:spPr>
-              <a:xfrm>
-                <a:off x="1652040" y="2603880"/>
-                <a:ext cx="8498520" cy="2141280"/>
-              </a:xfrm>
-              <a:prstGeom prst="rect">
-                <a:avLst/>
-              </a:prstGeom>
-            </p:spPr>
-          </p:pic>
-        </mc:Fallback>
-      </mc:AlternateContent>
     </p:spTree>
     <p:extLst>
       <p:ext uri="{BB962C8B-B14F-4D97-AF65-F5344CB8AC3E}">
@@ -26897,57 +25172,6 @@
           </a:p>
         </p:txBody>
       </p:sp>
-      <mc:AlternateContent xmlns:mc="http://schemas.openxmlformats.org/markup-compatibility/2006" xmlns:p14="http://schemas.microsoft.com/office/powerpoint/2010/main">
-        <mc:Choice Requires="p14">
-          <p:contentPart p14:bwMode="auto" r:id="rId3">
-            <p14:nvContentPartPr>
-              <p14:cNvPr id="4" name="Ink 3">
-                <a:extLst>
-                  <a:ext uri="{FF2B5EF4-FFF2-40B4-BE49-F238E27FC236}">
-                    <a16:creationId xmlns:a16="http://schemas.microsoft.com/office/drawing/2014/main" id="{BEE56CD0-760C-4D6E-AE32-5E44280F4DB1}"/>
-                  </a:ext>
-                </a:extLst>
-              </p14:cNvPr>
-              <p14:cNvContentPartPr/>
-              <p14:nvPr/>
-            </p14:nvContentPartPr>
-            <p14:xfrm>
-              <a:off x="1459080" y="2151360"/>
-              <a:ext cx="7223040" cy="2728800"/>
-            </p14:xfrm>
-          </p:contentPart>
-        </mc:Choice>
-        <mc:Fallback xmlns="">
-          <p:pic>
-            <p:nvPicPr>
-              <p:cNvPr id="4" name="Ink 3">
-                <a:extLst>
-                  <a:ext uri="{FF2B5EF4-FFF2-40B4-BE49-F238E27FC236}">
-                    <a16:creationId xmlns:a16="http://schemas.microsoft.com/office/drawing/2014/main" id="{BEE56CD0-760C-4D6E-AE32-5E44280F4DB1}"/>
-                  </a:ext>
-                </a:extLst>
-              </p:cNvPr>
-              <p:cNvPicPr/>
-              <p:nvPr/>
-            </p:nvPicPr>
-            <p:blipFill>
-              <a:blip r:embed="rId4"/>
-              <a:stretch>
-                <a:fillRect/>
-              </a:stretch>
-            </p:blipFill>
-            <p:spPr>
-              <a:xfrm>
-                <a:off x="1449720" y="2142000"/>
-                <a:ext cx="7241760" cy="2747520"/>
-              </a:xfrm>
-              <a:prstGeom prst="rect">
-                <a:avLst/>
-              </a:prstGeom>
-            </p:spPr>
-          </p:pic>
-        </mc:Fallback>
-      </mc:AlternateContent>
     </p:spTree>
     <p:extLst>
       <p:ext uri="{BB962C8B-B14F-4D97-AF65-F5344CB8AC3E}">
@@ -27195,57 +25419,6 @@
           </a:p>
         </p:txBody>
       </p:sp>
-      <mc:AlternateContent xmlns:mc="http://schemas.openxmlformats.org/markup-compatibility/2006" xmlns:p14="http://schemas.microsoft.com/office/powerpoint/2010/main">
-        <mc:Choice Requires="p14">
-          <p:contentPart p14:bwMode="auto" r:id="rId2">
-            <p14:nvContentPartPr>
-              <p14:cNvPr id="4" name="Ink 3">
-                <a:extLst>
-                  <a:ext uri="{FF2B5EF4-FFF2-40B4-BE49-F238E27FC236}">
-                    <a16:creationId xmlns:a16="http://schemas.microsoft.com/office/drawing/2014/main" id="{3C0A5322-42F5-4FEB-AC7C-FE0ADEADE92D}"/>
-                  </a:ext>
-                </a:extLst>
-              </p14:cNvPr>
-              <p14:cNvContentPartPr/>
-              <p14:nvPr/>
-            </p14:nvContentPartPr>
-            <p14:xfrm>
-              <a:off x="1170000" y="2844360"/>
-              <a:ext cx="10762200" cy="2628000"/>
-            </p14:xfrm>
-          </p:contentPart>
-        </mc:Choice>
-        <mc:Fallback xmlns="">
-          <p:pic>
-            <p:nvPicPr>
-              <p:cNvPr id="4" name="Ink 3">
-                <a:extLst>
-                  <a:ext uri="{FF2B5EF4-FFF2-40B4-BE49-F238E27FC236}">
-                    <a16:creationId xmlns:a16="http://schemas.microsoft.com/office/drawing/2014/main" id="{3C0A5322-42F5-4FEB-AC7C-FE0ADEADE92D}"/>
-                  </a:ext>
-                </a:extLst>
-              </p:cNvPr>
-              <p:cNvPicPr/>
-              <p:nvPr/>
-            </p:nvPicPr>
-            <p:blipFill>
-              <a:blip r:embed="rId3"/>
-              <a:stretch>
-                <a:fillRect/>
-              </a:stretch>
-            </p:blipFill>
-            <p:spPr>
-              <a:xfrm>
-                <a:off x="1160640" y="2835000"/>
-                <a:ext cx="10780920" cy="2646720"/>
-              </a:xfrm>
-              <a:prstGeom prst="rect">
-                <a:avLst/>
-              </a:prstGeom>
-            </p:spPr>
-          </p:pic>
-        </mc:Fallback>
-      </mc:AlternateContent>
     </p:spTree>
     <p:extLst>
       <p:ext uri="{BB962C8B-B14F-4D97-AF65-F5344CB8AC3E}">
@@ -27332,57 +25505,6 @@
           </a:ln>
         </p:spPr>
       </p:pic>
-      <mc:AlternateContent xmlns:mc="http://schemas.openxmlformats.org/markup-compatibility/2006" xmlns:p14="http://schemas.microsoft.com/office/powerpoint/2010/main">
-        <mc:Choice Requires="p14">
-          <p:contentPart p14:bwMode="auto" r:id="rId3">
-            <p14:nvContentPartPr>
-              <p14:cNvPr id="3" name="Ink 2">
-                <a:extLst>
-                  <a:ext uri="{FF2B5EF4-FFF2-40B4-BE49-F238E27FC236}">
-                    <a16:creationId xmlns:a16="http://schemas.microsoft.com/office/drawing/2014/main" id="{B5121960-BD44-4C2C-8D3F-69A4249B9894}"/>
-                  </a:ext>
-                </a:extLst>
-              </p14:cNvPr>
-              <p14:cNvContentPartPr/>
-              <p14:nvPr/>
-            </p14:nvContentPartPr>
-            <p14:xfrm>
-              <a:off x="1242360" y="3291840"/>
-              <a:ext cx="8710920" cy="2382480"/>
-            </p14:xfrm>
-          </p:contentPart>
-        </mc:Choice>
-        <mc:Fallback xmlns="">
-          <p:pic>
-            <p:nvPicPr>
-              <p:cNvPr id="3" name="Ink 2">
-                <a:extLst>
-                  <a:ext uri="{FF2B5EF4-FFF2-40B4-BE49-F238E27FC236}">
-                    <a16:creationId xmlns:a16="http://schemas.microsoft.com/office/drawing/2014/main" id="{B5121960-BD44-4C2C-8D3F-69A4249B9894}"/>
-                  </a:ext>
-                </a:extLst>
-              </p:cNvPr>
-              <p:cNvPicPr/>
-              <p:nvPr/>
-            </p:nvPicPr>
-            <p:blipFill>
-              <a:blip r:embed="rId4"/>
-              <a:stretch>
-                <a:fillRect/>
-              </a:stretch>
-            </p:blipFill>
-            <p:spPr>
-              <a:xfrm>
-                <a:off x="1233000" y="3282480"/>
-                <a:ext cx="8729640" cy="2401200"/>
-              </a:xfrm>
-              <a:prstGeom prst="rect">
-                <a:avLst/>
-              </a:prstGeom>
-            </p:spPr>
-          </p:pic>
-        </mc:Fallback>
-      </mc:AlternateContent>
     </p:spTree>
     <p:extLst>
       <p:ext uri="{BB962C8B-B14F-4D97-AF65-F5344CB8AC3E}">
@@ -27430,7 +25552,7 @@
           <a:p>
             <a:r>
               <a:rPr lang="en-US" dirty="0"/>
-              <a:t>Memory Allocation of </a:t>
+              <a:t>Quirks of </a:t>
             </a:r>
             <a:r>
               <a:rPr lang="en-US" dirty="0" err="1"/>
@@ -27442,7 +25564,7 @@
       </p:sp>
       <p:pic>
         <p:nvPicPr>
-          <p:cNvPr id="4098" name="Picture 2"/>
+          <p:cNvPr id="3074" name="Picture 2"/>
           <p:cNvPicPr>
             <a:picLocks noGrp="1" noChangeAspect="1" noChangeArrowheads="1"/>
           </p:cNvPicPr>
@@ -27459,8 +25581,8 @@
         </p:blipFill>
         <p:spPr bwMode="auto">
           <a:xfrm>
-            <a:off x="2819400" y="1600200"/>
-            <a:ext cx="6400800" cy="4038600"/>
+            <a:off x="2170112" y="2027751"/>
+            <a:ext cx="7848600" cy="4001200"/>
           </a:xfrm>
           <a:prstGeom prst="rect">
             <a:avLst/>
@@ -27474,61 +25596,10 @@
           </a:ln>
         </p:spPr>
       </p:pic>
-      <mc:AlternateContent xmlns:mc="http://schemas.openxmlformats.org/markup-compatibility/2006" xmlns:p14="http://schemas.microsoft.com/office/powerpoint/2010/main">
-        <mc:Choice Requires="p14">
-          <p:contentPart p14:bwMode="auto" r:id="rId3">
-            <p14:nvContentPartPr>
-              <p14:cNvPr id="3" name="Ink 2">
-                <a:extLst>
-                  <a:ext uri="{FF2B5EF4-FFF2-40B4-BE49-F238E27FC236}">
-                    <a16:creationId xmlns:a16="http://schemas.microsoft.com/office/drawing/2014/main" id="{E1C8A001-2696-41DB-B5C5-DB112E61DCDE}"/>
-                  </a:ext>
-                </a:extLst>
-              </p14:cNvPr>
-              <p14:cNvContentPartPr/>
-              <p14:nvPr/>
-            </p14:nvContentPartPr>
-            <p14:xfrm>
-              <a:off x="2614680" y="1847880"/>
-              <a:ext cx="2571480" cy="3999960"/>
-            </p14:xfrm>
-          </p:contentPart>
-        </mc:Choice>
-        <mc:Fallback xmlns="">
-          <p:pic>
-            <p:nvPicPr>
-              <p:cNvPr id="3" name="Ink 2">
-                <a:extLst>
-                  <a:ext uri="{FF2B5EF4-FFF2-40B4-BE49-F238E27FC236}">
-                    <a16:creationId xmlns:a16="http://schemas.microsoft.com/office/drawing/2014/main" id="{E1C8A001-2696-41DB-B5C5-DB112E61DCDE}"/>
-                  </a:ext>
-                </a:extLst>
-              </p:cNvPr>
-              <p:cNvPicPr/>
-              <p:nvPr/>
-            </p:nvPicPr>
-            <p:blipFill>
-              <a:blip r:embed="rId4"/>
-              <a:stretch>
-                <a:fillRect/>
-              </a:stretch>
-            </p:blipFill>
-            <p:spPr>
-              <a:xfrm>
-                <a:off x="2605320" y="1838520"/>
-                <a:ext cx="2590200" cy="4018680"/>
-              </a:xfrm>
-              <a:prstGeom prst="rect">
-                <a:avLst/>
-              </a:prstGeom>
-            </p:spPr>
-          </p:pic>
-        </mc:Fallback>
-      </mc:AlternateContent>
     </p:spTree>
     <p:extLst>
       <p:ext uri="{BB962C8B-B14F-4D97-AF65-F5344CB8AC3E}">
-        <p14:creationId xmlns:p14="http://schemas.microsoft.com/office/powerpoint/2010/main" val="2991777092"/>
+        <p14:creationId xmlns:p14="http://schemas.microsoft.com/office/powerpoint/2010/main" val="3027393227"/>
       </p:ext>
     </p:extLst>
   </p:cSld>
@@ -27572,7 +25643,7 @@
           <a:p>
             <a:r>
               <a:rPr lang="en-US" dirty="0"/>
-              <a:t>Quirks of </a:t>
+              <a:t>Memory Allocation of </a:t>
             </a:r>
             <a:r>
               <a:rPr lang="en-US" dirty="0" err="1"/>
@@ -27584,7 +25655,7 @@
       </p:sp>
       <p:pic>
         <p:nvPicPr>
-          <p:cNvPr id="3074" name="Picture 2"/>
+          <p:cNvPr id="4098" name="Picture 2"/>
           <p:cNvPicPr>
             <a:picLocks noGrp="1" noChangeAspect="1" noChangeArrowheads="1"/>
           </p:cNvPicPr>
@@ -27601,8 +25672,8 @@
         </p:blipFill>
         <p:spPr bwMode="auto">
           <a:xfrm>
-            <a:off x="2170112" y="2027751"/>
-            <a:ext cx="7848600" cy="4001200"/>
+            <a:off x="2819400" y="1600200"/>
+            <a:ext cx="6400800" cy="4038600"/>
           </a:xfrm>
           <a:prstGeom prst="rect">
             <a:avLst/>
@@ -27616,61 +25687,10 @@
           </a:ln>
         </p:spPr>
       </p:pic>
-      <mc:AlternateContent xmlns:mc="http://schemas.openxmlformats.org/markup-compatibility/2006" xmlns:p14="http://schemas.microsoft.com/office/powerpoint/2010/main">
-        <mc:Choice Requires="p14">
-          <p:contentPart p14:bwMode="auto" r:id="rId3">
-            <p14:nvContentPartPr>
-              <p14:cNvPr id="3" name="Ink 2">
-                <a:extLst>
-                  <a:ext uri="{FF2B5EF4-FFF2-40B4-BE49-F238E27FC236}">
-                    <a16:creationId xmlns:a16="http://schemas.microsoft.com/office/drawing/2014/main" id="{3A50C27A-98D2-4E58-ABB7-B22FDA2A85FB}"/>
-                  </a:ext>
-                </a:extLst>
-              </p14:cNvPr>
-              <p14:cNvContentPartPr/>
-              <p14:nvPr/>
-            </p14:nvContentPartPr>
-            <p14:xfrm>
-              <a:off x="3640320" y="3493800"/>
-              <a:ext cx="5446080" cy="1877400"/>
-            </p14:xfrm>
-          </p:contentPart>
-        </mc:Choice>
-        <mc:Fallback xmlns="">
-          <p:pic>
-            <p:nvPicPr>
-              <p:cNvPr id="3" name="Ink 2">
-                <a:extLst>
-                  <a:ext uri="{FF2B5EF4-FFF2-40B4-BE49-F238E27FC236}">
-                    <a16:creationId xmlns:a16="http://schemas.microsoft.com/office/drawing/2014/main" id="{3A50C27A-98D2-4E58-ABB7-B22FDA2A85FB}"/>
-                  </a:ext>
-                </a:extLst>
-              </p:cNvPr>
-              <p:cNvPicPr/>
-              <p:nvPr/>
-            </p:nvPicPr>
-            <p:blipFill>
-              <a:blip r:embed="rId4"/>
-              <a:stretch>
-                <a:fillRect/>
-              </a:stretch>
-            </p:blipFill>
-            <p:spPr>
-              <a:xfrm>
-                <a:off x="3630960" y="3484440"/>
-                <a:ext cx="5464800" cy="1896120"/>
-              </a:xfrm>
-              <a:prstGeom prst="rect">
-                <a:avLst/>
-              </a:prstGeom>
-            </p:spPr>
-          </p:pic>
-        </mc:Fallback>
-      </mc:AlternateContent>
     </p:spTree>
     <p:extLst>
       <p:ext uri="{BB962C8B-B14F-4D97-AF65-F5344CB8AC3E}">
-        <p14:creationId xmlns:p14="http://schemas.microsoft.com/office/powerpoint/2010/main" val="3027393227"/>
+        <p14:creationId xmlns:p14="http://schemas.microsoft.com/office/powerpoint/2010/main" val="2991777092"/>
       </p:ext>
     </p:extLst>
   </p:cSld>
@@ -28227,12 +26247,21 @@
 </file>
 
 <file path=customXml/item1.xml><?xml version="1.0" encoding="utf-8"?>
+<?mso-contentType ?>
+<FormTemplates xmlns="http://schemas.microsoft.com/sharepoint/v3/contenttype/forms">
+  <Display>DocumentLibraryForm</Display>
+  <Edit>DocumentLibraryForm</Edit>
+  <New>DocumentLibraryForm</New>
+</FormTemplates>
+</file>
+
+<file path=customXml/item2.xml><?xml version="1.0" encoding="utf-8"?>
 <p:properties xmlns:p="http://schemas.microsoft.com/office/2006/metadata/properties" xmlns:xsi="http://www.w3.org/2001/XMLSchema-instance" xmlns:pc="http://schemas.microsoft.com/office/infopath/2007/PartnerControls">
   <documentManagement/>
 </p:properties>
 </file>
 
-<file path=customXml/item2.xml><?xml version="1.0" encoding="utf-8"?>
+<file path=customXml/item3.xml><?xml version="1.0" encoding="utf-8"?>
 <ct:contentTypeSchema xmlns:ct="http://schemas.microsoft.com/office/2006/metadata/contentType" xmlns:ma="http://schemas.microsoft.com/office/2006/metadata/properties/metaAttributes" ct:_="" ma:_="" ma:contentTypeName="Document" ma:contentTypeID="0x0101005E4A05A4197C59409E7B570369F74C4E" ma:contentTypeVersion="13" ma:contentTypeDescription="Create a new document." ma:contentTypeScope="" ma:versionID="0e63d315a94f20f5a764d0041f1592d4">
   <xsd:schema xmlns:xsd="http://www.w3.org/2001/XMLSchema" xmlns:xs="http://www.w3.org/2001/XMLSchema" xmlns:p="http://schemas.microsoft.com/office/2006/metadata/properties" xmlns:ns3="314e9384-4f21-4684-9ec7-4710b26e8a94" xmlns:ns4="ccbf7843-e186-41ce-909f-780a927d0f38" targetNamespace="http://schemas.microsoft.com/office/2006/metadata/properties" ma:root="true" ma:fieldsID="33e0a4a99f71b30adcdacaccad14835e" ns3:_="" ns4:_="">
     <xsd:import namespace="314e9384-4f21-4684-9ec7-4710b26e8a94"/>
@@ -28455,16 +26484,15 @@
 </ct:contentTypeSchema>
 </file>
 
-<file path=customXml/item3.xml><?xml version="1.0" encoding="utf-8"?>
-<?mso-contentType ?>
-<FormTemplates xmlns="http://schemas.microsoft.com/sharepoint/v3/contenttype/forms">
-  <Display>DocumentLibraryForm</Display>
-  <Edit>DocumentLibraryForm</Edit>
-  <New>DocumentLibraryForm</New>
-</FormTemplates>
+<file path=customXml/itemProps1.xml><?xml version="1.0" encoding="utf-8"?>
+<ds:datastoreItem xmlns:ds="http://schemas.openxmlformats.org/officeDocument/2006/customXml" ds:itemID="{EEC23932-1F1D-49C0-A5BC-B18546209C1E}">
+  <ds:schemaRefs>
+    <ds:schemaRef ds:uri="http://schemas.microsoft.com/sharepoint/v3/contenttype/forms"/>
+  </ds:schemaRefs>
+</ds:datastoreItem>
 </file>
 
-<file path=customXml/itemProps1.xml><?xml version="1.0" encoding="utf-8"?>
+<file path=customXml/itemProps2.xml><?xml version="1.0" encoding="utf-8"?>
 <ds:datastoreItem xmlns:ds="http://schemas.openxmlformats.org/officeDocument/2006/customXml" ds:itemID="{429BD121-A3B1-419C-B333-7CC4332B7D19}">
   <ds:schemaRefs>
     <ds:schemaRef ds:uri="http://schemas.microsoft.com/office/infopath/2007/PartnerControls"/>
@@ -28481,7 +26509,7 @@
 </ds:datastoreItem>
 </file>
 
-<file path=customXml/itemProps2.xml><?xml version="1.0" encoding="utf-8"?>
+<file path=customXml/itemProps3.xml><?xml version="1.0" encoding="utf-8"?>
 <ds:datastoreItem xmlns:ds="http://schemas.openxmlformats.org/officeDocument/2006/customXml" ds:itemID="{68EA4EB9-069B-4423-A3D8-EDD53AF9031E}">
   <ds:schemaRefs>
     <ds:schemaRef ds:uri="http://schemas.microsoft.com/office/2006/metadata/contentType"/>
@@ -28498,12 +26526,4 @@
     <ds:schemaRef ds:uri="http://schemas.microsoft.com/internal/obd"/>
   </ds:schemaRefs>
 </ds:datastoreItem>
-</file>
-
-<file path=customXml/itemProps3.xml><?xml version="1.0" encoding="utf-8"?>
-<ds:datastoreItem xmlns:ds="http://schemas.openxmlformats.org/officeDocument/2006/customXml" ds:itemID="{EEC23932-1F1D-49C0-A5BC-B18546209C1E}">
-  <ds:schemaRefs>
-    <ds:schemaRef ds:uri="http://schemas.microsoft.com/sharepoint/v3/contenttype/forms"/>
-  </ds:schemaRefs>
-</ds:datastoreItem>
 </file>